--- a/slides/agentic-ai.pptx
+++ b/slides/agentic-ai.pptx
@@ -2,7 +2,7 @@
 <file path=ppt/presentation.xml><?xml version="1.0" encoding="utf-8"?>
 <p:presentation xmlns:a="http://schemas.openxmlformats.org/drawingml/2006/main" xmlns:p="http://schemas.openxmlformats.org/presentationml/2006/main" xmlns:r="http://schemas.openxmlformats.org/officeDocument/2006/relationships" autoCompressPictures="0" saveSubsetFonts="1">
   <p:sldMasterIdLst>
-    <p:sldMasterId id="2147483648" r:id="rId1"/>
+    <p:sldMasterId id="2147483660" r:id="rId1"/>
   </p:sldMasterIdLst>
   <p:notesMasterIdLst>
     <p:notesMasterId r:id="rId28"/>
@@ -41,7 +41,7 @@
     <a:defPPr>
       <a:defRPr lang="en-US"/>
     </a:defPPr>
-    <a:lvl1pPr algn="l" defTabSz="457200" eaLnBrk="1" hangingPunct="1" latinLnBrk="0" marL="0" rtl="0">
+    <a:lvl1pPr algn="l" defTabSz="914400" eaLnBrk="1" hangingPunct="1" latinLnBrk="0" marL="0" rtl="0">
       <a:defRPr kern="1200" sz="1800">
         <a:solidFill>
           <a:schemeClr val="tx1"/>
@@ -51,7 +51,7 @@
         <a:cs typeface="+mn-cs"/>
       </a:defRPr>
     </a:lvl1pPr>
-    <a:lvl2pPr algn="l" defTabSz="457200" eaLnBrk="1" hangingPunct="1" latinLnBrk="0" marL="457200" rtl="0">
+    <a:lvl2pPr algn="l" defTabSz="914400" eaLnBrk="1" hangingPunct="1" latinLnBrk="0" marL="457200" rtl="0">
       <a:defRPr kern="1200" sz="1800">
         <a:solidFill>
           <a:schemeClr val="tx1"/>
@@ -61,7 +61,7 @@
         <a:cs typeface="+mn-cs"/>
       </a:defRPr>
     </a:lvl2pPr>
-    <a:lvl3pPr algn="l" defTabSz="457200" eaLnBrk="1" hangingPunct="1" latinLnBrk="0" marL="914400" rtl="0">
+    <a:lvl3pPr algn="l" defTabSz="914400" eaLnBrk="1" hangingPunct="1" latinLnBrk="0" marL="914400" rtl="0">
       <a:defRPr kern="1200" sz="1800">
         <a:solidFill>
           <a:schemeClr val="tx1"/>
@@ -71,7 +71,7 @@
         <a:cs typeface="+mn-cs"/>
       </a:defRPr>
     </a:lvl3pPr>
-    <a:lvl4pPr algn="l" defTabSz="457200" eaLnBrk="1" hangingPunct="1" latinLnBrk="0" marL="1371600" rtl="0">
+    <a:lvl4pPr algn="l" defTabSz="914400" eaLnBrk="1" hangingPunct="1" latinLnBrk="0" marL="1371600" rtl="0">
       <a:defRPr kern="1200" sz="1800">
         <a:solidFill>
           <a:schemeClr val="tx1"/>
@@ -81,7 +81,7 @@
         <a:cs typeface="+mn-cs"/>
       </a:defRPr>
     </a:lvl4pPr>
-    <a:lvl5pPr algn="l" defTabSz="457200" eaLnBrk="1" hangingPunct="1" latinLnBrk="0" marL="1828800" rtl="0">
+    <a:lvl5pPr algn="l" defTabSz="914400" eaLnBrk="1" hangingPunct="1" latinLnBrk="0" marL="1828800" rtl="0">
       <a:defRPr kern="1200" sz="1800">
         <a:solidFill>
           <a:schemeClr val="tx1"/>
@@ -91,7 +91,7 @@
         <a:cs typeface="+mn-cs"/>
       </a:defRPr>
     </a:lvl5pPr>
-    <a:lvl6pPr algn="l" defTabSz="457200" eaLnBrk="1" hangingPunct="1" latinLnBrk="0" marL="2286000" rtl="0">
+    <a:lvl6pPr algn="l" defTabSz="914400" eaLnBrk="1" hangingPunct="1" latinLnBrk="0" marL="2286000" rtl="0">
       <a:defRPr kern="1200" sz="1800">
         <a:solidFill>
           <a:schemeClr val="tx1"/>
@@ -101,7 +101,7 @@
         <a:cs typeface="+mn-cs"/>
       </a:defRPr>
     </a:lvl6pPr>
-    <a:lvl7pPr algn="l" defTabSz="457200" eaLnBrk="1" hangingPunct="1" latinLnBrk="0" marL="2743200" rtl="0">
+    <a:lvl7pPr algn="l" defTabSz="914400" eaLnBrk="1" hangingPunct="1" latinLnBrk="0" marL="2743200" rtl="0">
       <a:defRPr kern="1200" sz="1800">
         <a:solidFill>
           <a:schemeClr val="tx1"/>
@@ -111,7 +111,7 @@
         <a:cs typeface="+mn-cs"/>
       </a:defRPr>
     </a:lvl7pPr>
-    <a:lvl8pPr algn="l" defTabSz="457200" eaLnBrk="1" hangingPunct="1" latinLnBrk="0" marL="3200400" rtl="0">
+    <a:lvl8pPr algn="l" defTabSz="914400" eaLnBrk="1" hangingPunct="1" latinLnBrk="0" marL="3200400" rtl="0">
       <a:defRPr kern="1200" sz="1800">
         <a:solidFill>
           <a:schemeClr val="tx1"/>
@@ -121,7 +121,7 @@
         <a:cs typeface="+mn-cs"/>
       </a:defRPr>
     </a:lvl8pPr>
-    <a:lvl9pPr algn="l" defTabSz="457200" eaLnBrk="1" hangingPunct="1" latinLnBrk="0" marL="3657600" rtl="0">
+    <a:lvl9pPr algn="l" defTabSz="914400" eaLnBrk="1" hangingPunct="1" latinLnBrk="0" marL="3657600" rtl="0">
       <a:defRPr kern="1200" sz="1800">
         <a:solidFill>
           <a:schemeClr val="tx1"/>
@@ -132,6 +132,22 @@
       </a:defRPr>
     </a:lvl9pPr>
   </p:defaultTextStyle>
+  <p:extLst>
+    <p:ext uri="{EFAFB233-063F-42B5-8137-9DF3F51BA10A}">
+      <p15:sldGuideLst xmlns:p15="http://schemas.microsoft.com/office/powerpoint/2012/main">
+        <p15:guide id="1" orient="horz" pos="2160">
+          <p15:clr>
+            <a:srgbClr val="A4A3A4"/>
+          </p15:clr>
+        </p15:guide>
+        <p15:guide id="2" pos="2880">
+          <p15:clr>
+            <a:srgbClr val="A4A3A4"/>
+          </p15:clr>
+        </p15:guide>
+      </p15:sldGuideLst>
+    </p:ext>
+  </p:extLst>
 </p:presentation>
 </file>
 
@@ -184,7 +200,7 @@
             </a:lvl1pPr>
           </a:lstStyle>
           <a:p>
-            <a:endParaRPr lang="en-US"/>
+            <a:endParaRPr lang="en-GB"/>
           </a:p>
         </p:txBody>
       </p:sp>
@@ -215,11 +231,11 @@
             </a:lvl1pPr>
           </a:lstStyle>
           <a:p>
-            <a:fld id="{0F9C1CCF-B725-44A7-AA57-5E433BD85C9F}" type="datetimeFigureOut">
-              <a:rPr lang="en-US" smtClean="0"/>
-              <a:t>1/2/22</a:t>
+            <a:fld id="{9FE042B1-001A-4284-B1DE-11FEF01B8929}" type="datetimeFigureOut">
+              <a:rPr lang="en-GB" smtClean="0"/>
+              <a:t>30/10/2025</a:t>
             </a:fld>
-            <a:endParaRPr lang="en-US"/>
+            <a:endParaRPr lang="en-GB"/>
           </a:p>
         </p:txBody>
       </p:sp>
@@ -235,8 +251,8 @@
         </p:nvSpPr>
         <p:spPr>
           <a:xfrm>
-            <a:off x="685800" y="1143000"/>
-            <a:ext cx="5486400" cy="3086100"/>
+            <a:off x="1371600" y="1143000"/>
+            <a:ext cx="4114800" cy="3086100"/>
           </a:xfrm>
           <a:prstGeom prst="rect">
             <a:avLst/>
@@ -252,7 +268,7 @@
           <a:bodyPr vert="horz" lIns="91440" tIns="45720" rIns="91440" bIns="45720" rtlCol="0" anchor="ctr"/>
           <a:lstStyle/>
           <a:p>
-            <a:endParaRPr lang="en-US"/>
+            <a:endParaRPr lang="en-GB"/>
           </a:p>
         </p:txBody>
       </p:sp>
@@ -312,6 +328,7 @@
               <a:rPr lang="en-US"/>
               <a:t>Fifth level</a:t>
             </a:r>
+            <a:endParaRPr lang="en-GB"/>
           </a:p>
         </p:txBody>
       </p:sp>
@@ -342,7 +359,7 @@
             </a:lvl1pPr>
           </a:lstStyle>
           <a:p>
-            <a:endParaRPr lang="en-US"/>
+            <a:endParaRPr lang="en-GB"/>
           </a:p>
         </p:txBody>
       </p:sp>
@@ -373,18 +390,18 @@
             </a:lvl1pPr>
           </a:lstStyle>
           <a:p>
-            <a:fld id="{18BDFEC3-8487-43E8-A154-7C12CBC1FFF2}" type="slidenum">
-              <a:rPr lang="en-US" smtClean="0"/>
+            <a:fld id="{41EEC180-F731-42C7-829F-6F7BB193300B}" type="slidenum">
+              <a:rPr lang="en-GB" smtClean="0"/>
               <a:t>‹#›</a:t>
             </a:fld>
-            <a:endParaRPr lang="en-US"/>
+            <a:endParaRPr lang="en-GB"/>
           </a:p>
         </p:txBody>
       </p:sp>
     </p:spTree>
     <p:extLst>
       <p:ext uri="{BB962C8B-B14F-4D97-AF65-F5344CB8AC3E}">
-        <p14:creationId xmlns:p14="http://schemas.microsoft.com/office/powerpoint/2010/main" val="3782709779"/>
+        <p14:creationId xmlns:p14="http://schemas.microsoft.com/office/powerpoint/2010/main" val="1480146486"/>
       </p:ext>
     </p:extLst>
   </p:cSld>
@@ -553,7 +570,7 @@
           <a:bodyPr/>
           <a:lstStyle/>
           <a:p>
-            <a:fld id="{18BDFEC3-8487-43E8-A154-7C12CBC1FFF2}" type="slidenum">
+            <a:fld id="{41EEC180-F731-42C7-829F-6F7BB193300B}" type="slidenum">
               <a:rPr lang="en-US"/>
               <a:t>2</a:t>
             </a:fld>
@@ -635,7 +652,7 @@
           <a:bodyPr/>
           <a:lstStyle/>
           <a:p>
-            <a:fld id="{18BDFEC3-8487-43E8-A154-7C12CBC1FFF2}" type="slidenum">
+            <a:fld id="{41EEC180-F731-42C7-829F-6F7BB193300B}" type="slidenum">
               <a:rPr lang="en-US"/>
               <a:t>11</a:t>
             </a:fld>
@@ -717,7 +734,7 @@
           <a:bodyPr/>
           <a:lstStyle/>
           <a:p>
-            <a:fld id="{18BDFEC3-8487-43E8-A154-7C12CBC1FFF2}" type="slidenum">
+            <a:fld id="{41EEC180-F731-42C7-829F-6F7BB193300B}" type="slidenum">
               <a:rPr lang="en-US"/>
               <a:t>12</a:t>
             </a:fld>
@@ -799,7 +816,7 @@
           <a:bodyPr/>
           <a:lstStyle/>
           <a:p>
-            <a:fld id="{18BDFEC3-8487-43E8-A154-7C12CBC1FFF2}" type="slidenum">
+            <a:fld id="{41EEC180-F731-42C7-829F-6F7BB193300B}" type="slidenum">
               <a:rPr lang="en-US"/>
               <a:t>13</a:t>
             </a:fld>
@@ -881,7 +898,7 @@
           <a:bodyPr/>
           <a:lstStyle/>
           <a:p>
-            <a:fld id="{18BDFEC3-8487-43E8-A154-7C12CBC1FFF2}" type="slidenum">
+            <a:fld id="{41EEC180-F731-42C7-829F-6F7BB193300B}" type="slidenum">
               <a:rPr lang="en-US"/>
               <a:t>14</a:t>
             </a:fld>
@@ -963,7 +980,7 @@
           <a:bodyPr/>
           <a:lstStyle/>
           <a:p>
-            <a:fld id="{18BDFEC3-8487-43E8-A154-7C12CBC1FFF2}" type="slidenum">
+            <a:fld id="{41EEC180-F731-42C7-829F-6F7BB193300B}" type="slidenum">
               <a:rPr lang="en-US"/>
               <a:t>15</a:t>
             </a:fld>
@@ -1045,7 +1062,7 @@
           <a:bodyPr/>
           <a:lstStyle/>
           <a:p>
-            <a:fld id="{18BDFEC3-8487-43E8-A154-7C12CBC1FFF2}" type="slidenum">
+            <a:fld id="{41EEC180-F731-42C7-829F-6F7BB193300B}" type="slidenum">
               <a:rPr lang="en-US"/>
               <a:t>16</a:t>
             </a:fld>
@@ -1127,7 +1144,7 @@
           <a:bodyPr/>
           <a:lstStyle/>
           <a:p>
-            <a:fld id="{18BDFEC3-8487-43E8-A154-7C12CBC1FFF2}" type="slidenum">
+            <a:fld id="{41EEC180-F731-42C7-829F-6F7BB193300B}" type="slidenum">
               <a:rPr lang="en-US"/>
               <a:t>17</a:t>
             </a:fld>
@@ -1209,7 +1226,7 @@
           <a:bodyPr/>
           <a:lstStyle/>
           <a:p>
-            <a:fld id="{18BDFEC3-8487-43E8-A154-7C12CBC1FFF2}" type="slidenum">
+            <a:fld id="{41EEC180-F731-42C7-829F-6F7BB193300B}" type="slidenum">
               <a:rPr lang="en-US"/>
               <a:t>18</a:t>
             </a:fld>
@@ -1291,7 +1308,7 @@
           <a:bodyPr/>
           <a:lstStyle/>
           <a:p>
-            <a:fld id="{18BDFEC3-8487-43E8-A154-7C12CBC1FFF2}" type="slidenum">
+            <a:fld id="{41EEC180-F731-42C7-829F-6F7BB193300B}" type="slidenum">
               <a:rPr lang="en-US"/>
               <a:t>19</a:t>
             </a:fld>
@@ -1373,7 +1390,7 @@
           <a:bodyPr/>
           <a:lstStyle/>
           <a:p>
-            <a:fld id="{18BDFEC3-8487-43E8-A154-7C12CBC1FFF2}" type="slidenum">
+            <a:fld id="{41EEC180-F731-42C7-829F-6F7BB193300B}" type="slidenum">
               <a:rPr lang="en-US"/>
               <a:t>20</a:t>
             </a:fld>
@@ -1455,7 +1472,7 @@
           <a:bodyPr/>
           <a:lstStyle/>
           <a:p>
-            <a:fld id="{18BDFEC3-8487-43E8-A154-7C12CBC1FFF2}" type="slidenum">
+            <a:fld id="{41EEC180-F731-42C7-829F-6F7BB193300B}" type="slidenum">
               <a:rPr lang="en-US"/>
               <a:t>3</a:t>
             </a:fld>
@@ -1537,7 +1554,7 @@
           <a:bodyPr/>
           <a:lstStyle/>
           <a:p>
-            <a:fld id="{18BDFEC3-8487-43E8-A154-7C12CBC1FFF2}" type="slidenum">
+            <a:fld id="{41EEC180-F731-42C7-829F-6F7BB193300B}" type="slidenum">
               <a:rPr lang="en-US"/>
               <a:t>21</a:t>
             </a:fld>
@@ -1619,7 +1636,7 @@
           <a:bodyPr/>
           <a:lstStyle/>
           <a:p>
-            <a:fld id="{18BDFEC3-8487-43E8-A154-7C12CBC1FFF2}" type="slidenum">
+            <a:fld id="{41EEC180-F731-42C7-829F-6F7BB193300B}" type="slidenum">
               <a:rPr lang="en-US"/>
               <a:t>22</a:t>
             </a:fld>
@@ -1701,7 +1718,7 @@
           <a:bodyPr/>
           <a:lstStyle/>
           <a:p>
-            <a:fld id="{18BDFEC3-8487-43E8-A154-7C12CBC1FFF2}" type="slidenum">
+            <a:fld id="{41EEC180-F731-42C7-829F-6F7BB193300B}" type="slidenum">
               <a:rPr lang="en-US"/>
               <a:t>23</a:t>
             </a:fld>
@@ -1783,7 +1800,7 @@
           <a:bodyPr/>
           <a:lstStyle/>
           <a:p>
-            <a:fld id="{18BDFEC3-8487-43E8-A154-7C12CBC1FFF2}" type="slidenum">
+            <a:fld id="{41EEC180-F731-42C7-829F-6F7BB193300B}" type="slidenum">
               <a:rPr lang="en-US"/>
               <a:t>24</a:t>
             </a:fld>
@@ -1865,7 +1882,7 @@
           <a:bodyPr/>
           <a:lstStyle/>
           <a:p>
-            <a:fld id="{18BDFEC3-8487-43E8-A154-7C12CBC1FFF2}" type="slidenum">
+            <a:fld id="{41EEC180-F731-42C7-829F-6F7BB193300B}" type="slidenum">
               <a:rPr lang="en-US"/>
               <a:t>25</a:t>
             </a:fld>
@@ -1947,7 +1964,7 @@
           <a:bodyPr/>
           <a:lstStyle/>
           <a:p>
-            <a:fld id="{18BDFEC3-8487-43E8-A154-7C12CBC1FFF2}" type="slidenum">
+            <a:fld id="{41EEC180-F731-42C7-829F-6F7BB193300B}" type="slidenum">
               <a:rPr lang="en-US"/>
               <a:t>26</a:t>
             </a:fld>
@@ -2029,7 +2046,7 @@
           <a:bodyPr/>
           <a:lstStyle/>
           <a:p>
-            <a:fld id="{18BDFEC3-8487-43E8-A154-7C12CBC1FFF2}" type="slidenum">
+            <a:fld id="{41EEC180-F731-42C7-829F-6F7BB193300B}" type="slidenum">
               <a:rPr lang="en-US"/>
               <a:t>4</a:t>
             </a:fld>
@@ -2111,7 +2128,7 @@
           <a:bodyPr/>
           <a:lstStyle/>
           <a:p>
-            <a:fld id="{18BDFEC3-8487-43E8-A154-7C12CBC1FFF2}" type="slidenum">
+            <a:fld id="{41EEC180-F731-42C7-829F-6F7BB193300B}" type="slidenum">
               <a:rPr lang="en-US"/>
               <a:t>5</a:t>
             </a:fld>
@@ -2193,7 +2210,7 @@
           <a:bodyPr/>
           <a:lstStyle/>
           <a:p>
-            <a:fld id="{18BDFEC3-8487-43E8-A154-7C12CBC1FFF2}" type="slidenum">
+            <a:fld id="{41EEC180-F731-42C7-829F-6F7BB193300B}" type="slidenum">
               <a:rPr lang="en-US"/>
               <a:t>6</a:t>
             </a:fld>
@@ -2275,7 +2292,7 @@
           <a:bodyPr/>
           <a:lstStyle/>
           <a:p>
-            <a:fld id="{18BDFEC3-8487-43E8-A154-7C12CBC1FFF2}" type="slidenum">
+            <a:fld id="{41EEC180-F731-42C7-829F-6F7BB193300B}" type="slidenum">
               <a:rPr lang="en-US"/>
               <a:t>7</a:t>
             </a:fld>
@@ -2357,7 +2374,7 @@
           <a:bodyPr/>
           <a:lstStyle/>
           <a:p>
-            <a:fld id="{18BDFEC3-8487-43E8-A154-7C12CBC1FFF2}" type="slidenum">
+            <a:fld id="{41EEC180-F731-42C7-829F-6F7BB193300B}" type="slidenum">
               <a:rPr lang="en-US"/>
               <a:t>8</a:t>
             </a:fld>
@@ -2439,7 +2456,7 @@
           <a:bodyPr/>
           <a:lstStyle/>
           <a:p>
-            <a:fld id="{18BDFEC3-8487-43E8-A154-7C12CBC1FFF2}" type="slidenum">
+            <a:fld id="{41EEC180-F731-42C7-829F-6F7BB193300B}" type="slidenum">
               <a:rPr lang="en-US"/>
               <a:t>9</a:t>
             </a:fld>
@@ -2521,7 +2538,7 @@
           <a:bodyPr/>
           <a:lstStyle/>
           <a:p>
-            <a:fld id="{18BDFEC3-8487-43E8-A154-7C12CBC1FFF2}" type="slidenum">
+            <a:fld id="{41EEC180-F731-42C7-829F-6F7BB193300B}" type="slidenum">
               <a:rPr lang="en-US"/>
               <a:t>10</a:t>
             </a:fld>
@@ -2553,7 +2570,13 @@
       </p:grpSpPr>
       <p:sp>
         <p:nvSpPr>
-          <p:cNvPr id="2" name="Title 1"/>
+          <p:cNvPr id="2" name="Title 1">
+            <a:extLst>
+              <a:ext uri="{FF2B5EF4-FFF2-40B4-BE49-F238E27FC236}">
+                <a16:creationId xmlns:a16="http://schemas.microsoft.com/office/drawing/2014/main" id="{5216EB9F-821C-3043-9B29-83C5977F52F4}"/>
+              </a:ext>
+            </a:extLst>
+          </p:cNvPr>
           <p:cNvSpPr>
             <a:spLocks noGrp="1"/>
           </p:cNvSpPr>
@@ -2563,25 +2586,48 @@
         </p:nvSpPr>
         <p:spPr>
           <a:xfrm>
-            <a:off x="685800" y="2130425"/>
-            <a:ext cx="7772400" cy="1470025"/>
+            <a:off x="1143000" y="677667"/>
+            <a:ext cx="6858000" cy="1987895"/>
           </a:xfrm>
         </p:spPr>
         <p:txBody>
-          <a:bodyPr/>
-          <a:lstStyle/>
-          <a:p>
-            <a:r>
-              <a:rPr lang="en-US" smtClean="0"/>
+          <a:bodyPr anchor="b">
+            <a:normAutofit/>
+          </a:bodyPr>
+          <a:lstStyle>
+            <a:lvl1pPr algn="ctr">
+              <a:defRPr sz="5400">
+                <a:solidFill>
+                  <a:srgbClr val="3EE3F4"/>
+                </a:solidFill>
+                <a:effectLst>
+                  <a:outerShdw blurRad="38100" dist="38100" dir="2700000" algn="tl">
+                    <a:srgbClr val="000000">
+                      <a:alpha val="43137"/>
+                    </a:srgbClr>
+                  </a:outerShdw>
+                </a:effectLst>
+              </a:defRPr>
+            </a:lvl1pPr>
+          </a:lstStyle>
+          <a:p>
+            <a:r>
+              <a:rPr lang="en-GB" dirty="0"/>
               <a:t>Click to edit Master title style</a:t>
             </a:r>
-            <a:endParaRPr lang="en-US"/>
-          </a:p>
-        </p:txBody>
-      </p:sp>
-      <p:sp>
-        <p:nvSpPr>
-          <p:cNvPr id="3" name="Subtitle 2"/>
+            <a:endParaRPr lang="en-US" dirty="0"/>
+          </a:p>
+        </p:txBody>
+      </p:sp>
+      <p:sp>
+        <p:nvSpPr>
+          <p:cNvPr id="3" name="Subtitle 2">
+            <a:extLst>
+              <a:ext uri="{FF2B5EF4-FFF2-40B4-BE49-F238E27FC236}">
+                <a16:creationId xmlns:a16="http://schemas.microsoft.com/office/drawing/2014/main" id="{8C337200-5D83-FE46-9E69-B6B1D353C69A}"/>
+              </a:ext>
+            </a:extLst>
+          </p:cNvPr>
           <p:cNvSpPr>
             <a:spLocks noGrp="1"/>
           </p:cNvSpPr>
@@ -2591,131 +2637,96 @@
         </p:nvSpPr>
         <p:spPr>
           <a:xfrm>
-            <a:off x="1371600" y="3886200"/>
-            <a:ext cx="6400800" cy="1752600"/>
+            <a:off x="1143000" y="4542318"/>
+            <a:ext cx="6858000" cy="733231"/>
           </a:xfrm>
         </p:spPr>
         <p:txBody>
-          <a:bodyPr/>
+          <a:bodyPr>
+            <a:normAutofit/>
+          </a:bodyPr>
           <a:lstStyle>
             <a:lvl1pPr marL="0" indent="0" algn="ctr">
               <a:buNone/>
-              <a:defRPr>
+              <a:defRPr sz="3600" b="1">
                 <a:solidFill>
-                  <a:schemeClr val="tx1">
-                    <a:tint val="75000"/>
-                  </a:schemeClr>
+                  <a:srgbClr val="FFC000"/>
                 </a:solidFill>
+                <a:effectLst>
+                  <a:outerShdw blurRad="38100" dist="38100" dir="2700000" algn="tl">
+                    <a:srgbClr val="000000">
+                      <a:alpha val="43137"/>
+                    </a:srgbClr>
+                  </a:outerShdw>
+                </a:effectLst>
               </a:defRPr>
             </a:lvl1pPr>
-            <a:lvl2pPr marL="457200" indent="0" algn="ctr">
-              <a:buNone/>
-              <a:defRPr>
-                <a:solidFill>
-                  <a:schemeClr val="tx1">
-                    <a:tint val="75000"/>
-                  </a:schemeClr>
-                </a:solidFill>
-              </a:defRPr>
+            <a:lvl2pPr marL="257175" indent="0" algn="ctr">
+              <a:buNone/>
+              <a:defRPr sz="1125"/>
             </a:lvl2pPr>
-            <a:lvl3pPr marL="914400" indent="0" algn="ctr">
-              <a:buNone/>
-              <a:defRPr>
-                <a:solidFill>
-                  <a:schemeClr val="tx1">
-                    <a:tint val="75000"/>
-                  </a:schemeClr>
-                </a:solidFill>
-              </a:defRPr>
+            <a:lvl3pPr marL="514350" indent="0" algn="ctr">
+              <a:buNone/>
+              <a:defRPr sz="1013"/>
             </a:lvl3pPr>
-            <a:lvl4pPr marL="1371600" indent="0" algn="ctr">
-              <a:buNone/>
-              <a:defRPr>
-                <a:solidFill>
-                  <a:schemeClr val="tx1">
-                    <a:tint val="75000"/>
-                  </a:schemeClr>
-                </a:solidFill>
-              </a:defRPr>
+            <a:lvl4pPr marL="771525" indent="0" algn="ctr">
+              <a:buNone/>
+              <a:defRPr sz="900"/>
             </a:lvl4pPr>
-            <a:lvl5pPr marL="1828800" indent="0" algn="ctr">
-              <a:buNone/>
-              <a:defRPr>
-                <a:solidFill>
-                  <a:schemeClr val="tx1">
-                    <a:tint val="75000"/>
-                  </a:schemeClr>
-                </a:solidFill>
-              </a:defRPr>
+            <a:lvl5pPr marL="1028700" indent="0" algn="ctr">
+              <a:buNone/>
+              <a:defRPr sz="900"/>
             </a:lvl5pPr>
-            <a:lvl6pPr marL="2286000" indent="0" algn="ctr">
-              <a:buNone/>
-              <a:defRPr>
-                <a:solidFill>
-                  <a:schemeClr val="tx1">
-                    <a:tint val="75000"/>
-                  </a:schemeClr>
-                </a:solidFill>
-              </a:defRPr>
+            <a:lvl6pPr marL="1285875" indent="0" algn="ctr">
+              <a:buNone/>
+              <a:defRPr sz="900"/>
             </a:lvl6pPr>
-            <a:lvl7pPr marL="2743200" indent="0" algn="ctr">
-              <a:buNone/>
-              <a:defRPr>
-                <a:solidFill>
-                  <a:schemeClr val="tx1">
-                    <a:tint val="75000"/>
-                  </a:schemeClr>
-                </a:solidFill>
-              </a:defRPr>
+            <a:lvl7pPr marL="1543050" indent="0" algn="ctr">
+              <a:buNone/>
+              <a:defRPr sz="900"/>
             </a:lvl7pPr>
-            <a:lvl8pPr marL="3200400" indent="0" algn="ctr">
-              <a:buNone/>
-              <a:defRPr>
-                <a:solidFill>
-                  <a:schemeClr val="tx1">
-                    <a:tint val="75000"/>
-                  </a:schemeClr>
-                </a:solidFill>
-              </a:defRPr>
+            <a:lvl8pPr marL="1800225" indent="0" algn="ctr">
+              <a:buNone/>
+              <a:defRPr sz="900"/>
             </a:lvl8pPr>
-            <a:lvl9pPr marL="3657600" indent="0" algn="ctr">
-              <a:buNone/>
-              <a:defRPr>
-                <a:solidFill>
-                  <a:schemeClr val="tx1">
-                    <a:tint val="75000"/>
-                  </a:schemeClr>
-                </a:solidFill>
-              </a:defRPr>
+            <a:lvl9pPr marL="2057400" indent="0" algn="ctr">
+              <a:buNone/>
+              <a:defRPr sz="900"/>
             </a:lvl9pPr>
           </a:lstStyle>
           <a:p>
             <a:r>
+              <a:rPr lang="en-GB" dirty="0"/>
+              <a:t>Click to edit Master subtitle style</a:t>
+            </a:r>
+            <a:endParaRPr lang="en-US" dirty="0"/>
+          </a:p>
+        </p:txBody>
+      </p:sp>
+      <p:sp>
+        <p:nvSpPr>
+          <p:cNvPr id="4" name="Date Placeholder 3">
+            <a:extLst>
+              <a:ext uri="{FF2B5EF4-FFF2-40B4-BE49-F238E27FC236}">
+                <a16:creationId xmlns:a16="http://schemas.microsoft.com/office/drawing/2014/main" id="{1069A7C7-1ADA-474D-B8F0-3471D14F86DA}"/>
+              </a:ext>
+            </a:extLst>
+          </p:cNvPr>
+          <p:cNvSpPr>
+            <a:spLocks noGrp="1"/>
+          </p:cNvSpPr>
+          <p:nvPr>
+            <p:ph type="dt" sz="half" idx="10"/>
+          </p:nvPr>
+        </p:nvSpPr>
+        <p:spPr/>
+        <p:txBody>
+          <a:bodyPr/>
+          <a:lstStyle/>
+          <a:p>
+            <a:fld id="{241EB5C9-1307-BA42-ABA2-0BC069CD8E7F}" type="datetimeFigureOut">
               <a:rPr lang="en-US" smtClean="0"/>
-              <a:t>Click to edit Master subtitle style</a:t>
-            </a:r>
-            <a:endParaRPr lang="en-US"/>
-          </a:p>
-        </p:txBody>
-      </p:sp>
-      <p:sp>
-        <p:nvSpPr>
-          <p:cNvPr id="4" name="Date Placeholder 3"/>
-          <p:cNvSpPr>
-            <a:spLocks noGrp="1"/>
-          </p:cNvSpPr>
-          <p:nvPr>
-            <p:ph type="dt" sz="half" idx="10"/>
-          </p:nvPr>
-        </p:nvSpPr>
-        <p:spPr/>
-        <p:txBody>
-          <a:bodyPr/>
-          <a:lstStyle/>
-          <a:p>
-            <a:fld id="{5BCAD085-E8A6-8845-BD4E-CB4CCA059FC4}" type="datetimeFigureOut">
-              <a:rPr lang="en-US" smtClean="0"/>
-              <a:t>1/27/13</a:t>
+              <a:t>10/30/2025</a:t>
             </a:fld>
             <a:endParaRPr lang="en-US"/>
           </a:p>
@@ -2723,7 +2734,13 @@
       </p:sp>
       <p:sp>
         <p:nvSpPr>
-          <p:cNvPr id="5" name="Footer Placeholder 4"/>
+          <p:cNvPr id="5" name="Footer Placeholder 4">
+            <a:extLst>
+              <a:ext uri="{FF2B5EF4-FFF2-40B4-BE49-F238E27FC236}">
+                <a16:creationId xmlns:a16="http://schemas.microsoft.com/office/drawing/2014/main" id="{D7AE5A21-E3F8-414E-8783-9B787CEE9E94}"/>
+              </a:ext>
+            </a:extLst>
+          </p:cNvPr>
           <p:cNvSpPr>
             <a:spLocks noGrp="1"/>
           </p:cNvSpPr>
@@ -2742,7 +2759,13 @@
       </p:sp>
       <p:sp>
         <p:nvSpPr>
-          <p:cNvPr id="6" name="Slide Number Placeholder 5"/>
+          <p:cNvPr id="6" name="Slide Number Placeholder 5">
+            <a:extLst>
+              <a:ext uri="{FF2B5EF4-FFF2-40B4-BE49-F238E27FC236}">
+                <a16:creationId xmlns:a16="http://schemas.microsoft.com/office/drawing/2014/main" id="{4BBA10B1-3C39-5B4F-85DD-4E44D8BDBC75}"/>
+              </a:ext>
+            </a:extLst>
+          </p:cNvPr>
           <p:cNvSpPr>
             <a:spLocks noGrp="1"/>
           </p:cNvSpPr>
@@ -2755,7 +2778,7 @@
           <a:bodyPr/>
           <a:lstStyle/>
           <a:p>
-            <a:fld id="{C1FF6DA9-008F-8B48-92A6-B652298478BF}" type="slidenum">
+            <a:fld id="{C5EF2332-01BF-834F-8236-50238282D533}" type="slidenum">
               <a:rPr lang="en-US" smtClean="0"/>
               <a:t>‹#›</a:t>
             </a:fld>
@@ -2766,7 +2789,7 @@
     </p:spTree>
     <p:extLst>
       <p:ext uri="{BB962C8B-B14F-4D97-AF65-F5344CB8AC3E}">
-        <p14:creationId xmlns:p14="http://schemas.microsoft.com/office/powerpoint/2010/main" val="3168075583"/>
+        <p14:creationId xmlns:p14="http://schemas.microsoft.com/office/powerpoint/2010/main" val="3976337324"/>
       </p:ext>
     </p:extLst>
   </p:cSld>
@@ -2795,7 +2818,13 @@
       </p:grpSpPr>
       <p:sp>
         <p:nvSpPr>
-          <p:cNvPr id="2" name="Title 1"/>
+          <p:cNvPr id="2" name="Title 1">
+            <a:extLst>
+              <a:ext uri="{FF2B5EF4-FFF2-40B4-BE49-F238E27FC236}">
+                <a16:creationId xmlns:a16="http://schemas.microsoft.com/office/drawing/2014/main" id="{8AC8FF1A-8372-FB40-B0E0-0EE88C8B296D}"/>
+              </a:ext>
+            </a:extLst>
+          </p:cNvPr>
           <p:cNvSpPr>
             <a:spLocks noGrp="1"/>
           </p:cNvSpPr>
@@ -2806,86 +2835,106 @@
         <p:spPr/>
         <p:txBody>
           <a:bodyPr/>
-          <a:lstStyle/>
-          <a:p>
-            <a:r>
+          <a:lstStyle>
+            <a:lvl1pPr>
+              <a:defRPr>
+                <a:solidFill>
+                  <a:srgbClr val="4B556B"/>
+                </a:solidFill>
+              </a:defRPr>
+            </a:lvl1pPr>
+          </a:lstStyle>
+          <a:p>
+            <a:r>
+              <a:rPr lang="en-GB" dirty="0"/>
+              <a:t>Click to edit Master title style</a:t>
+            </a:r>
+            <a:endParaRPr lang="en-US" dirty="0"/>
+          </a:p>
+        </p:txBody>
+      </p:sp>
+      <p:sp>
+        <p:nvSpPr>
+          <p:cNvPr id="3" name="Vertical Text Placeholder 2">
+            <a:extLst>
+              <a:ext uri="{FF2B5EF4-FFF2-40B4-BE49-F238E27FC236}">
+                <a16:creationId xmlns:a16="http://schemas.microsoft.com/office/drawing/2014/main" id="{809F1868-78C4-704F-87A4-9909281CB57C}"/>
+              </a:ext>
+            </a:extLst>
+          </p:cNvPr>
+          <p:cNvSpPr>
+            <a:spLocks noGrp="1"/>
+          </p:cNvSpPr>
+          <p:nvPr>
+            <p:ph type="body" orient="vert" idx="1"/>
+          </p:nvPr>
+        </p:nvSpPr>
+        <p:spPr/>
+        <p:txBody>
+          <a:bodyPr vert="eaVert"/>
+          <a:lstStyle/>
+          <a:p>
+            <a:pPr lvl="0"/>
+            <a:r>
+              <a:rPr lang="en-GB"/>
+              <a:t>Click to edit Master text styles</a:t>
+            </a:r>
+          </a:p>
+          <a:p>
+            <a:pPr lvl="1"/>
+            <a:r>
+              <a:rPr lang="en-GB"/>
+              <a:t>Second level</a:t>
+            </a:r>
+          </a:p>
+          <a:p>
+            <a:pPr lvl="2"/>
+            <a:r>
+              <a:rPr lang="en-GB"/>
+              <a:t>Third level</a:t>
+            </a:r>
+          </a:p>
+          <a:p>
+            <a:pPr lvl="3"/>
+            <a:r>
+              <a:rPr lang="en-GB"/>
+              <a:t>Fourth level</a:t>
+            </a:r>
+          </a:p>
+          <a:p>
+            <a:pPr lvl="4"/>
+            <a:r>
+              <a:rPr lang="en-GB"/>
+              <a:t>Fifth level</a:t>
+            </a:r>
+            <a:endParaRPr lang="en-US"/>
+          </a:p>
+        </p:txBody>
+      </p:sp>
+      <p:sp>
+        <p:nvSpPr>
+          <p:cNvPr id="4" name="Date Placeholder 3">
+            <a:extLst>
+              <a:ext uri="{FF2B5EF4-FFF2-40B4-BE49-F238E27FC236}">
+                <a16:creationId xmlns:a16="http://schemas.microsoft.com/office/drawing/2014/main" id="{86A64A86-EE40-7F47-8F4A-D5FD082D30CB}"/>
+              </a:ext>
+            </a:extLst>
+          </p:cNvPr>
+          <p:cNvSpPr>
+            <a:spLocks noGrp="1"/>
+          </p:cNvSpPr>
+          <p:nvPr>
+            <p:ph type="dt" sz="half" idx="10"/>
+          </p:nvPr>
+        </p:nvSpPr>
+        <p:spPr/>
+        <p:txBody>
+          <a:bodyPr/>
+          <a:lstStyle/>
+          <a:p>
+            <a:fld id="{241EB5C9-1307-BA42-ABA2-0BC069CD8E7F}" type="datetimeFigureOut">
               <a:rPr lang="en-US" smtClean="0"/>
-              <a:t>Click to edit Master title style</a:t>
-            </a:r>
-            <a:endParaRPr lang="en-US"/>
-          </a:p>
-        </p:txBody>
-      </p:sp>
-      <p:sp>
-        <p:nvSpPr>
-          <p:cNvPr id="3" name="Vertical Text Placeholder 2"/>
-          <p:cNvSpPr>
-            <a:spLocks noGrp="1"/>
-          </p:cNvSpPr>
-          <p:nvPr>
-            <p:ph type="body" orient="vert" idx="1"/>
-          </p:nvPr>
-        </p:nvSpPr>
-        <p:spPr/>
-        <p:txBody>
-          <a:bodyPr vert="eaVert"/>
-          <a:lstStyle/>
-          <a:p>
-            <a:pPr lvl="0"/>
-            <a:r>
-              <a:rPr lang="en-US" smtClean="0"/>
-              <a:t>Click to edit Master text styles</a:t>
-            </a:r>
-          </a:p>
-          <a:p>
-            <a:pPr lvl="1"/>
-            <a:r>
-              <a:rPr lang="en-US" smtClean="0"/>
-              <a:t>Second level</a:t>
-            </a:r>
-          </a:p>
-          <a:p>
-            <a:pPr lvl="2"/>
-            <a:r>
-              <a:rPr lang="en-US" smtClean="0"/>
-              <a:t>Third level</a:t>
-            </a:r>
-          </a:p>
-          <a:p>
-            <a:pPr lvl="3"/>
-            <a:r>
-              <a:rPr lang="en-US" smtClean="0"/>
-              <a:t>Fourth level</a:t>
-            </a:r>
-          </a:p>
-          <a:p>
-            <a:pPr lvl="4"/>
-            <a:r>
-              <a:rPr lang="en-US" smtClean="0"/>
-              <a:t>Fifth level</a:t>
-            </a:r>
-            <a:endParaRPr lang="en-US"/>
-          </a:p>
-        </p:txBody>
-      </p:sp>
-      <p:sp>
-        <p:nvSpPr>
-          <p:cNvPr id="4" name="Date Placeholder 3"/>
-          <p:cNvSpPr>
-            <a:spLocks noGrp="1"/>
-          </p:cNvSpPr>
-          <p:nvPr>
-            <p:ph type="dt" sz="half" idx="10"/>
-          </p:nvPr>
-        </p:nvSpPr>
-        <p:spPr/>
-        <p:txBody>
-          <a:bodyPr/>
-          <a:lstStyle/>
-          <a:p>
-            <a:fld id="{5BCAD085-E8A6-8845-BD4E-CB4CCA059FC4}" type="datetimeFigureOut">
-              <a:rPr lang="en-US" smtClean="0"/>
-              <a:t>1/27/13</a:t>
+              <a:t>10/30/2025</a:t>
             </a:fld>
             <a:endParaRPr lang="en-US"/>
           </a:p>
@@ -2893,7 +2942,13 @@
       </p:sp>
       <p:sp>
         <p:nvSpPr>
-          <p:cNvPr id="5" name="Footer Placeholder 4"/>
+          <p:cNvPr id="5" name="Footer Placeholder 4">
+            <a:extLst>
+              <a:ext uri="{FF2B5EF4-FFF2-40B4-BE49-F238E27FC236}">
+                <a16:creationId xmlns:a16="http://schemas.microsoft.com/office/drawing/2014/main" id="{55936DD5-D90C-D148-9A75-6E5EF76E4F06}"/>
+              </a:ext>
+            </a:extLst>
+          </p:cNvPr>
           <p:cNvSpPr>
             <a:spLocks noGrp="1"/>
           </p:cNvSpPr>
@@ -2912,7 +2967,13 @@
       </p:sp>
       <p:sp>
         <p:nvSpPr>
-          <p:cNvPr id="6" name="Slide Number Placeholder 5"/>
+          <p:cNvPr id="6" name="Slide Number Placeholder 5">
+            <a:extLst>
+              <a:ext uri="{FF2B5EF4-FFF2-40B4-BE49-F238E27FC236}">
+                <a16:creationId xmlns:a16="http://schemas.microsoft.com/office/drawing/2014/main" id="{C28649B3-720E-654D-9610-263AC0D91137}"/>
+              </a:ext>
+            </a:extLst>
+          </p:cNvPr>
           <p:cNvSpPr>
             <a:spLocks noGrp="1"/>
           </p:cNvSpPr>
@@ -2925,7 +2986,7 @@
           <a:bodyPr/>
           <a:lstStyle/>
           <a:p>
-            <a:fld id="{C1FF6DA9-008F-8B48-92A6-B652298478BF}" type="slidenum">
+            <a:fld id="{C5EF2332-01BF-834F-8236-50238282D533}" type="slidenum">
               <a:rPr lang="en-US" smtClean="0"/>
               <a:t>‹#›</a:t>
             </a:fld>
@@ -2936,7 +2997,7 @@
     </p:spTree>
     <p:extLst>
       <p:ext uri="{BB962C8B-B14F-4D97-AF65-F5344CB8AC3E}">
-        <p14:creationId xmlns:p14="http://schemas.microsoft.com/office/powerpoint/2010/main" val="2910927964"/>
+        <p14:creationId xmlns:p14="http://schemas.microsoft.com/office/powerpoint/2010/main" val="2634440649"/>
       </p:ext>
     </p:extLst>
   </p:cSld>
@@ -2965,7 +3026,13 @@
       </p:grpSpPr>
       <p:sp>
         <p:nvSpPr>
-          <p:cNvPr id="2" name="Vertical Title 1"/>
+          <p:cNvPr id="2" name="Vertical Title 1">
+            <a:extLst>
+              <a:ext uri="{FF2B5EF4-FFF2-40B4-BE49-F238E27FC236}">
+                <a16:creationId xmlns:a16="http://schemas.microsoft.com/office/drawing/2014/main" id="{575E4B96-467B-A24D-9EC1-DD46EE699A09}"/>
+              </a:ext>
+            </a:extLst>
+          </p:cNvPr>
           <p:cNvSpPr>
             <a:spLocks noGrp="1"/>
           </p:cNvSpPr>
@@ -2975,25 +3042,39 @@
         </p:nvSpPr>
         <p:spPr>
           <a:xfrm>
-            <a:off x="6629400" y="274638"/>
-            <a:ext cx="2057400" cy="5851525"/>
+            <a:off x="6543676" y="365125"/>
+            <a:ext cx="1971675" cy="5811838"/>
           </a:xfrm>
         </p:spPr>
         <p:txBody>
           <a:bodyPr vert="eaVert"/>
-          <a:lstStyle/>
-          <a:p>
-            <a:r>
-              <a:rPr lang="en-US" smtClean="0"/>
+          <a:lstStyle>
+            <a:lvl1pPr>
+              <a:defRPr>
+                <a:solidFill>
+                  <a:srgbClr val="4B556B"/>
+                </a:solidFill>
+              </a:defRPr>
+            </a:lvl1pPr>
+          </a:lstStyle>
+          <a:p>
+            <a:r>
+              <a:rPr lang="en-GB" dirty="0"/>
               <a:t>Click to edit Master title style</a:t>
             </a:r>
-            <a:endParaRPr lang="en-US"/>
-          </a:p>
-        </p:txBody>
-      </p:sp>
-      <p:sp>
-        <p:nvSpPr>
-          <p:cNvPr id="3" name="Vertical Text Placeholder 2"/>
+            <a:endParaRPr lang="en-US" dirty="0"/>
+          </a:p>
+        </p:txBody>
+      </p:sp>
+      <p:sp>
+        <p:nvSpPr>
+          <p:cNvPr id="3" name="Vertical Text Placeholder 2">
+            <a:extLst>
+              <a:ext uri="{FF2B5EF4-FFF2-40B4-BE49-F238E27FC236}">
+                <a16:creationId xmlns:a16="http://schemas.microsoft.com/office/drawing/2014/main" id="{0E50EC97-EC51-3242-A427-B6C401F9BC04}"/>
+              </a:ext>
+            </a:extLst>
+          </p:cNvPr>
           <p:cNvSpPr>
             <a:spLocks noGrp="1"/>
           </p:cNvSpPr>
@@ -3003,8 +3084,8 @@
         </p:nvSpPr>
         <p:spPr>
           <a:xfrm>
-            <a:off x="457200" y="274638"/>
-            <a:ext cx="6019800" cy="5851525"/>
+            <a:off x="628651" y="365125"/>
+            <a:ext cx="5800725" cy="5811838"/>
           </a:xfrm>
         </p:spPr>
         <p:txBody>
@@ -3013,59 +3094,65 @@
           <a:p>
             <a:pPr lvl="0"/>
             <a:r>
+              <a:rPr lang="en-GB"/>
+              <a:t>Click to edit Master text styles</a:t>
+            </a:r>
+          </a:p>
+          <a:p>
+            <a:pPr lvl="1"/>
+            <a:r>
+              <a:rPr lang="en-GB"/>
+              <a:t>Second level</a:t>
+            </a:r>
+          </a:p>
+          <a:p>
+            <a:pPr lvl="2"/>
+            <a:r>
+              <a:rPr lang="en-GB"/>
+              <a:t>Third level</a:t>
+            </a:r>
+          </a:p>
+          <a:p>
+            <a:pPr lvl="3"/>
+            <a:r>
+              <a:rPr lang="en-GB"/>
+              <a:t>Fourth level</a:t>
+            </a:r>
+          </a:p>
+          <a:p>
+            <a:pPr lvl="4"/>
+            <a:r>
+              <a:rPr lang="en-GB"/>
+              <a:t>Fifth level</a:t>
+            </a:r>
+            <a:endParaRPr lang="en-US"/>
+          </a:p>
+        </p:txBody>
+      </p:sp>
+      <p:sp>
+        <p:nvSpPr>
+          <p:cNvPr id="4" name="Date Placeholder 3">
+            <a:extLst>
+              <a:ext uri="{FF2B5EF4-FFF2-40B4-BE49-F238E27FC236}">
+                <a16:creationId xmlns:a16="http://schemas.microsoft.com/office/drawing/2014/main" id="{D5954FCF-A603-6944-ACE1-F3530AABAAD9}"/>
+              </a:ext>
+            </a:extLst>
+          </p:cNvPr>
+          <p:cNvSpPr>
+            <a:spLocks noGrp="1"/>
+          </p:cNvSpPr>
+          <p:nvPr>
+            <p:ph type="dt" sz="half" idx="10"/>
+          </p:nvPr>
+        </p:nvSpPr>
+        <p:spPr/>
+        <p:txBody>
+          <a:bodyPr/>
+          <a:lstStyle/>
+          <a:p>
+            <a:fld id="{241EB5C9-1307-BA42-ABA2-0BC069CD8E7F}" type="datetimeFigureOut">
               <a:rPr lang="en-US" smtClean="0"/>
-              <a:t>Click to edit Master text styles</a:t>
-            </a:r>
-          </a:p>
-          <a:p>
-            <a:pPr lvl="1"/>
-            <a:r>
-              <a:rPr lang="en-US" smtClean="0"/>
-              <a:t>Second level</a:t>
-            </a:r>
-          </a:p>
-          <a:p>
-            <a:pPr lvl="2"/>
-            <a:r>
-              <a:rPr lang="en-US" smtClean="0"/>
-              <a:t>Third level</a:t>
-            </a:r>
-          </a:p>
-          <a:p>
-            <a:pPr lvl="3"/>
-            <a:r>
-              <a:rPr lang="en-US" smtClean="0"/>
-              <a:t>Fourth level</a:t>
-            </a:r>
-          </a:p>
-          <a:p>
-            <a:pPr lvl="4"/>
-            <a:r>
-              <a:rPr lang="en-US" smtClean="0"/>
-              <a:t>Fifth level</a:t>
-            </a:r>
-            <a:endParaRPr lang="en-US"/>
-          </a:p>
-        </p:txBody>
-      </p:sp>
-      <p:sp>
-        <p:nvSpPr>
-          <p:cNvPr id="4" name="Date Placeholder 3"/>
-          <p:cNvSpPr>
-            <a:spLocks noGrp="1"/>
-          </p:cNvSpPr>
-          <p:nvPr>
-            <p:ph type="dt" sz="half" idx="10"/>
-          </p:nvPr>
-        </p:nvSpPr>
-        <p:spPr/>
-        <p:txBody>
-          <a:bodyPr/>
-          <a:lstStyle/>
-          <a:p>
-            <a:fld id="{5BCAD085-E8A6-8845-BD4E-CB4CCA059FC4}" type="datetimeFigureOut">
-              <a:rPr lang="en-US" smtClean="0"/>
-              <a:t>1/27/13</a:t>
+              <a:t>10/30/2025</a:t>
             </a:fld>
             <a:endParaRPr lang="en-US"/>
           </a:p>
@@ -3073,7 +3160,13 @@
       </p:sp>
       <p:sp>
         <p:nvSpPr>
-          <p:cNvPr id="5" name="Footer Placeholder 4"/>
+          <p:cNvPr id="5" name="Footer Placeholder 4">
+            <a:extLst>
+              <a:ext uri="{FF2B5EF4-FFF2-40B4-BE49-F238E27FC236}">
+                <a16:creationId xmlns:a16="http://schemas.microsoft.com/office/drawing/2014/main" id="{C0DD700E-B16B-6340-9BEE-2E563F9274B4}"/>
+              </a:ext>
+            </a:extLst>
+          </p:cNvPr>
           <p:cNvSpPr>
             <a:spLocks noGrp="1"/>
           </p:cNvSpPr>
@@ -3092,7 +3185,13 @@
       </p:sp>
       <p:sp>
         <p:nvSpPr>
-          <p:cNvPr id="6" name="Slide Number Placeholder 5"/>
+          <p:cNvPr id="6" name="Slide Number Placeholder 5">
+            <a:extLst>
+              <a:ext uri="{FF2B5EF4-FFF2-40B4-BE49-F238E27FC236}">
+                <a16:creationId xmlns:a16="http://schemas.microsoft.com/office/drawing/2014/main" id="{36CBADE9-5F17-2E4E-A23B-A3EF5CC96322}"/>
+              </a:ext>
+            </a:extLst>
+          </p:cNvPr>
           <p:cNvSpPr>
             <a:spLocks noGrp="1"/>
           </p:cNvSpPr>
@@ -3105,7 +3204,7 @@
           <a:bodyPr/>
           <a:lstStyle/>
           <a:p>
-            <a:fld id="{C1FF6DA9-008F-8B48-92A6-B652298478BF}" type="slidenum">
+            <a:fld id="{C5EF2332-01BF-834F-8236-50238282D533}" type="slidenum">
               <a:rPr lang="en-US" smtClean="0"/>
               <a:t>‹#›</a:t>
             </a:fld>
@@ -3116,7 +3215,1115 @@
     </p:spTree>
     <p:extLst>
       <p:ext uri="{BB962C8B-B14F-4D97-AF65-F5344CB8AC3E}">
-        <p14:creationId xmlns:p14="http://schemas.microsoft.com/office/powerpoint/2010/main" val="3612223792"/>
+        <p14:creationId xmlns:p14="http://schemas.microsoft.com/office/powerpoint/2010/main" val="849036480"/>
+      </p:ext>
+    </p:extLst>
+  </p:cSld>
+  <p:clrMapOvr>
+    <a:masterClrMapping/>
+  </p:clrMapOvr>
+</p:sldLayout>
+</file>
+
+<file path=ppt/slideLayouts/slideLayout12.xml><?xml version="1.0" encoding="utf-8"?>
+<p:sldLayout xmlns:a="http://schemas.openxmlformats.org/drawingml/2006/main" xmlns:r="http://schemas.openxmlformats.org/officeDocument/2006/relationships" xmlns:p="http://schemas.openxmlformats.org/presentationml/2006/main" type="secHead">
+  <p:cSld name="1_Section Header">
+    <p:spTree>
+      <p:nvGrpSpPr>
+        <p:cNvPr id="1" name=""/>
+        <p:cNvGrpSpPr/>
+        <p:nvPr/>
+      </p:nvGrpSpPr>
+      <p:grpSpPr>
+        <a:xfrm>
+          <a:off x="0" y="0"/>
+          <a:ext cx="0" cy="0"/>
+          <a:chOff x="0" y="0"/>
+          <a:chExt cx="0" cy="0"/>
+        </a:xfrm>
+      </p:grpSpPr>
+      <p:sp>
+        <p:nvSpPr>
+          <p:cNvPr id="2" name="Title 1">
+            <a:extLst>
+              <a:ext uri="{FF2B5EF4-FFF2-40B4-BE49-F238E27FC236}">
+                <a16:creationId xmlns:a16="http://schemas.microsoft.com/office/drawing/2014/main" id="{FF6A6CB2-D1B6-B94A-84C1-83C65423C650}"/>
+              </a:ext>
+            </a:extLst>
+          </p:cNvPr>
+          <p:cNvSpPr>
+            <a:spLocks noGrp="1"/>
+          </p:cNvSpPr>
+          <p:nvPr>
+            <p:ph type="title"/>
+          </p:nvPr>
+        </p:nvSpPr>
+        <p:spPr>
+          <a:xfrm>
+            <a:off x="623888" y="1709741"/>
+            <a:ext cx="7886700" cy="2852737"/>
+          </a:xfrm>
+        </p:spPr>
+        <p:txBody>
+          <a:bodyPr anchor="ctr"/>
+          <a:lstStyle>
+            <a:lvl1pPr algn="ctr">
+              <a:defRPr sz="3375">
+                <a:solidFill>
+                  <a:srgbClr val="4B556B"/>
+                </a:solidFill>
+              </a:defRPr>
+            </a:lvl1pPr>
+          </a:lstStyle>
+          <a:p>
+            <a:r>
+              <a:rPr lang="en-GB" dirty="0"/>
+              <a:t>Click to edit Master title style</a:t>
+            </a:r>
+            <a:endParaRPr lang="en-US" dirty="0"/>
+          </a:p>
+        </p:txBody>
+      </p:sp>
+      <p:sp>
+        <p:nvSpPr>
+          <p:cNvPr id="3" name="Text Placeholder 2">
+            <a:extLst>
+              <a:ext uri="{FF2B5EF4-FFF2-40B4-BE49-F238E27FC236}">
+                <a16:creationId xmlns:a16="http://schemas.microsoft.com/office/drawing/2014/main" id="{51A433C7-4F7C-4247-8FF5-1E63E18E14D1}"/>
+              </a:ext>
+            </a:extLst>
+          </p:cNvPr>
+          <p:cNvSpPr>
+            <a:spLocks noGrp="1"/>
+          </p:cNvSpPr>
+          <p:nvPr>
+            <p:ph type="body" idx="1"/>
+          </p:nvPr>
+        </p:nvSpPr>
+        <p:spPr>
+          <a:xfrm>
+            <a:off x="623888" y="4589466"/>
+            <a:ext cx="7886700" cy="1500187"/>
+          </a:xfrm>
+        </p:spPr>
+        <p:txBody>
+          <a:bodyPr/>
+          <a:lstStyle>
+            <a:lvl1pPr marL="0" indent="0" algn="ctr">
+              <a:buNone/>
+              <a:defRPr sz="1350">
+                <a:solidFill>
+                  <a:schemeClr val="tx1">
+                    <a:tint val="75000"/>
+                  </a:schemeClr>
+                </a:solidFill>
+              </a:defRPr>
+            </a:lvl1pPr>
+            <a:lvl2pPr marL="257175" indent="0">
+              <a:buNone/>
+              <a:defRPr sz="1125">
+                <a:solidFill>
+                  <a:schemeClr val="tx1">
+                    <a:tint val="75000"/>
+                  </a:schemeClr>
+                </a:solidFill>
+              </a:defRPr>
+            </a:lvl2pPr>
+            <a:lvl3pPr marL="514350" indent="0">
+              <a:buNone/>
+              <a:defRPr sz="1013">
+                <a:solidFill>
+                  <a:schemeClr val="tx1">
+                    <a:tint val="75000"/>
+                  </a:schemeClr>
+                </a:solidFill>
+              </a:defRPr>
+            </a:lvl3pPr>
+            <a:lvl4pPr marL="771525" indent="0">
+              <a:buNone/>
+              <a:defRPr sz="900">
+                <a:solidFill>
+                  <a:schemeClr val="tx1">
+                    <a:tint val="75000"/>
+                  </a:schemeClr>
+                </a:solidFill>
+              </a:defRPr>
+            </a:lvl4pPr>
+            <a:lvl5pPr marL="1028700" indent="0">
+              <a:buNone/>
+              <a:defRPr sz="900">
+                <a:solidFill>
+                  <a:schemeClr val="tx1">
+                    <a:tint val="75000"/>
+                  </a:schemeClr>
+                </a:solidFill>
+              </a:defRPr>
+            </a:lvl5pPr>
+            <a:lvl6pPr marL="1285875" indent="0">
+              <a:buNone/>
+              <a:defRPr sz="900">
+                <a:solidFill>
+                  <a:schemeClr val="tx1">
+                    <a:tint val="75000"/>
+                  </a:schemeClr>
+                </a:solidFill>
+              </a:defRPr>
+            </a:lvl6pPr>
+            <a:lvl7pPr marL="1543050" indent="0">
+              <a:buNone/>
+              <a:defRPr sz="900">
+                <a:solidFill>
+                  <a:schemeClr val="tx1">
+                    <a:tint val="75000"/>
+                  </a:schemeClr>
+                </a:solidFill>
+              </a:defRPr>
+            </a:lvl7pPr>
+            <a:lvl8pPr marL="1800225" indent="0">
+              <a:buNone/>
+              <a:defRPr sz="900">
+                <a:solidFill>
+                  <a:schemeClr val="tx1">
+                    <a:tint val="75000"/>
+                  </a:schemeClr>
+                </a:solidFill>
+              </a:defRPr>
+            </a:lvl8pPr>
+            <a:lvl9pPr marL="2057400" indent="0">
+              <a:buNone/>
+              <a:defRPr sz="900">
+                <a:solidFill>
+                  <a:schemeClr val="tx1">
+                    <a:tint val="75000"/>
+                  </a:schemeClr>
+                </a:solidFill>
+              </a:defRPr>
+            </a:lvl9pPr>
+          </a:lstStyle>
+          <a:p>
+            <a:pPr lvl="0"/>
+            <a:r>
+              <a:rPr lang="en-GB"/>
+              <a:t>Click to edit Master text styles</a:t>
+            </a:r>
+          </a:p>
+        </p:txBody>
+      </p:sp>
+      <p:sp>
+        <p:nvSpPr>
+          <p:cNvPr id="4" name="Date Placeholder 3">
+            <a:extLst>
+              <a:ext uri="{FF2B5EF4-FFF2-40B4-BE49-F238E27FC236}">
+                <a16:creationId xmlns:a16="http://schemas.microsoft.com/office/drawing/2014/main" id="{9E116D53-A7E8-384A-A924-CB556123D05C}"/>
+              </a:ext>
+            </a:extLst>
+          </p:cNvPr>
+          <p:cNvSpPr>
+            <a:spLocks noGrp="1"/>
+          </p:cNvSpPr>
+          <p:nvPr>
+            <p:ph type="dt" sz="half" idx="10"/>
+          </p:nvPr>
+        </p:nvSpPr>
+        <p:spPr/>
+        <p:txBody>
+          <a:bodyPr/>
+          <a:lstStyle/>
+          <a:p>
+            <a:fld id="{241EB5C9-1307-BA42-ABA2-0BC069CD8E7F}" type="datetimeFigureOut">
+              <a:rPr lang="en-US" smtClean="0"/>
+              <a:t>10/30/2025</a:t>
+            </a:fld>
+            <a:endParaRPr lang="en-US"/>
+          </a:p>
+        </p:txBody>
+      </p:sp>
+      <p:sp>
+        <p:nvSpPr>
+          <p:cNvPr id="5" name="Footer Placeholder 4">
+            <a:extLst>
+              <a:ext uri="{FF2B5EF4-FFF2-40B4-BE49-F238E27FC236}">
+                <a16:creationId xmlns:a16="http://schemas.microsoft.com/office/drawing/2014/main" id="{9D8D3A5F-D224-144E-B1C6-E4C0A0C64637}"/>
+              </a:ext>
+            </a:extLst>
+          </p:cNvPr>
+          <p:cNvSpPr>
+            <a:spLocks noGrp="1"/>
+          </p:cNvSpPr>
+          <p:nvPr>
+            <p:ph type="ftr" sz="quarter" idx="11"/>
+          </p:nvPr>
+        </p:nvSpPr>
+        <p:spPr/>
+        <p:txBody>
+          <a:bodyPr/>
+          <a:lstStyle/>
+          <a:p>
+            <a:endParaRPr lang="en-US"/>
+          </a:p>
+        </p:txBody>
+      </p:sp>
+      <p:sp>
+        <p:nvSpPr>
+          <p:cNvPr id="6" name="Slide Number Placeholder 5">
+            <a:extLst>
+              <a:ext uri="{FF2B5EF4-FFF2-40B4-BE49-F238E27FC236}">
+                <a16:creationId xmlns:a16="http://schemas.microsoft.com/office/drawing/2014/main" id="{23885A41-9B71-494D-8739-5A09F705E6B7}"/>
+              </a:ext>
+            </a:extLst>
+          </p:cNvPr>
+          <p:cNvSpPr>
+            <a:spLocks noGrp="1"/>
+          </p:cNvSpPr>
+          <p:nvPr>
+            <p:ph type="sldNum" sz="quarter" idx="12"/>
+          </p:nvPr>
+        </p:nvSpPr>
+        <p:spPr/>
+        <p:txBody>
+          <a:bodyPr/>
+          <a:lstStyle/>
+          <a:p>
+            <a:fld id="{C5EF2332-01BF-834F-8236-50238282D533}" type="slidenum">
+              <a:rPr lang="en-US" smtClean="0"/>
+              <a:t>‹#›</a:t>
+            </a:fld>
+            <a:endParaRPr lang="en-US"/>
+          </a:p>
+        </p:txBody>
+      </p:sp>
+    </p:spTree>
+    <p:extLst>
+      <p:ext uri="{BB962C8B-B14F-4D97-AF65-F5344CB8AC3E}">
+        <p14:creationId xmlns:p14="http://schemas.microsoft.com/office/powerpoint/2010/main" val="78558441"/>
+      </p:ext>
+    </p:extLst>
+  </p:cSld>
+  <p:clrMapOvr>
+    <a:masterClrMapping/>
+  </p:clrMapOvr>
+</p:sldLayout>
+</file>
+
+<file path=ppt/slideLayouts/slideLayout13.xml><?xml version="1.0" encoding="utf-8"?>
+<p:sldLayout xmlns:a="http://schemas.openxmlformats.org/drawingml/2006/main" xmlns:r="http://schemas.openxmlformats.org/officeDocument/2006/relationships" xmlns:p="http://schemas.openxmlformats.org/presentationml/2006/main" preserve="1">
+  <p:cSld name="2_Section Header">
+    <p:bg>
+      <p:bgPr>
+        <a:solidFill>
+          <a:schemeClr val="tx1">
+            <a:lumMod val="50000"/>
+            <a:lumOff val="50000"/>
+          </a:schemeClr>
+        </a:solidFill>
+        <a:effectLst/>
+      </p:bgPr>
+    </p:bg>
+    <p:spTree>
+      <p:nvGrpSpPr>
+        <p:cNvPr id="1" name=""/>
+        <p:cNvGrpSpPr/>
+        <p:nvPr/>
+      </p:nvGrpSpPr>
+      <p:grpSpPr>
+        <a:xfrm>
+          <a:off x="0" y="0"/>
+          <a:ext cx="0" cy="0"/>
+          <a:chOff x="0" y="0"/>
+          <a:chExt cx="0" cy="0"/>
+        </a:xfrm>
+      </p:grpSpPr>
+      <p:sp>
+        <p:nvSpPr>
+          <p:cNvPr id="2" name="Title 1"/>
+          <p:cNvSpPr>
+            <a:spLocks noGrp="1"/>
+          </p:cNvSpPr>
+          <p:nvPr>
+            <p:ph type="title"/>
+          </p:nvPr>
+        </p:nvSpPr>
+        <p:spPr>
+          <a:xfrm>
+            <a:off x="467544" y="2862064"/>
+            <a:ext cx="8229600" cy="1143000"/>
+          </a:xfrm>
+        </p:spPr>
+        <p:txBody>
+          <a:bodyPr>
+            <a:noAutofit/>
+          </a:bodyPr>
+          <a:lstStyle>
+            <a:lvl1pPr>
+              <a:defRPr sz="7200" b="1" baseline="0">
+                <a:solidFill>
+                  <a:schemeClr val="bg1"/>
+                </a:solidFill>
+                <a:effectLst>
+                  <a:outerShdw blurRad="38100" dist="38100" dir="2700000" algn="tl">
+                    <a:srgbClr val="000000">
+                      <a:alpha val="43137"/>
+                    </a:srgbClr>
+                  </a:outerShdw>
+                </a:effectLst>
+                <a:latin typeface="Rockwell" panose="02060603020205020403" pitchFamily="18" charset="0"/>
+              </a:defRPr>
+            </a:lvl1pPr>
+          </a:lstStyle>
+          <a:p>
+            <a:r>
+              <a:rPr lang="en-US" dirty="0"/>
+              <a:t>Click to edit Master title style</a:t>
+            </a:r>
+            <a:endParaRPr lang="en-GB" dirty="0"/>
+          </a:p>
+        </p:txBody>
+      </p:sp>
+    </p:spTree>
+    <p:extLst>
+      <p:ext uri="{BB962C8B-B14F-4D97-AF65-F5344CB8AC3E}">
+        <p14:creationId xmlns:p14="http://schemas.microsoft.com/office/powerpoint/2010/main" val="3288128888"/>
+      </p:ext>
+    </p:extLst>
+  </p:cSld>
+  <p:clrMapOvr>
+    <a:masterClrMapping/>
+  </p:clrMapOvr>
+</p:sldLayout>
+</file>
+
+<file path=ppt/slideLayouts/slideLayout14.xml><?xml version="1.0" encoding="utf-8"?>
+<p:sldLayout xmlns:a="http://schemas.openxmlformats.org/drawingml/2006/main" xmlns:r="http://schemas.openxmlformats.org/officeDocument/2006/relationships" xmlns:p="http://schemas.openxmlformats.org/presentationml/2006/main" preserve="1">
+  <p:cSld name="Centered plain text">
+    <p:bg>
+      <p:bgPr>
+        <a:solidFill>
+          <a:schemeClr val="bg1"/>
+        </a:solidFill>
+        <a:effectLst/>
+      </p:bgPr>
+    </p:bg>
+    <p:spTree>
+      <p:nvGrpSpPr>
+        <p:cNvPr id="1" name=""/>
+        <p:cNvGrpSpPr/>
+        <p:nvPr/>
+      </p:nvGrpSpPr>
+      <p:grpSpPr>
+        <a:xfrm>
+          <a:off x="0" y="0"/>
+          <a:ext cx="0" cy="0"/>
+          <a:chOff x="0" y="0"/>
+          <a:chExt cx="0" cy="0"/>
+        </a:xfrm>
+      </p:grpSpPr>
+      <p:sp>
+        <p:nvSpPr>
+          <p:cNvPr id="2" name="Title 1"/>
+          <p:cNvSpPr>
+            <a:spLocks noGrp="1"/>
+          </p:cNvSpPr>
+          <p:nvPr>
+            <p:ph type="title"/>
+          </p:nvPr>
+        </p:nvSpPr>
+        <p:spPr>
+          <a:xfrm>
+            <a:off x="457200" y="2636912"/>
+            <a:ext cx="8229600" cy="1143000"/>
+          </a:xfrm>
+        </p:spPr>
+        <p:txBody>
+          <a:bodyPr>
+            <a:noAutofit/>
+          </a:bodyPr>
+          <a:lstStyle>
+            <a:lvl1pPr>
+              <a:defRPr sz="4050">
+                <a:solidFill>
+                  <a:schemeClr val="bg1">
+                    <a:lumMod val="50000"/>
+                  </a:schemeClr>
+                </a:solidFill>
+              </a:defRPr>
+            </a:lvl1pPr>
+          </a:lstStyle>
+          <a:p>
+            <a:r>
+              <a:rPr lang="en-US"/>
+              <a:t>Click to edit Master title style</a:t>
+            </a:r>
+            <a:endParaRPr lang="en-GB" dirty="0"/>
+          </a:p>
+        </p:txBody>
+      </p:sp>
+      <p:sp>
+        <p:nvSpPr>
+          <p:cNvPr id="3" name="Date Placeholder 2"/>
+          <p:cNvSpPr>
+            <a:spLocks noGrp="1"/>
+          </p:cNvSpPr>
+          <p:nvPr>
+            <p:ph type="dt" sz="half" idx="10"/>
+          </p:nvPr>
+        </p:nvSpPr>
+        <p:spPr/>
+        <p:txBody>
+          <a:bodyPr/>
+          <a:lstStyle/>
+          <a:p>
+            <a:fld id="{FB3C348A-E46C-4DCA-8E7A-6238716559C4}" type="datetimeFigureOut">
+              <a:rPr lang="en-GB" smtClean="0"/>
+              <a:pPr/>
+              <a:t>30/10/2025</a:t>
+            </a:fld>
+            <a:endParaRPr lang="en-GB"/>
+          </a:p>
+        </p:txBody>
+      </p:sp>
+      <p:sp>
+        <p:nvSpPr>
+          <p:cNvPr id="4" name="Footer Placeholder 3"/>
+          <p:cNvSpPr>
+            <a:spLocks noGrp="1"/>
+          </p:cNvSpPr>
+          <p:nvPr>
+            <p:ph type="ftr" sz="quarter" idx="11"/>
+          </p:nvPr>
+        </p:nvSpPr>
+        <p:spPr/>
+        <p:txBody>
+          <a:bodyPr/>
+          <a:lstStyle/>
+          <a:p>
+            <a:endParaRPr lang="en-GB"/>
+          </a:p>
+        </p:txBody>
+      </p:sp>
+      <p:sp>
+        <p:nvSpPr>
+          <p:cNvPr id="5" name="Slide Number Placeholder 4"/>
+          <p:cNvSpPr>
+            <a:spLocks noGrp="1"/>
+          </p:cNvSpPr>
+          <p:nvPr>
+            <p:ph type="sldNum" sz="quarter" idx="12"/>
+          </p:nvPr>
+        </p:nvSpPr>
+        <p:spPr/>
+        <p:txBody>
+          <a:bodyPr/>
+          <a:lstStyle/>
+          <a:p>
+            <a:fld id="{3EF4059D-7A01-4229-9D63-F1C98F673857}" type="slidenum">
+              <a:rPr lang="en-GB" smtClean="0"/>
+              <a:pPr/>
+              <a:t>‹#›</a:t>
+            </a:fld>
+            <a:endParaRPr lang="en-GB"/>
+          </a:p>
+        </p:txBody>
+      </p:sp>
+    </p:spTree>
+    <p:extLst>
+      <p:ext uri="{BB962C8B-B14F-4D97-AF65-F5344CB8AC3E}">
+        <p14:creationId xmlns:p14="http://schemas.microsoft.com/office/powerpoint/2010/main" val="2363955883"/>
+      </p:ext>
+    </p:extLst>
+  </p:cSld>
+  <p:clrMapOvr>
+    <a:masterClrMapping/>
+  </p:clrMapOvr>
+</p:sldLayout>
+</file>
+
+<file path=ppt/slideLayouts/slideLayout15.xml><?xml version="1.0" encoding="utf-8"?>
+<p:sldLayout xmlns:a="http://schemas.openxmlformats.org/drawingml/2006/main" xmlns:r="http://schemas.openxmlformats.org/officeDocument/2006/relationships" xmlns:p="http://schemas.openxmlformats.org/presentationml/2006/main" preserve="1">
+  <p:cSld name="Custom Layout">
+    <p:bg>
+      <p:bgPr>
+        <a:solidFill>
+          <a:srgbClr val="3399FF"/>
+        </a:solidFill>
+        <a:effectLst/>
+      </p:bgPr>
+    </p:bg>
+    <p:spTree>
+      <p:nvGrpSpPr>
+        <p:cNvPr id="1" name=""/>
+        <p:cNvGrpSpPr/>
+        <p:nvPr/>
+      </p:nvGrpSpPr>
+      <p:grpSpPr>
+        <a:xfrm>
+          <a:off x="0" y="0"/>
+          <a:ext cx="0" cy="0"/>
+          <a:chOff x="0" y="0"/>
+          <a:chExt cx="0" cy="0"/>
+        </a:xfrm>
+      </p:grpSpPr>
+      <p:sp>
+        <p:nvSpPr>
+          <p:cNvPr id="2" name="Title 1"/>
+          <p:cNvSpPr>
+            <a:spLocks noGrp="1"/>
+          </p:cNvSpPr>
+          <p:nvPr>
+            <p:ph type="title"/>
+          </p:nvPr>
+        </p:nvSpPr>
+        <p:spPr>
+          <a:xfrm>
+            <a:off x="457200" y="2636912"/>
+            <a:ext cx="8229600" cy="1143000"/>
+          </a:xfrm>
+        </p:spPr>
+        <p:txBody>
+          <a:bodyPr>
+            <a:normAutofit/>
+          </a:bodyPr>
+          <a:lstStyle>
+            <a:lvl1pPr>
+              <a:defRPr sz="3600">
+                <a:solidFill>
+                  <a:schemeClr val="bg1"/>
+                </a:solidFill>
+              </a:defRPr>
+            </a:lvl1pPr>
+          </a:lstStyle>
+          <a:p>
+            <a:r>
+              <a:rPr lang="en-US"/>
+              <a:t>Click to edit Master title style</a:t>
+            </a:r>
+            <a:endParaRPr lang="en-GB" dirty="0"/>
+          </a:p>
+        </p:txBody>
+      </p:sp>
+      <p:sp>
+        <p:nvSpPr>
+          <p:cNvPr id="3" name="Date Placeholder 2"/>
+          <p:cNvSpPr>
+            <a:spLocks noGrp="1"/>
+          </p:cNvSpPr>
+          <p:nvPr>
+            <p:ph type="dt" sz="half" idx="10"/>
+          </p:nvPr>
+        </p:nvSpPr>
+        <p:spPr/>
+        <p:txBody>
+          <a:bodyPr/>
+          <a:lstStyle/>
+          <a:p>
+            <a:fld id="{FB3C348A-E46C-4DCA-8E7A-6238716559C4}" type="datetimeFigureOut">
+              <a:rPr lang="en-GB" smtClean="0"/>
+              <a:pPr/>
+              <a:t>30/10/2025</a:t>
+            </a:fld>
+            <a:endParaRPr lang="en-GB"/>
+          </a:p>
+        </p:txBody>
+      </p:sp>
+      <p:sp>
+        <p:nvSpPr>
+          <p:cNvPr id="4" name="Footer Placeholder 3"/>
+          <p:cNvSpPr>
+            <a:spLocks noGrp="1"/>
+          </p:cNvSpPr>
+          <p:nvPr>
+            <p:ph type="ftr" sz="quarter" idx="11"/>
+          </p:nvPr>
+        </p:nvSpPr>
+        <p:spPr/>
+        <p:txBody>
+          <a:bodyPr/>
+          <a:lstStyle/>
+          <a:p>
+            <a:endParaRPr lang="en-GB"/>
+          </a:p>
+        </p:txBody>
+      </p:sp>
+      <p:sp>
+        <p:nvSpPr>
+          <p:cNvPr id="5" name="Slide Number Placeholder 4"/>
+          <p:cNvSpPr>
+            <a:spLocks noGrp="1"/>
+          </p:cNvSpPr>
+          <p:nvPr>
+            <p:ph type="sldNum" sz="quarter" idx="12"/>
+          </p:nvPr>
+        </p:nvSpPr>
+        <p:spPr/>
+        <p:txBody>
+          <a:bodyPr/>
+          <a:lstStyle/>
+          <a:p>
+            <a:fld id="{3EF4059D-7A01-4229-9D63-F1C98F673857}" type="slidenum">
+              <a:rPr lang="en-GB" smtClean="0"/>
+              <a:pPr/>
+              <a:t>‹#›</a:t>
+            </a:fld>
+            <a:endParaRPr lang="en-GB"/>
+          </a:p>
+        </p:txBody>
+      </p:sp>
+    </p:spTree>
+    <p:extLst>
+      <p:ext uri="{BB962C8B-B14F-4D97-AF65-F5344CB8AC3E}">
+        <p14:creationId xmlns:p14="http://schemas.microsoft.com/office/powerpoint/2010/main" val="3759529175"/>
+      </p:ext>
+    </p:extLst>
+  </p:cSld>
+  <p:clrMapOvr>
+    <a:masterClrMapping/>
+  </p:clrMapOvr>
+</p:sldLayout>
+</file>
+
+<file path=ppt/slideLayouts/slideLayout16.xml><?xml version="1.0" encoding="utf-8"?>
+<p:sldLayout xmlns:a="http://schemas.openxmlformats.org/drawingml/2006/main" xmlns:r="http://schemas.openxmlformats.org/officeDocument/2006/relationships" xmlns:p="http://schemas.openxmlformats.org/presentationml/2006/main" preserve="1">
+  <p:cSld name="1_Blank">
+    <p:bg>
+      <p:bgPr>
+        <a:solidFill>
+          <a:srgbClr val="FFA825"/>
+        </a:solidFill>
+        <a:effectLst/>
+      </p:bgPr>
+    </p:bg>
+    <p:spTree>
+      <p:nvGrpSpPr>
+        <p:cNvPr id="1" name=""/>
+        <p:cNvGrpSpPr/>
+        <p:nvPr/>
+      </p:nvGrpSpPr>
+      <p:grpSpPr>
+        <a:xfrm>
+          <a:off x="0" y="0"/>
+          <a:ext cx="0" cy="0"/>
+          <a:chOff x="0" y="0"/>
+          <a:chExt cx="0" cy="0"/>
+        </a:xfrm>
+      </p:grpSpPr>
+      <p:sp>
+        <p:nvSpPr>
+          <p:cNvPr id="2" name="Title 1"/>
+          <p:cNvSpPr>
+            <a:spLocks noGrp="1"/>
+          </p:cNvSpPr>
+          <p:nvPr>
+            <p:ph type="title"/>
+          </p:nvPr>
+        </p:nvSpPr>
+        <p:spPr>
+          <a:xfrm>
+            <a:off x="457200" y="2636912"/>
+            <a:ext cx="8229600" cy="1143000"/>
+          </a:xfrm>
+        </p:spPr>
+        <p:txBody>
+          <a:bodyPr>
+            <a:normAutofit/>
+          </a:bodyPr>
+          <a:lstStyle>
+            <a:lvl1pPr>
+              <a:defRPr sz="3600">
+                <a:solidFill>
+                  <a:schemeClr val="bg1"/>
+                </a:solidFill>
+              </a:defRPr>
+            </a:lvl1pPr>
+          </a:lstStyle>
+          <a:p>
+            <a:r>
+              <a:rPr lang="en-US"/>
+              <a:t>Click to edit Master title style</a:t>
+            </a:r>
+            <a:endParaRPr lang="en-GB" dirty="0"/>
+          </a:p>
+        </p:txBody>
+      </p:sp>
+      <p:sp>
+        <p:nvSpPr>
+          <p:cNvPr id="3" name="Date Placeholder 2"/>
+          <p:cNvSpPr>
+            <a:spLocks noGrp="1"/>
+          </p:cNvSpPr>
+          <p:nvPr>
+            <p:ph type="dt" sz="half" idx="10"/>
+          </p:nvPr>
+        </p:nvSpPr>
+        <p:spPr/>
+        <p:txBody>
+          <a:bodyPr/>
+          <a:lstStyle/>
+          <a:p>
+            <a:fld id="{FB3C348A-E46C-4DCA-8E7A-6238716559C4}" type="datetimeFigureOut">
+              <a:rPr lang="en-GB" smtClean="0"/>
+              <a:pPr/>
+              <a:t>30/10/2025</a:t>
+            </a:fld>
+            <a:endParaRPr lang="en-GB"/>
+          </a:p>
+        </p:txBody>
+      </p:sp>
+      <p:sp>
+        <p:nvSpPr>
+          <p:cNvPr id="4" name="Footer Placeholder 3"/>
+          <p:cNvSpPr>
+            <a:spLocks noGrp="1"/>
+          </p:cNvSpPr>
+          <p:nvPr>
+            <p:ph type="ftr" sz="quarter" idx="11"/>
+          </p:nvPr>
+        </p:nvSpPr>
+        <p:spPr/>
+        <p:txBody>
+          <a:bodyPr/>
+          <a:lstStyle/>
+          <a:p>
+            <a:endParaRPr lang="en-GB"/>
+          </a:p>
+        </p:txBody>
+      </p:sp>
+      <p:sp>
+        <p:nvSpPr>
+          <p:cNvPr id="5" name="Slide Number Placeholder 4"/>
+          <p:cNvSpPr>
+            <a:spLocks noGrp="1"/>
+          </p:cNvSpPr>
+          <p:nvPr>
+            <p:ph type="sldNum" sz="quarter" idx="12"/>
+          </p:nvPr>
+        </p:nvSpPr>
+        <p:spPr/>
+        <p:txBody>
+          <a:bodyPr/>
+          <a:lstStyle/>
+          <a:p>
+            <a:fld id="{3EF4059D-7A01-4229-9D63-F1C98F673857}" type="slidenum">
+              <a:rPr lang="en-GB" smtClean="0"/>
+              <a:pPr/>
+              <a:t>‹#›</a:t>
+            </a:fld>
+            <a:endParaRPr lang="en-GB"/>
+          </a:p>
+        </p:txBody>
+      </p:sp>
+    </p:spTree>
+    <p:extLst>
+      <p:ext uri="{BB962C8B-B14F-4D97-AF65-F5344CB8AC3E}">
+        <p14:creationId xmlns:p14="http://schemas.microsoft.com/office/powerpoint/2010/main" val="3807155383"/>
+      </p:ext>
+    </p:extLst>
+  </p:cSld>
+  <p:clrMapOvr>
+    <a:masterClrMapping/>
+  </p:clrMapOvr>
+</p:sldLayout>
+</file>
+
+<file path=ppt/slideLayouts/slideLayout17.xml><?xml version="1.0" encoding="utf-8"?>
+<p:sldLayout xmlns:a="http://schemas.openxmlformats.org/drawingml/2006/main" xmlns:r="http://schemas.openxmlformats.org/officeDocument/2006/relationships" xmlns:p="http://schemas.openxmlformats.org/presentationml/2006/main" type="blank" preserve="1">
+  <p:cSld name="White_Blank">
+    <p:spTree>
+      <p:nvGrpSpPr>
+        <p:cNvPr id="1" name=""/>
+        <p:cNvGrpSpPr/>
+        <p:nvPr/>
+      </p:nvGrpSpPr>
+      <p:grpSpPr>
+        <a:xfrm>
+          <a:off x="0" y="0"/>
+          <a:ext cx="0" cy="0"/>
+          <a:chOff x="0" y="0"/>
+          <a:chExt cx="0" cy="0"/>
+        </a:xfrm>
+      </p:grpSpPr>
+      <p:sp>
+        <p:nvSpPr>
+          <p:cNvPr id="2" name="Date Placeholder 1"/>
+          <p:cNvSpPr>
+            <a:spLocks noGrp="1"/>
+          </p:cNvSpPr>
+          <p:nvPr>
+            <p:ph type="dt" sz="half" idx="10"/>
+          </p:nvPr>
+        </p:nvSpPr>
+        <p:spPr/>
+        <p:txBody>
+          <a:bodyPr/>
+          <a:lstStyle/>
+          <a:p>
+            <a:fld id="{FB3C348A-E46C-4DCA-8E7A-6238716559C4}" type="datetimeFigureOut">
+              <a:rPr lang="en-GB" smtClean="0"/>
+              <a:pPr/>
+              <a:t>30/10/2025</a:t>
+            </a:fld>
+            <a:endParaRPr lang="en-GB"/>
+          </a:p>
+        </p:txBody>
+      </p:sp>
+      <p:sp>
+        <p:nvSpPr>
+          <p:cNvPr id="3" name="Footer Placeholder 2"/>
+          <p:cNvSpPr>
+            <a:spLocks noGrp="1"/>
+          </p:cNvSpPr>
+          <p:nvPr>
+            <p:ph type="ftr" sz="quarter" idx="11"/>
+          </p:nvPr>
+        </p:nvSpPr>
+        <p:spPr/>
+        <p:txBody>
+          <a:bodyPr/>
+          <a:lstStyle/>
+          <a:p>
+            <a:endParaRPr lang="en-GB"/>
+          </a:p>
+        </p:txBody>
+      </p:sp>
+      <p:sp>
+        <p:nvSpPr>
+          <p:cNvPr id="4" name="Slide Number Placeholder 3"/>
+          <p:cNvSpPr>
+            <a:spLocks noGrp="1"/>
+          </p:cNvSpPr>
+          <p:nvPr>
+            <p:ph type="sldNum" sz="quarter" idx="12"/>
+          </p:nvPr>
+        </p:nvSpPr>
+        <p:spPr/>
+        <p:txBody>
+          <a:bodyPr/>
+          <a:lstStyle/>
+          <a:p>
+            <a:fld id="{3EF4059D-7A01-4229-9D63-F1C98F673857}" type="slidenum">
+              <a:rPr lang="en-GB" smtClean="0"/>
+              <a:pPr/>
+              <a:t>‹#›</a:t>
+            </a:fld>
+            <a:endParaRPr lang="en-GB"/>
+          </a:p>
+        </p:txBody>
+      </p:sp>
+    </p:spTree>
+    <p:extLst>
+      <p:ext uri="{BB962C8B-B14F-4D97-AF65-F5344CB8AC3E}">
+        <p14:creationId xmlns:p14="http://schemas.microsoft.com/office/powerpoint/2010/main" val="1810756844"/>
+      </p:ext>
+    </p:extLst>
+  </p:cSld>
+  <p:clrMapOvr>
+    <a:masterClrMapping/>
+  </p:clrMapOvr>
+</p:sldLayout>
+</file>
+
+<file path=ppt/slideLayouts/slideLayout18.xml><?xml version="1.0" encoding="utf-8"?>
+<p:sldLayout xmlns:a="http://schemas.openxmlformats.org/drawingml/2006/main" xmlns:r="http://schemas.openxmlformats.org/officeDocument/2006/relationships" xmlns:p="http://schemas.openxmlformats.org/presentationml/2006/main" type="blank" preserve="1">
+  <p:cSld name="Dark grey blank">
+    <p:bg>
+      <p:bgPr>
+        <a:solidFill>
+          <a:schemeClr val="tx1">
+            <a:lumMod val="75000"/>
+            <a:lumOff val="25000"/>
+          </a:schemeClr>
+        </a:solidFill>
+        <a:effectLst/>
+      </p:bgPr>
+    </p:bg>
+    <p:spTree>
+      <p:nvGrpSpPr>
+        <p:cNvPr id="1" name=""/>
+        <p:cNvGrpSpPr/>
+        <p:nvPr/>
+      </p:nvGrpSpPr>
+      <p:grpSpPr>
+        <a:xfrm>
+          <a:off x="0" y="0"/>
+          <a:ext cx="0" cy="0"/>
+          <a:chOff x="0" y="0"/>
+          <a:chExt cx="0" cy="0"/>
+        </a:xfrm>
+      </p:grpSpPr>
+      <p:sp>
+        <p:nvSpPr>
+          <p:cNvPr id="2" name="Date Placeholder 1"/>
+          <p:cNvSpPr>
+            <a:spLocks noGrp="1"/>
+          </p:cNvSpPr>
+          <p:nvPr>
+            <p:ph type="dt" sz="half" idx="10"/>
+          </p:nvPr>
+        </p:nvSpPr>
+        <p:spPr/>
+        <p:txBody>
+          <a:bodyPr/>
+          <a:lstStyle/>
+          <a:p>
+            <a:fld id="{FB3C348A-E46C-4DCA-8E7A-6238716559C4}" type="datetimeFigureOut">
+              <a:rPr lang="en-GB" smtClean="0"/>
+              <a:pPr/>
+              <a:t>30/10/2025</a:t>
+            </a:fld>
+            <a:endParaRPr lang="en-GB"/>
+          </a:p>
+        </p:txBody>
+      </p:sp>
+      <p:sp>
+        <p:nvSpPr>
+          <p:cNvPr id="3" name="Footer Placeholder 2"/>
+          <p:cNvSpPr>
+            <a:spLocks noGrp="1"/>
+          </p:cNvSpPr>
+          <p:nvPr>
+            <p:ph type="ftr" sz="quarter" idx="11"/>
+          </p:nvPr>
+        </p:nvSpPr>
+        <p:spPr/>
+        <p:txBody>
+          <a:bodyPr/>
+          <a:lstStyle/>
+          <a:p>
+            <a:endParaRPr lang="en-GB"/>
+          </a:p>
+        </p:txBody>
+      </p:sp>
+      <p:sp>
+        <p:nvSpPr>
+          <p:cNvPr id="4" name="Slide Number Placeholder 3"/>
+          <p:cNvSpPr>
+            <a:spLocks noGrp="1"/>
+          </p:cNvSpPr>
+          <p:nvPr>
+            <p:ph type="sldNum" sz="quarter" idx="12"/>
+          </p:nvPr>
+        </p:nvSpPr>
+        <p:spPr/>
+        <p:txBody>
+          <a:bodyPr/>
+          <a:lstStyle/>
+          <a:p>
+            <a:fld id="{3EF4059D-7A01-4229-9D63-F1C98F673857}" type="slidenum">
+              <a:rPr lang="en-GB" smtClean="0"/>
+              <a:pPr/>
+              <a:t>‹#›</a:t>
+            </a:fld>
+            <a:endParaRPr lang="en-GB"/>
+          </a:p>
+        </p:txBody>
+      </p:sp>
+    </p:spTree>
+    <p:extLst>
+      <p:ext uri="{BB962C8B-B14F-4D97-AF65-F5344CB8AC3E}">
+        <p14:creationId xmlns:p14="http://schemas.microsoft.com/office/powerpoint/2010/main" val="3030292478"/>
+      </p:ext>
+    </p:extLst>
+  </p:cSld>
+  <p:clrMapOvr>
+    <a:masterClrMapping/>
+  </p:clrMapOvr>
+</p:sldLayout>
+</file>
+
+<file path=ppt/slideLayouts/slideLayout19.xml><?xml version="1.0" encoding="utf-8"?>
+<p:sldLayout xmlns:a="http://schemas.openxmlformats.org/drawingml/2006/main" xmlns:r="http://schemas.openxmlformats.org/officeDocument/2006/relationships" xmlns:p="http://schemas.openxmlformats.org/presentationml/2006/main" type="blank" preserve="1">
+  <p:cSld name="Black blank">
+    <p:bg>
+      <p:bgPr>
+        <a:solidFill>
+          <a:schemeClr val="tx1"/>
+        </a:solidFill>
+        <a:effectLst/>
+      </p:bgPr>
+    </p:bg>
+    <p:spTree>
+      <p:nvGrpSpPr>
+        <p:cNvPr id="1" name=""/>
+        <p:cNvGrpSpPr/>
+        <p:nvPr/>
+      </p:nvGrpSpPr>
+      <p:grpSpPr>
+        <a:xfrm>
+          <a:off x="0" y="0"/>
+          <a:ext cx="0" cy="0"/>
+          <a:chOff x="0" y="0"/>
+          <a:chExt cx="0" cy="0"/>
+        </a:xfrm>
+      </p:grpSpPr>
+      <p:sp>
+        <p:nvSpPr>
+          <p:cNvPr id="2" name="Date Placeholder 1"/>
+          <p:cNvSpPr>
+            <a:spLocks noGrp="1"/>
+          </p:cNvSpPr>
+          <p:nvPr>
+            <p:ph type="dt" sz="half" idx="10"/>
+          </p:nvPr>
+        </p:nvSpPr>
+        <p:spPr/>
+        <p:txBody>
+          <a:bodyPr/>
+          <a:lstStyle/>
+          <a:p>
+            <a:fld id="{FB3C348A-E46C-4DCA-8E7A-6238716559C4}" type="datetimeFigureOut">
+              <a:rPr lang="en-GB" smtClean="0"/>
+              <a:pPr/>
+              <a:t>30/10/2025</a:t>
+            </a:fld>
+            <a:endParaRPr lang="en-GB"/>
+          </a:p>
+        </p:txBody>
+      </p:sp>
+      <p:sp>
+        <p:nvSpPr>
+          <p:cNvPr id="3" name="Footer Placeholder 2"/>
+          <p:cNvSpPr>
+            <a:spLocks noGrp="1"/>
+          </p:cNvSpPr>
+          <p:nvPr>
+            <p:ph type="ftr" sz="quarter" idx="11"/>
+          </p:nvPr>
+        </p:nvSpPr>
+        <p:spPr/>
+        <p:txBody>
+          <a:bodyPr/>
+          <a:lstStyle/>
+          <a:p>
+            <a:endParaRPr lang="en-GB"/>
+          </a:p>
+        </p:txBody>
+      </p:sp>
+      <p:sp>
+        <p:nvSpPr>
+          <p:cNvPr id="4" name="Slide Number Placeholder 3"/>
+          <p:cNvSpPr>
+            <a:spLocks noGrp="1"/>
+          </p:cNvSpPr>
+          <p:nvPr>
+            <p:ph type="sldNum" sz="quarter" idx="12"/>
+          </p:nvPr>
+        </p:nvSpPr>
+        <p:spPr/>
+        <p:txBody>
+          <a:bodyPr/>
+          <a:lstStyle/>
+          <a:p>
+            <a:fld id="{3EF4059D-7A01-4229-9D63-F1C98F673857}" type="slidenum">
+              <a:rPr lang="en-GB" smtClean="0"/>
+              <a:pPr/>
+              <a:t>‹#›</a:t>
+            </a:fld>
+            <a:endParaRPr lang="en-GB"/>
+          </a:p>
+        </p:txBody>
+      </p:sp>
+    </p:spTree>
+    <p:extLst>
+      <p:ext uri="{BB962C8B-B14F-4D97-AF65-F5344CB8AC3E}">
+        <p14:creationId xmlns:p14="http://schemas.microsoft.com/office/powerpoint/2010/main" val="158885926"/>
       </p:ext>
     </p:extLst>
   </p:cSld>
@@ -3145,7 +4352,13 @@
       </p:grpSpPr>
       <p:sp>
         <p:nvSpPr>
-          <p:cNvPr id="2" name="Title 1"/>
+          <p:cNvPr id="2" name="Title 1">
+            <a:extLst>
+              <a:ext uri="{FF2B5EF4-FFF2-40B4-BE49-F238E27FC236}">
+                <a16:creationId xmlns:a16="http://schemas.microsoft.com/office/drawing/2014/main" id="{DD9B8E45-0772-954C-8D4B-6E6808DFEDED}"/>
+              </a:ext>
+            </a:extLst>
+          </p:cNvPr>
           <p:cNvSpPr>
             <a:spLocks noGrp="1"/>
           </p:cNvSpPr>
@@ -3155,87 +4368,217 @@
         </p:nvSpPr>
         <p:spPr/>
         <p:txBody>
-          <a:bodyPr/>
-          <a:lstStyle/>
-          <a:p>
-            <a:r>
+          <a:bodyPr>
+            <a:normAutofit/>
+          </a:bodyPr>
+          <a:lstStyle>
+            <a:lvl1pPr>
+              <a:defRPr sz="3200">
+                <a:solidFill>
+                  <a:srgbClr val="3EE3F4"/>
+                </a:solidFill>
+              </a:defRPr>
+            </a:lvl1pPr>
+          </a:lstStyle>
+          <a:p>
+            <a:r>
+              <a:rPr lang="en-GB" dirty="0"/>
+              <a:t>Click to edit Master title style</a:t>
+            </a:r>
+            <a:endParaRPr lang="en-US" dirty="0"/>
+          </a:p>
+        </p:txBody>
+      </p:sp>
+      <p:sp>
+        <p:nvSpPr>
+          <p:cNvPr id="3" name="Content Placeholder 2">
+            <a:extLst>
+              <a:ext uri="{FF2B5EF4-FFF2-40B4-BE49-F238E27FC236}">
+                <a16:creationId xmlns:a16="http://schemas.microsoft.com/office/drawing/2014/main" id="{A4EB24F9-04F1-C843-9D71-56C5C024552B}"/>
+              </a:ext>
+            </a:extLst>
+          </p:cNvPr>
+          <p:cNvSpPr>
+            <a:spLocks noGrp="1"/>
+          </p:cNvSpPr>
+          <p:nvPr>
+            <p:ph idx="1" hasCustomPrompt="1"/>
+          </p:nvPr>
+        </p:nvSpPr>
+        <p:spPr/>
+        <p:txBody>
+          <a:bodyPr>
+            <a:normAutofit/>
+          </a:bodyPr>
+          <a:lstStyle>
+            <a:lvl1pPr marL="128588" indent="-128588" algn="l" defTabSz="514350" rtl="0" eaLnBrk="1" latinLnBrk="0" hangingPunct="1">
+              <a:lnSpc>
+                <a:spcPct val="90000"/>
+              </a:lnSpc>
+              <a:spcBef>
+                <a:spcPts val="281"/>
+              </a:spcBef>
+              <a:buClr>
+                <a:srgbClr val="266D7E"/>
+              </a:buClr>
+              <a:buFont typeface="Arial" panose="020B0604020202020204" pitchFamily="34" charset="0"/>
+              <a:buChar char="•"/>
+              <a:defRPr lang="en-GB" sz="2000" kern="1200" dirty="0">
+                <a:solidFill>
+                  <a:srgbClr val="266D7E"/>
+                </a:solidFill>
+                <a:latin typeface="Mangal" panose="02040503050203030202" pitchFamily="18" charset="0"/>
+                <a:ea typeface="+mn-ea"/>
+                <a:cs typeface="Mangal" panose="02040503050203030202" pitchFamily="18" charset="0"/>
+              </a:defRPr>
+            </a:lvl1pPr>
+            <a:lvl2pPr marL="385763" indent="-128588" algn="l" defTabSz="514350" rtl="0" eaLnBrk="1" latinLnBrk="0" hangingPunct="1">
+              <a:lnSpc>
+                <a:spcPct val="90000"/>
+              </a:lnSpc>
+              <a:spcBef>
+                <a:spcPts val="281"/>
+              </a:spcBef>
+              <a:buClr>
+                <a:srgbClr val="4B556B"/>
+              </a:buClr>
+              <a:buFont typeface="Arial" panose="020B0604020202020204" pitchFamily="34" charset="0"/>
+              <a:buChar char="•"/>
+              <a:defRPr lang="en-GB" sz="2000" kern="1200" dirty="0">
+                <a:solidFill>
+                  <a:srgbClr val="266D7E"/>
+                </a:solidFill>
+                <a:latin typeface="Mangal" panose="02040503050203030202" pitchFamily="18" charset="0"/>
+                <a:ea typeface="+mn-ea"/>
+                <a:cs typeface="Mangal" panose="02040503050203030202" pitchFamily="18" charset="0"/>
+              </a:defRPr>
+            </a:lvl2pPr>
+            <a:lvl3pPr marL="642938" indent="-128588" algn="l" defTabSz="514350" rtl="0" eaLnBrk="1" latinLnBrk="0" hangingPunct="1">
+              <a:lnSpc>
+                <a:spcPct val="90000"/>
+              </a:lnSpc>
+              <a:spcBef>
+                <a:spcPts val="281"/>
+              </a:spcBef>
+              <a:buClr>
+                <a:srgbClr val="4B556B"/>
+              </a:buClr>
+              <a:buFont typeface="Arial" panose="020B0604020202020204" pitchFamily="34" charset="0"/>
+              <a:buChar char="•"/>
+              <a:defRPr lang="en-GB" sz="2000" kern="1200" dirty="0">
+                <a:solidFill>
+                  <a:srgbClr val="266D7E"/>
+                </a:solidFill>
+                <a:latin typeface="Mangal" panose="02040503050203030202" pitchFamily="18" charset="0"/>
+                <a:ea typeface="+mn-ea"/>
+                <a:cs typeface="Mangal" panose="02040503050203030202" pitchFamily="18" charset="0"/>
+              </a:defRPr>
+            </a:lvl3pPr>
+            <a:lvl4pPr marL="900113" indent="-128588" algn="l" defTabSz="514350" rtl="0" eaLnBrk="1" latinLnBrk="0" hangingPunct="1">
+              <a:lnSpc>
+                <a:spcPct val="90000"/>
+              </a:lnSpc>
+              <a:spcBef>
+                <a:spcPts val="281"/>
+              </a:spcBef>
+              <a:buClr>
+                <a:srgbClr val="4B556B"/>
+              </a:buClr>
+              <a:buFont typeface="Arial" panose="020B0604020202020204" pitchFamily="34" charset="0"/>
+              <a:buChar char="•"/>
+              <a:defRPr lang="en-GB" sz="2000" kern="1200" dirty="0">
+                <a:solidFill>
+                  <a:srgbClr val="266D7E"/>
+                </a:solidFill>
+                <a:latin typeface="Mangal" panose="02040503050203030202" pitchFamily="18" charset="0"/>
+                <a:ea typeface="+mn-ea"/>
+                <a:cs typeface="Mangal" panose="02040503050203030202" pitchFamily="18" charset="0"/>
+              </a:defRPr>
+            </a:lvl4pPr>
+            <a:lvl5pPr marL="1157288" indent="-128588" algn="l" defTabSz="514350" rtl="0" eaLnBrk="1" latinLnBrk="0" hangingPunct="1">
+              <a:lnSpc>
+                <a:spcPct val="90000"/>
+              </a:lnSpc>
+              <a:spcBef>
+                <a:spcPts val="281"/>
+              </a:spcBef>
+              <a:buClr>
+                <a:srgbClr val="4B556B"/>
+              </a:buClr>
+              <a:buFont typeface="Arial" panose="020B0604020202020204" pitchFamily="34" charset="0"/>
+              <a:buChar char="•"/>
+              <a:defRPr lang="en-US" sz="2000" kern="1200" dirty="0">
+                <a:solidFill>
+                  <a:srgbClr val="266D7E"/>
+                </a:solidFill>
+                <a:latin typeface="Mangal" panose="02040503050203030202" pitchFamily="18" charset="0"/>
+                <a:ea typeface="+mn-ea"/>
+                <a:cs typeface="Mangal" panose="02040503050203030202" pitchFamily="18" charset="0"/>
+              </a:defRPr>
+            </a:lvl5pPr>
+          </a:lstStyle>
+          <a:p>
+            <a:pPr lvl="0"/>
+            <a:r>
+              <a:rPr lang="en-GB" dirty="0"/>
+              <a:t> Click to edit Master text styles</a:t>
+            </a:r>
+          </a:p>
+          <a:p>
+            <a:pPr lvl="1"/>
+            <a:r>
+              <a:rPr lang="en-GB" dirty="0"/>
+              <a:t> Second level</a:t>
+            </a:r>
+          </a:p>
+          <a:p>
+            <a:pPr lvl="2"/>
+            <a:r>
+              <a:rPr lang="en-GB" dirty="0"/>
+              <a:t> Third level</a:t>
+            </a:r>
+          </a:p>
+          <a:p>
+            <a:pPr lvl="3"/>
+            <a:r>
+              <a:rPr lang="en-GB" dirty="0"/>
+              <a:t> Fourth level</a:t>
+            </a:r>
+          </a:p>
+          <a:p>
+            <a:pPr lvl="4"/>
+            <a:r>
+              <a:rPr lang="en-GB" dirty="0"/>
+              <a:t> Fifth level</a:t>
+            </a:r>
+            <a:endParaRPr lang="en-US" dirty="0"/>
+          </a:p>
+        </p:txBody>
+      </p:sp>
+      <p:sp>
+        <p:nvSpPr>
+          <p:cNvPr id="4" name="Date Placeholder 3">
+            <a:extLst>
+              <a:ext uri="{FF2B5EF4-FFF2-40B4-BE49-F238E27FC236}">
+                <a16:creationId xmlns:a16="http://schemas.microsoft.com/office/drawing/2014/main" id="{A53559EF-BAB7-0E42-9E60-A03A3B0DDE32}"/>
+              </a:ext>
+            </a:extLst>
+          </p:cNvPr>
+          <p:cNvSpPr>
+            <a:spLocks noGrp="1"/>
+          </p:cNvSpPr>
+          <p:nvPr>
+            <p:ph type="dt" sz="half" idx="10"/>
+          </p:nvPr>
+        </p:nvSpPr>
+        <p:spPr/>
+        <p:txBody>
+          <a:bodyPr/>
+          <a:lstStyle/>
+          <a:p>
+            <a:fld id="{241EB5C9-1307-BA42-ABA2-0BC069CD8E7F}" type="datetimeFigureOut">
               <a:rPr lang="en-US" smtClean="0"/>
-              <a:t>Click to edit Master title style</a:t>
-            </a:r>
-            <a:endParaRPr lang="en-US"/>
-          </a:p>
-        </p:txBody>
-      </p:sp>
-      <p:sp>
-        <p:nvSpPr>
-          <p:cNvPr id="3" name="Content Placeholder 2"/>
-          <p:cNvSpPr>
-            <a:spLocks noGrp="1"/>
-          </p:cNvSpPr>
-          <p:nvPr>
-            <p:ph idx="1"/>
-          </p:nvPr>
-        </p:nvSpPr>
-        <p:spPr/>
-        <p:txBody>
-          <a:bodyPr/>
-          <a:lstStyle/>
-          <a:p>
-            <a:pPr lvl="0"/>
-            <a:r>
-              <a:rPr lang="en-US" smtClean="0"/>
-              <a:t>Click to edit Master text styles</a:t>
-            </a:r>
-          </a:p>
-          <a:p>
-            <a:pPr lvl="1"/>
-            <a:r>
-              <a:rPr lang="en-US" smtClean="0"/>
-              <a:t>Second level</a:t>
-            </a:r>
-          </a:p>
-          <a:p>
-            <a:pPr lvl="2"/>
-            <a:r>
-              <a:rPr lang="en-US" smtClean="0"/>
-              <a:t>Third level</a:t>
-            </a:r>
-          </a:p>
-          <a:p>
-            <a:pPr lvl="3"/>
-            <a:r>
-              <a:rPr lang="en-US" smtClean="0"/>
-              <a:t>Fourth level</a:t>
-            </a:r>
-          </a:p>
-          <a:p>
-            <a:pPr lvl="4"/>
-            <a:r>
-              <a:rPr lang="en-US" smtClean="0"/>
-              <a:t>Fifth level</a:t>
-            </a:r>
-            <a:endParaRPr lang="en-US"/>
-          </a:p>
-        </p:txBody>
-      </p:sp>
-      <p:sp>
-        <p:nvSpPr>
-          <p:cNvPr id="4" name="Date Placeholder 3"/>
-          <p:cNvSpPr>
-            <a:spLocks noGrp="1"/>
-          </p:cNvSpPr>
-          <p:nvPr>
-            <p:ph type="dt" sz="half" idx="10"/>
-          </p:nvPr>
-        </p:nvSpPr>
-        <p:spPr/>
-        <p:txBody>
-          <a:bodyPr/>
-          <a:lstStyle/>
-          <a:p>
-            <a:fld id="{5BCAD085-E8A6-8845-BD4E-CB4CCA059FC4}" type="datetimeFigureOut">
-              <a:rPr lang="en-US" smtClean="0"/>
-              <a:t>1/27/13</a:t>
+              <a:t>10/30/2025</a:t>
             </a:fld>
             <a:endParaRPr lang="en-US"/>
           </a:p>
@@ -3243,7 +4586,13 @@
       </p:sp>
       <p:sp>
         <p:nvSpPr>
-          <p:cNvPr id="5" name="Footer Placeholder 4"/>
+          <p:cNvPr id="5" name="Footer Placeholder 4">
+            <a:extLst>
+              <a:ext uri="{FF2B5EF4-FFF2-40B4-BE49-F238E27FC236}">
+                <a16:creationId xmlns:a16="http://schemas.microsoft.com/office/drawing/2014/main" id="{BEEBB6D2-A026-D74A-8C2A-7AD33F225C47}"/>
+              </a:ext>
+            </a:extLst>
+          </p:cNvPr>
           <p:cNvSpPr>
             <a:spLocks noGrp="1"/>
           </p:cNvSpPr>
@@ -3262,7 +4611,13 @@
       </p:sp>
       <p:sp>
         <p:nvSpPr>
-          <p:cNvPr id="6" name="Slide Number Placeholder 5"/>
+          <p:cNvPr id="6" name="Slide Number Placeholder 5">
+            <a:extLst>
+              <a:ext uri="{FF2B5EF4-FFF2-40B4-BE49-F238E27FC236}">
+                <a16:creationId xmlns:a16="http://schemas.microsoft.com/office/drawing/2014/main" id="{D2D1D05D-520A-D942-8D98-B02EF8CF6776}"/>
+              </a:ext>
+            </a:extLst>
+          </p:cNvPr>
           <p:cNvSpPr>
             <a:spLocks noGrp="1"/>
           </p:cNvSpPr>
@@ -3275,7 +4630,7 @@
           <a:bodyPr/>
           <a:lstStyle/>
           <a:p>
-            <a:fld id="{C1FF6DA9-008F-8B48-92A6-B652298478BF}" type="slidenum">
+            <a:fld id="{C5EF2332-01BF-834F-8236-50238282D533}" type="slidenum">
               <a:rPr lang="en-US" smtClean="0"/>
               <a:t>‹#›</a:t>
             </a:fld>
@@ -3286,7 +4641,7 @@
     </p:spTree>
     <p:extLst>
       <p:ext uri="{BB962C8B-B14F-4D97-AF65-F5344CB8AC3E}">
-        <p14:creationId xmlns:p14="http://schemas.microsoft.com/office/powerpoint/2010/main" val="2614314258"/>
+        <p14:creationId xmlns:p14="http://schemas.microsoft.com/office/powerpoint/2010/main" val="4127081968"/>
       </p:ext>
     </p:extLst>
   </p:cSld>
@@ -3296,9 +4651,9 @@
 </p:sldLayout>
 </file>
 
-<file path=ppt/slideLayouts/slideLayout3.xml><?xml version="1.0" encoding="utf-8"?>
-<p:sldLayout xmlns:a="http://schemas.openxmlformats.org/drawingml/2006/main" xmlns:r="http://schemas.openxmlformats.org/officeDocument/2006/relationships" xmlns:p="http://schemas.openxmlformats.org/presentationml/2006/main" type="secHead" preserve="1">
-  <p:cSld name="Section Header">
+<file path=ppt/slideLayouts/slideLayout20.xml><?xml version="1.0" encoding="utf-8"?>
+<p:sldLayout xmlns:a="http://schemas.openxmlformats.org/drawingml/2006/main" xmlns:r="http://schemas.openxmlformats.org/officeDocument/2006/relationships" xmlns:p="http://schemas.openxmlformats.org/presentationml/2006/main" type="titleOnly" preserve="1">
+  <p:cSld name="1_Title Only">
     <p:spTree>
       <p:nvGrpSpPr>
         <p:cNvPr id="1" name=""/>
@@ -3323,165 +4678,843 @@
             <p:ph type="title"/>
           </p:nvPr>
         </p:nvSpPr>
-        <p:spPr>
-          <a:xfrm>
-            <a:off x="722313" y="4406900"/>
-            <a:ext cx="7772400" cy="1362075"/>
-          </a:xfrm>
-        </p:spPr>
-        <p:txBody>
-          <a:bodyPr anchor="t"/>
+        <p:spPr/>
+        <p:txBody>
+          <a:bodyPr/>
+          <a:lstStyle/>
+          <a:p>
+            <a:r>
+              <a:rPr lang="en-US"/>
+              <a:t>Click to edit Master title style</a:t>
+            </a:r>
+            <a:endParaRPr lang="en-GB"/>
+          </a:p>
+        </p:txBody>
+      </p:sp>
+      <p:sp>
+        <p:nvSpPr>
+          <p:cNvPr id="3" name="Date Placeholder 2"/>
+          <p:cNvSpPr>
+            <a:spLocks noGrp="1"/>
+          </p:cNvSpPr>
+          <p:nvPr>
+            <p:ph type="dt" sz="half" idx="10"/>
+          </p:nvPr>
+        </p:nvSpPr>
+        <p:spPr/>
+        <p:txBody>
+          <a:bodyPr/>
+          <a:lstStyle/>
+          <a:p>
+            <a:fld id="{107F2093-8B26-439B-A49E-8C472C3EFC30}" type="datetime1">
+              <a:rPr lang="en-GB" smtClean="0"/>
+              <a:t>30/10/2025</a:t>
+            </a:fld>
+            <a:endParaRPr lang="en-GB"/>
+          </a:p>
+        </p:txBody>
+      </p:sp>
+      <p:sp>
+        <p:nvSpPr>
+          <p:cNvPr id="4" name="Footer Placeholder 3"/>
+          <p:cNvSpPr>
+            <a:spLocks noGrp="1"/>
+          </p:cNvSpPr>
+          <p:nvPr>
+            <p:ph type="ftr" sz="quarter" idx="11"/>
+          </p:nvPr>
+        </p:nvSpPr>
+        <p:spPr/>
+        <p:txBody>
+          <a:bodyPr/>
+          <a:lstStyle/>
+          <a:p>
+            <a:endParaRPr lang="en-GB"/>
+          </a:p>
+        </p:txBody>
+      </p:sp>
+      <p:sp>
+        <p:nvSpPr>
+          <p:cNvPr id="5" name="Slide Number Placeholder 4"/>
+          <p:cNvSpPr>
+            <a:spLocks noGrp="1"/>
+          </p:cNvSpPr>
+          <p:nvPr>
+            <p:ph type="sldNum" sz="quarter" idx="12"/>
+          </p:nvPr>
+        </p:nvSpPr>
+        <p:spPr/>
+        <p:txBody>
+          <a:bodyPr/>
+          <a:lstStyle/>
+          <a:p>
+            <a:fld id="{3EF4059D-7A01-4229-9D63-F1C98F673857}" type="slidenum">
+              <a:rPr lang="en-GB" smtClean="0"/>
+              <a:pPr/>
+              <a:t>‹#›</a:t>
+            </a:fld>
+            <a:endParaRPr lang="en-GB"/>
+          </a:p>
+        </p:txBody>
+      </p:sp>
+    </p:spTree>
+    <p:extLst>
+      <p:ext uri="{BB962C8B-B14F-4D97-AF65-F5344CB8AC3E}">
+        <p14:creationId xmlns:p14="http://schemas.microsoft.com/office/powerpoint/2010/main" val="791601845"/>
+      </p:ext>
+    </p:extLst>
+  </p:cSld>
+  <p:clrMapOvr>
+    <a:masterClrMapping/>
+  </p:clrMapOvr>
+</p:sldLayout>
+</file>
+
+<file path=ppt/slideLayouts/slideLayout21.xml><?xml version="1.0" encoding="utf-8"?>
+<p:sldLayout xmlns:a="http://schemas.openxmlformats.org/drawingml/2006/main" xmlns:r="http://schemas.openxmlformats.org/officeDocument/2006/relationships" xmlns:p="http://schemas.openxmlformats.org/presentationml/2006/main">
+  <p:cSld name="Title and picture">
+    <p:spTree>
+      <p:nvGrpSpPr>
+        <p:cNvPr id="1" name=""/>
+        <p:cNvGrpSpPr/>
+        <p:nvPr/>
+      </p:nvGrpSpPr>
+      <p:grpSpPr>
+        <a:xfrm>
+          <a:off x="0" y="0"/>
+          <a:ext cx="0" cy="0"/>
+          <a:chOff x="0" y="0"/>
+          <a:chExt cx="0" cy="0"/>
+        </a:xfrm>
+      </p:grpSpPr>
+      <p:sp>
+        <p:nvSpPr>
+          <p:cNvPr id="2" name="Title 1"/>
+          <p:cNvSpPr>
+            <a:spLocks noGrp="1"/>
+          </p:cNvSpPr>
+          <p:nvPr>
+            <p:ph type="title"/>
+          </p:nvPr>
+        </p:nvSpPr>
+        <p:spPr/>
+        <p:txBody>
+          <a:bodyPr/>
           <a:lstStyle>
-            <a:lvl1pPr algn="l">
-              <a:defRPr sz="4000" b="1" cap="all"/>
-            </a:lvl1pPr>
-          </a:lstStyle>
-          <a:p>
-            <a:r>
-              <a:rPr lang="en-US" smtClean="0"/>
-              <a:t>Click to edit Master title style</a:t>
-            </a:r>
-            <a:endParaRPr lang="en-US"/>
-          </a:p>
-        </p:txBody>
-      </p:sp>
-      <p:sp>
-        <p:nvSpPr>
-          <p:cNvPr id="3" name="Text Placeholder 2"/>
-          <p:cNvSpPr>
-            <a:spLocks noGrp="1"/>
-          </p:cNvSpPr>
-          <p:nvPr>
-            <p:ph type="body" idx="1"/>
-          </p:nvPr>
-        </p:nvSpPr>
-        <p:spPr>
-          <a:xfrm>
-            <a:off x="722313" y="2906713"/>
-            <a:ext cx="7772400" cy="1500187"/>
-          </a:xfrm>
-        </p:spPr>
-        <p:txBody>
-          <a:bodyPr anchor="b"/>
-          <a:lstStyle>
-            <a:lvl1pPr marL="0" indent="0">
-              <a:buNone/>
-              <a:defRPr sz="2000">
+            <a:lvl1pPr>
+              <a:defRPr>
                 <a:solidFill>
-                  <a:schemeClr val="tx1">
-                    <a:tint val="75000"/>
-                  </a:schemeClr>
+                  <a:srgbClr val="20D2D6"/>
                 </a:solidFill>
               </a:defRPr>
             </a:lvl1pPr>
-            <a:lvl2pPr marL="457200" indent="0">
-              <a:buNone/>
-              <a:defRPr sz="1800">
+          </a:lstStyle>
+          <a:p>
+            <a:r>
+              <a:rPr lang="en-US"/>
+              <a:t>Click to edit Master title style</a:t>
+            </a:r>
+            <a:endParaRPr lang="en-GB" dirty="0"/>
+          </a:p>
+        </p:txBody>
+      </p:sp>
+      <p:sp>
+        <p:nvSpPr>
+          <p:cNvPr id="3" name="Date Placeholder 2"/>
+          <p:cNvSpPr>
+            <a:spLocks noGrp="1"/>
+          </p:cNvSpPr>
+          <p:nvPr>
+            <p:ph type="dt" sz="half" idx="10"/>
+          </p:nvPr>
+        </p:nvSpPr>
+        <p:spPr/>
+        <p:txBody>
+          <a:bodyPr/>
+          <a:lstStyle/>
+          <a:p>
+            <a:fld id="{FB3C348A-E46C-4DCA-8E7A-6238716559C4}" type="datetimeFigureOut">
+              <a:rPr lang="en-GB" smtClean="0"/>
+              <a:pPr/>
+              <a:t>30/10/2025</a:t>
+            </a:fld>
+            <a:endParaRPr lang="en-GB"/>
+          </a:p>
+        </p:txBody>
+      </p:sp>
+      <p:sp>
+        <p:nvSpPr>
+          <p:cNvPr id="4" name="Footer Placeholder 3"/>
+          <p:cNvSpPr>
+            <a:spLocks noGrp="1"/>
+          </p:cNvSpPr>
+          <p:nvPr>
+            <p:ph type="ftr" sz="quarter" idx="11"/>
+          </p:nvPr>
+        </p:nvSpPr>
+        <p:spPr/>
+        <p:txBody>
+          <a:bodyPr/>
+          <a:lstStyle/>
+          <a:p>
+            <a:endParaRPr lang="en-GB"/>
+          </a:p>
+        </p:txBody>
+      </p:sp>
+      <p:sp>
+        <p:nvSpPr>
+          <p:cNvPr id="5" name="Slide Number Placeholder 4"/>
+          <p:cNvSpPr>
+            <a:spLocks noGrp="1"/>
+          </p:cNvSpPr>
+          <p:nvPr>
+            <p:ph type="sldNum" sz="quarter" idx="12"/>
+          </p:nvPr>
+        </p:nvSpPr>
+        <p:spPr/>
+        <p:txBody>
+          <a:bodyPr/>
+          <a:lstStyle/>
+          <a:p>
+            <a:fld id="{3EF4059D-7A01-4229-9D63-F1C98F673857}" type="slidenum">
+              <a:rPr lang="en-GB" smtClean="0"/>
+              <a:pPr/>
+              <a:t>‹#›</a:t>
+            </a:fld>
+            <a:endParaRPr lang="en-GB"/>
+          </a:p>
+        </p:txBody>
+      </p:sp>
+      <p:sp>
+        <p:nvSpPr>
+          <p:cNvPr id="8" name="Picture Placeholder 7"/>
+          <p:cNvSpPr>
+            <a:spLocks noGrp="1"/>
+          </p:cNvSpPr>
+          <p:nvPr>
+            <p:ph type="pic" sz="quarter" idx="13"/>
+          </p:nvPr>
+        </p:nvSpPr>
+        <p:spPr>
+          <a:xfrm>
+            <a:off x="539751" y="1700215"/>
+            <a:ext cx="8147050" cy="4681537"/>
+          </a:xfrm>
+        </p:spPr>
+        <p:txBody>
+          <a:bodyPr/>
+          <a:lstStyle/>
+          <a:p>
+            <a:r>
+              <a:rPr lang="en-US"/>
+              <a:t>Click icon to add picture</a:t>
+            </a:r>
+            <a:endParaRPr lang="en-GB"/>
+          </a:p>
+        </p:txBody>
+      </p:sp>
+    </p:spTree>
+    <p:extLst>
+      <p:ext uri="{BB962C8B-B14F-4D97-AF65-F5344CB8AC3E}">
+        <p14:creationId xmlns:p14="http://schemas.microsoft.com/office/powerpoint/2010/main" val="1901749637"/>
+      </p:ext>
+    </p:extLst>
+  </p:cSld>
+  <p:clrMapOvr>
+    <a:masterClrMapping/>
+  </p:clrMapOvr>
+</p:sldLayout>
+</file>
+
+<file path=ppt/slideLayouts/slideLayout22.xml><?xml version="1.0" encoding="utf-8"?>
+<p:sldLayout xmlns:a="http://schemas.openxmlformats.org/drawingml/2006/main" xmlns:r="http://schemas.openxmlformats.org/officeDocument/2006/relationships" xmlns:p="http://schemas.openxmlformats.org/presentationml/2006/main" userDrawn="1">
+  <p:cSld name="Your turn activity">
+    <p:bg>
+      <p:bgPr>
+        <a:solidFill>
+          <a:schemeClr val="bg1">
+            <a:lumMod val="65000"/>
+          </a:schemeClr>
+        </a:solidFill>
+        <a:effectLst/>
+      </p:bgPr>
+    </p:bg>
+    <p:spTree>
+      <p:nvGrpSpPr>
+        <p:cNvPr id="1" name=""/>
+        <p:cNvGrpSpPr/>
+        <p:nvPr/>
+      </p:nvGrpSpPr>
+      <p:grpSpPr>
+        <a:xfrm>
+          <a:off x="0" y="0"/>
+          <a:ext cx="0" cy="0"/>
+          <a:chOff x="0" y="0"/>
+          <a:chExt cx="0" cy="0"/>
+        </a:xfrm>
+      </p:grpSpPr>
+      <p:sp>
+        <p:nvSpPr>
+          <p:cNvPr id="2" name="Date Placeholder 1"/>
+          <p:cNvSpPr>
+            <a:spLocks noGrp="1"/>
+          </p:cNvSpPr>
+          <p:nvPr>
+            <p:ph type="dt" sz="half" idx="10"/>
+          </p:nvPr>
+        </p:nvSpPr>
+        <p:spPr/>
+        <p:txBody>
+          <a:bodyPr/>
+          <a:lstStyle/>
+          <a:p>
+            <a:fld id="{FB3C348A-E46C-4DCA-8E7A-6238716559C4}" type="datetimeFigureOut">
+              <a:rPr lang="en-GB" smtClean="0"/>
+              <a:pPr/>
+              <a:t>30/10/2025</a:t>
+            </a:fld>
+            <a:endParaRPr lang="en-GB"/>
+          </a:p>
+        </p:txBody>
+      </p:sp>
+      <p:sp>
+        <p:nvSpPr>
+          <p:cNvPr id="3" name="Footer Placeholder 2"/>
+          <p:cNvSpPr>
+            <a:spLocks noGrp="1"/>
+          </p:cNvSpPr>
+          <p:nvPr>
+            <p:ph type="ftr" sz="quarter" idx="11"/>
+          </p:nvPr>
+        </p:nvSpPr>
+        <p:spPr/>
+        <p:txBody>
+          <a:bodyPr/>
+          <a:lstStyle/>
+          <a:p>
+            <a:endParaRPr lang="en-GB"/>
+          </a:p>
+        </p:txBody>
+      </p:sp>
+      <p:sp>
+        <p:nvSpPr>
+          <p:cNvPr id="4" name="Slide Number Placeholder 3"/>
+          <p:cNvSpPr>
+            <a:spLocks noGrp="1"/>
+          </p:cNvSpPr>
+          <p:nvPr>
+            <p:ph type="sldNum" sz="quarter" idx="12"/>
+          </p:nvPr>
+        </p:nvSpPr>
+        <p:spPr/>
+        <p:txBody>
+          <a:bodyPr/>
+          <a:lstStyle/>
+          <a:p>
+            <a:fld id="{3EF4059D-7A01-4229-9D63-F1C98F673857}" type="slidenum">
+              <a:rPr lang="en-GB" smtClean="0"/>
+              <a:pPr/>
+              <a:t>‹#›</a:t>
+            </a:fld>
+            <a:endParaRPr lang="en-GB"/>
+          </a:p>
+        </p:txBody>
+      </p:sp>
+      <p:sp>
+        <p:nvSpPr>
+          <p:cNvPr id="5" name="Title 1"/>
+          <p:cNvSpPr>
+            <a:spLocks noGrp="1"/>
+          </p:cNvSpPr>
+          <p:nvPr>
+            <p:ph type="title"/>
+          </p:nvPr>
+        </p:nvSpPr>
+        <p:spPr>
+          <a:xfrm>
+            <a:off x="940564" y="332656"/>
+            <a:ext cx="7519868" cy="1143000"/>
+          </a:xfrm>
+        </p:spPr>
+        <p:txBody>
+          <a:bodyPr>
+            <a:normAutofit fontScale="90000"/>
+          </a:bodyPr>
+          <a:lstStyle>
+            <a:lvl1pPr>
+              <a:defRPr sz="3300" b="1">
+                <a:solidFill>
+                  <a:schemeClr val="bg1"/>
+                </a:solidFill>
+                <a:effectLst>
+                  <a:outerShdw blurRad="38100" dist="38100" dir="2700000" algn="tl">
+                    <a:srgbClr val="000000">
+                      <a:alpha val="43137"/>
+                    </a:srgbClr>
+                  </a:outerShdw>
+                </a:effectLst>
+              </a:defRPr>
+            </a:lvl1pPr>
+          </a:lstStyle>
+          <a:p>
+            <a:pPr algn="l"/>
+            <a:r>
+              <a:rPr lang="en-US" dirty="0">
+                <a:effectLst/>
+                <a:latin typeface="Arial" panose="020B0604020202020204" pitchFamily="34" charset="0"/>
+              </a:rPr>
+              <a:t>Click to edit Master title style</a:t>
+            </a:r>
+            <a:endParaRPr lang="en-GB" dirty="0">
+              <a:effectLst/>
+              <a:latin typeface="Arial" panose="020B0604020202020204" pitchFamily="34" charset="0"/>
+            </a:endParaRPr>
+          </a:p>
+        </p:txBody>
+      </p:sp>
+      <p:sp>
+        <p:nvSpPr>
+          <p:cNvPr id="9" name="Content Placeholder 2"/>
+          <p:cNvSpPr>
+            <a:spLocks noGrp="1"/>
+          </p:cNvSpPr>
+          <p:nvPr>
+            <p:ph idx="13" hasCustomPrompt="1"/>
+          </p:nvPr>
+        </p:nvSpPr>
+        <p:spPr>
+          <a:xfrm>
+            <a:off x="611560" y="1782762"/>
+            <a:ext cx="8075240" cy="4915694"/>
+          </a:xfrm>
+        </p:spPr>
+        <p:txBody>
+          <a:bodyPr/>
+          <a:lstStyle>
+            <a:lvl1pPr marL="0" indent="0">
+              <a:buNone/>
+              <a:defRPr>
+                <a:solidFill>
+                  <a:schemeClr val="bg1">
+                    <a:lumMod val="95000"/>
+                  </a:schemeClr>
+                </a:solidFill>
+                <a:latin typeface="Arial" panose="020B0604020202020204" pitchFamily="34" charset="0"/>
+                <a:cs typeface="Arial" panose="020B0604020202020204" pitchFamily="34" charset="0"/>
+              </a:defRPr>
+            </a:lvl1pPr>
+            <a:lvl2pPr marL="342900" indent="0">
+              <a:buClr>
+                <a:srgbClr val="FFA825"/>
+              </a:buClr>
+              <a:buSzPct val="170000"/>
+              <a:buFont typeface="Arial" panose="020B0604020202020204" pitchFamily="34" charset="0"/>
+              <a:buNone/>
+              <a:defRPr>
+                <a:solidFill>
+                  <a:srgbClr val="FF632E"/>
+                </a:solidFill>
+                <a:latin typeface="Arial" panose="020B0604020202020204" pitchFamily="34" charset="0"/>
+                <a:cs typeface="Arial" panose="020B0604020202020204" pitchFamily="34" charset="0"/>
+              </a:defRPr>
+            </a:lvl2pPr>
+            <a:lvl3pPr marL="685800" indent="0">
+              <a:buNone/>
+              <a:defRPr>
                 <a:solidFill>
                   <a:schemeClr val="tx1">
-                    <a:tint val="75000"/>
+                    <a:lumMod val="65000"/>
+                    <a:lumOff val="35000"/>
                   </a:schemeClr>
                 </a:solidFill>
+                <a:latin typeface="Arial" panose="020B0604020202020204" pitchFamily="34" charset="0"/>
+                <a:cs typeface="Arial" panose="020B0604020202020204" pitchFamily="34" charset="0"/>
               </a:defRPr>
-            </a:lvl2pPr>
-            <a:lvl3pPr marL="914400" indent="0">
-              <a:buNone/>
-              <a:defRPr sz="1600">
+            </a:lvl3pPr>
+            <a:lvl4pPr marL="1028700" indent="0">
+              <a:buNone/>
+              <a:defRPr>
                 <a:solidFill>
                   <a:schemeClr val="tx1">
-                    <a:tint val="75000"/>
+                    <a:lumMod val="65000"/>
+                    <a:lumOff val="35000"/>
                   </a:schemeClr>
                 </a:solidFill>
+                <a:latin typeface="Arial" panose="020B0604020202020204" pitchFamily="34" charset="0"/>
+                <a:cs typeface="Arial" panose="020B0604020202020204" pitchFamily="34" charset="0"/>
               </a:defRPr>
-            </a:lvl3pPr>
-            <a:lvl4pPr marL="1371600" indent="0">
-              <a:buNone/>
-              <a:defRPr sz="1400">
+            </a:lvl4pPr>
+            <a:lvl5pPr marL="1371600" indent="0">
+              <a:buNone/>
+              <a:defRPr>
                 <a:solidFill>
                   <a:schemeClr val="tx1">
-                    <a:tint val="75000"/>
+                    <a:lumMod val="65000"/>
+                    <a:lumOff val="35000"/>
                   </a:schemeClr>
                 </a:solidFill>
+                <a:latin typeface="Arial" panose="020B0604020202020204" pitchFamily="34" charset="0"/>
+                <a:cs typeface="Arial" panose="020B0604020202020204" pitchFamily="34" charset="0"/>
               </a:defRPr>
-            </a:lvl4pPr>
-            <a:lvl5pPr marL="1828800" indent="0">
-              <a:buNone/>
-              <a:defRPr sz="1400">
+            </a:lvl5pPr>
+          </a:lstStyle>
+          <a:p>
+            <a:pPr lvl="0"/>
+            <a:r>
+              <a:rPr lang="en-US" dirty="0"/>
+              <a:t>Click to edit Master text styles</a:t>
+            </a:r>
+          </a:p>
+        </p:txBody>
+      </p:sp>
+    </p:spTree>
+    <p:extLst>
+      <p:ext uri="{BB962C8B-B14F-4D97-AF65-F5344CB8AC3E}">
+        <p14:creationId xmlns:p14="http://schemas.microsoft.com/office/powerpoint/2010/main" val="2012307294"/>
+      </p:ext>
+    </p:extLst>
+  </p:cSld>
+  <p:clrMapOvr>
+    <a:masterClrMapping/>
+  </p:clrMapOvr>
+</p:sldLayout>
+</file>
+
+<file path=ppt/slideLayouts/slideLayout23.xml><?xml version="1.0" encoding="utf-8"?>
+<p:sldLayout xmlns:a="http://schemas.openxmlformats.org/drawingml/2006/main" xmlns:r="http://schemas.openxmlformats.org/officeDocument/2006/relationships" xmlns:p="http://schemas.openxmlformats.org/presentationml/2006/main">
+  <p:cSld name="2_Blank">
+    <p:bg>
+      <p:bgPr>
+        <a:solidFill>
+          <a:srgbClr val="FFA825"/>
+        </a:solidFill>
+        <a:effectLst/>
+      </p:bgPr>
+    </p:bg>
+    <p:spTree>
+      <p:nvGrpSpPr>
+        <p:cNvPr id="1" name=""/>
+        <p:cNvGrpSpPr/>
+        <p:nvPr/>
+      </p:nvGrpSpPr>
+      <p:grpSpPr>
+        <a:xfrm>
+          <a:off x="0" y="0"/>
+          <a:ext cx="0" cy="0"/>
+          <a:chOff x="0" y="0"/>
+          <a:chExt cx="0" cy="0"/>
+        </a:xfrm>
+      </p:grpSpPr>
+      <p:sp>
+        <p:nvSpPr>
+          <p:cNvPr id="2" name="Title 1"/>
+          <p:cNvSpPr>
+            <a:spLocks noGrp="1"/>
+          </p:cNvSpPr>
+          <p:nvPr>
+            <p:ph type="title"/>
+          </p:nvPr>
+        </p:nvSpPr>
+        <p:spPr>
+          <a:xfrm>
+            <a:off x="457200" y="2636912"/>
+            <a:ext cx="8229600" cy="1143000"/>
+          </a:xfrm>
+        </p:spPr>
+        <p:txBody>
+          <a:bodyPr>
+            <a:normAutofit/>
+          </a:bodyPr>
+          <a:lstStyle>
+            <a:lvl1pPr>
+              <a:defRPr sz="3600">
                 <a:solidFill>
-                  <a:schemeClr val="tx1">
-                    <a:tint val="75000"/>
-                  </a:schemeClr>
+                  <a:schemeClr val="bg1"/>
                 </a:solidFill>
               </a:defRPr>
-            </a:lvl5pPr>
-            <a:lvl6pPr marL="2286000" indent="0">
-              <a:buNone/>
-              <a:defRPr sz="1400">
+            </a:lvl1pPr>
+          </a:lstStyle>
+          <a:p>
+            <a:r>
+              <a:rPr lang="en-US"/>
+              <a:t>Click to edit Master title style</a:t>
+            </a:r>
+            <a:endParaRPr lang="en-GB" dirty="0"/>
+          </a:p>
+        </p:txBody>
+      </p:sp>
+      <p:sp>
+        <p:nvSpPr>
+          <p:cNvPr id="3" name="Date Placeholder 2"/>
+          <p:cNvSpPr>
+            <a:spLocks noGrp="1"/>
+          </p:cNvSpPr>
+          <p:nvPr>
+            <p:ph type="dt" sz="half" idx="10"/>
+          </p:nvPr>
+        </p:nvSpPr>
+        <p:spPr/>
+        <p:txBody>
+          <a:bodyPr/>
+          <a:lstStyle/>
+          <a:p>
+            <a:fld id="{FB3C348A-E46C-4DCA-8E7A-6238716559C4}" type="datetimeFigureOut">
+              <a:rPr lang="en-GB" smtClean="0"/>
+              <a:pPr/>
+              <a:t>30/10/2025</a:t>
+            </a:fld>
+            <a:endParaRPr lang="en-GB"/>
+          </a:p>
+        </p:txBody>
+      </p:sp>
+      <p:sp>
+        <p:nvSpPr>
+          <p:cNvPr id="4" name="Footer Placeholder 3"/>
+          <p:cNvSpPr>
+            <a:spLocks noGrp="1"/>
+          </p:cNvSpPr>
+          <p:nvPr>
+            <p:ph type="ftr" sz="quarter" idx="11"/>
+          </p:nvPr>
+        </p:nvSpPr>
+        <p:spPr/>
+        <p:txBody>
+          <a:bodyPr/>
+          <a:lstStyle/>
+          <a:p>
+            <a:endParaRPr lang="en-GB"/>
+          </a:p>
+        </p:txBody>
+      </p:sp>
+      <p:sp>
+        <p:nvSpPr>
+          <p:cNvPr id="5" name="Slide Number Placeholder 4"/>
+          <p:cNvSpPr>
+            <a:spLocks noGrp="1"/>
+          </p:cNvSpPr>
+          <p:nvPr>
+            <p:ph type="sldNum" sz="quarter" idx="12"/>
+          </p:nvPr>
+        </p:nvSpPr>
+        <p:spPr/>
+        <p:txBody>
+          <a:bodyPr/>
+          <a:lstStyle/>
+          <a:p>
+            <a:fld id="{3EF4059D-7A01-4229-9D63-F1C98F673857}" type="slidenum">
+              <a:rPr lang="en-GB" smtClean="0"/>
+              <a:pPr/>
+              <a:t>‹#›</a:t>
+            </a:fld>
+            <a:endParaRPr lang="en-GB"/>
+          </a:p>
+        </p:txBody>
+      </p:sp>
+    </p:spTree>
+    <p:extLst>
+      <p:ext uri="{BB962C8B-B14F-4D97-AF65-F5344CB8AC3E}">
+        <p14:creationId xmlns:p14="http://schemas.microsoft.com/office/powerpoint/2010/main" val="2499873104"/>
+      </p:ext>
+    </p:extLst>
+  </p:cSld>
+  <p:clrMapOvr>
+    <a:masterClrMapping/>
+  </p:clrMapOvr>
+</p:sldLayout>
+</file>
+
+<file path=ppt/slideLayouts/slideLayout24.xml><?xml version="1.0" encoding="utf-8"?>
+<p:sldLayout xmlns:a="http://schemas.openxmlformats.org/drawingml/2006/main" xmlns:r="http://schemas.openxmlformats.org/officeDocument/2006/relationships" xmlns:p="http://schemas.openxmlformats.org/presentationml/2006/main" userDrawn="1">
+  <p:cSld name="Picture with overlaid content">
+    <p:spTree>
+      <p:nvGrpSpPr>
+        <p:cNvPr id="1" name=""/>
+        <p:cNvGrpSpPr/>
+        <p:nvPr/>
+      </p:nvGrpSpPr>
+      <p:grpSpPr>
+        <a:xfrm>
+          <a:off x="0" y="0"/>
+          <a:ext cx="0" cy="0"/>
+          <a:chOff x="0" y="0"/>
+          <a:chExt cx="0" cy="0"/>
+        </a:xfrm>
+      </p:grpSpPr>
+      <p:sp>
+        <p:nvSpPr>
+          <p:cNvPr id="4" name="Date Placeholder 3"/>
+          <p:cNvSpPr>
+            <a:spLocks noGrp="1"/>
+          </p:cNvSpPr>
+          <p:nvPr>
+            <p:ph type="dt" sz="half" idx="10"/>
+          </p:nvPr>
+        </p:nvSpPr>
+        <p:spPr/>
+        <p:txBody>
+          <a:bodyPr/>
+          <a:lstStyle/>
+          <a:p>
+            <a:fld id="{FB3C348A-E46C-4DCA-8E7A-6238716559C4}" type="datetimeFigureOut">
+              <a:rPr lang="en-GB" smtClean="0"/>
+              <a:pPr/>
+              <a:t>30/10/2025</a:t>
+            </a:fld>
+            <a:endParaRPr lang="en-GB"/>
+          </a:p>
+        </p:txBody>
+      </p:sp>
+      <p:sp>
+        <p:nvSpPr>
+          <p:cNvPr id="5" name="Footer Placeholder 4"/>
+          <p:cNvSpPr>
+            <a:spLocks noGrp="1"/>
+          </p:cNvSpPr>
+          <p:nvPr>
+            <p:ph type="ftr" sz="quarter" idx="11"/>
+          </p:nvPr>
+        </p:nvSpPr>
+        <p:spPr/>
+        <p:txBody>
+          <a:bodyPr/>
+          <a:lstStyle/>
+          <a:p>
+            <a:endParaRPr lang="en-GB"/>
+          </a:p>
+        </p:txBody>
+      </p:sp>
+      <p:sp>
+        <p:nvSpPr>
+          <p:cNvPr id="6" name="Slide Number Placeholder 5"/>
+          <p:cNvSpPr>
+            <a:spLocks noGrp="1"/>
+          </p:cNvSpPr>
+          <p:nvPr>
+            <p:ph type="sldNum" sz="quarter" idx="12"/>
+          </p:nvPr>
+        </p:nvSpPr>
+        <p:spPr/>
+        <p:txBody>
+          <a:bodyPr/>
+          <a:lstStyle/>
+          <a:p>
+            <a:fld id="{3EF4059D-7A01-4229-9D63-F1C98F673857}" type="slidenum">
+              <a:rPr lang="en-GB" smtClean="0"/>
+              <a:pPr/>
+              <a:t>‹#›</a:t>
+            </a:fld>
+            <a:endParaRPr lang="en-GB"/>
+          </a:p>
+        </p:txBody>
+      </p:sp>
+    </p:spTree>
+    <p:extLst>
+      <p:ext uri="{BB962C8B-B14F-4D97-AF65-F5344CB8AC3E}">
+        <p14:creationId xmlns:p14="http://schemas.microsoft.com/office/powerpoint/2010/main" val="4271384964"/>
+      </p:ext>
+    </p:extLst>
+  </p:cSld>
+  <p:clrMapOvr>
+    <a:masterClrMapping/>
+  </p:clrMapOvr>
+</p:sldLayout>
+</file>
+
+<file path=ppt/slideLayouts/slideLayout3.xml><?xml version="1.0" encoding="utf-8"?>
+<p:sldLayout xmlns:a="http://schemas.openxmlformats.org/drawingml/2006/main" xmlns:r="http://schemas.openxmlformats.org/officeDocument/2006/relationships" xmlns:p="http://schemas.openxmlformats.org/presentationml/2006/main" preserve="1">
+  <p:cSld name="Section Header">
+    <p:bg>
+      <p:bgPr>
+        <a:solidFill>
+          <a:schemeClr val="bg1">
+            <a:lumMod val="50000"/>
+          </a:schemeClr>
+        </a:solidFill>
+        <a:effectLst/>
+      </p:bgPr>
+    </p:bg>
+    <p:spTree>
+      <p:nvGrpSpPr>
+        <p:cNvPr id="1" name=""/>
+        <p:cNvGrpSpPr/>
+        <p:nvPr/>
+      </p:nvGrpSpPr>
+      <p:grpSpPr>
+        <a:xfrm>
+          <a:off x="0" y="0"/>
+          <a:ext cx="0" cy="0"/>
+          <a:chOff x="0" y="0"/>
+          <a:chExt cx="0" cy="0"/>
+        </a:xfrm>
+      </p:grpSpPr>
+      <p:sp>
+        <p:nvSpPr>
+          <p:cNvPr id="2" name="Title 1">
+            <a:extLst>
+              <a:ext uri="{FF2B5EF4-FFF2-40B4-BE49-F238E27FC236}">
+                <a16:creationId xmlns:a16="http://schemas.microsoft.com/office/drawing/2014/main" id="{FF6A6CB2-D1B6-B94A-84C1-83C65423C650}"/>
+              </a:ext>
+            </a:extLst>
+          </p:cNvPr>
+          <p:cNvSpPr>
+            <a:spLocks noGrp="1"/>
+          </p:cNvSpPr>
+          <p:nvPr>
+            <p:ph type="title"/>
+          </p:nvPr>
+        </p:nvSpPr>
+        <p:spPr>
+          <a:xfrm>
+            <a:off x="623888" y="1709741"/>
+            <a:ext cx="7886700" cy="2852737"/>
+          </a:xfrm>
+        </p:spPr>
+        <p:txBody>
+          <a:bodyPr anchor="ctr">
+            <a:normAutofit/>
+          </a:bodyPr>
+          <a:lstStyle>
+            <a:lvl1pPr algn="ctr">
+              <a:defRPr sz="4800">
                 <a:solidFill>
-                  <a:schemeClr val="tx1">
-                    <a:tint val="75000"/>
-                  </a:schemeClr>
+                  <a:srgbClr val="FFC000"/>
                 </a:solidFill>
               </a:defRPr>
-            </a:lvl6pPr>
-            <a:lvl7pPr marL="2743200" indent="0">
-              <a:buNone/>
-              <a:defRPr sz="1400">
-                <a:solidFill>
-                  <a:schemeClr val="tx1">
-                    <a:tint val="75000"/>
-                  </a:schemeClr>
-                </a:solidFill>
-              </a:defRPr>
-            </a:lvl7pPr>
-            <a:lvl8pPr marL="3200400" indent="0">
-              <a:buNone/>
-              <a:defRPr sz="1400">
-                <a:solidFill>
-                  <a:schemeClr val="tx1">
-                    <a:tint val="75000"/>
-                  </a:schemeClr>
-                </a:solidFill>
-              </a:defRPr>
-            </a:lvl8pPr>
-            <a:lvl9pPr marL="3657600" indent="0">
-              <a:buNone/>
-              <a:defRPr sz="1400">
-                <a:solidFill>
-                  <a:schemeClr val="tx1">
-                    <a:tint val="75000"/>
-                  </a:schemeClr>
-                </a:solidFill>
-              </a:defRPr>
-            </a:lvl9pPr>
+            </a:lvl1pPr>
           </a:lstStyle>
           <a:p>
-            <a:pPr lvl="0"/>
-            <a:r>
+            <a:r>
+              <a:rPr lang="en-GB" dirty="0"/>
+              <a:t>Click to edit Master title style</a:t>
+            </a:r>
+            <a:endParaRPr lang="en-US" dirty="0"/>
+          </a:p>
+        </p:txBody>
+      </p:sp>
+      <p:sp>
+        <p:nvSpPr>
+          <p:cNvPr id="4" name="Date Placeholder 3">
+            <a:extLst>
+              <a:ext uri="{FF2B5EF4-FFF2-40B4-BE49-F238E27FC236}">
+                <a16:creationId xmlns:a16="http://schemas.microsoft.com/office/drawing/2014/main" id="{9E116D53-A7E8-384A-A924-CB556123D05C}"/>
+              </a:ext>
+            </a:extLst>
+          </p:cNvPr>
+          <p:cNvSpPr>
+            <a:spLocks noGrp="1"/>
+          </p:cNvSpPr>
+          <p:nvPr>
+            <p:ph type="dt" sz="half" idx="10"/>
+          </p:nvPr>
+        </p:nvSpPr>
+        <p:spPr/>
+        <p:txBody>
+          <a:bodyPr/>
+          <a:lstStyle/>
+          <a:p>
+            <a:fld id="{241EB5C9-1307-BA42-ABA2-0BC069CD8E7F}" type="datetimeFigureOut">
               <a:rPr lang="en-US" smtClean="0"/>
-              <a:t>Click to edit Master text styles</a:t>
-            </a:r>
-          </a:p>
-        </p:txBody>
-      </p:sp>
-      <p:sp>
-        <p:nvSpPr>
-          <p:cNvPr id="4" name="Date Placeholder 3"/>
-          <p:cNvSpPr>
-            <a:spLocks noGrp="1"/>
-          </p:cNvSpPr>
-          <p:nvPr>
-            <p:ph type="dt" sz="half" idx="10"/>
-          </p:nvPr>
-        </p:nvSpPr>
-        <p:spPr/>
-        <p:txBody>
-          <a:bodyPr/>
-          <a:lstStyle/>
-          <a:p>
-            <a:fld id="{5BCAD085-E8A6-8845-BD4E-CB4CCA059FC4}" type="datetimeFigureOut">
-              <a:rPr lang="en-US" smtClean="0"/>
-              <a:t>1/27/13</a:t>
+              <a:t>10/30/2025</a:t>
             </a:fld>
             <a:endParaRPr lang="en-US"/>
           </a:p>
@@ -3489,7 +5522,13 @@
       </p:sp>
       <p:sp>
         <p:nvSpPr>
-          <p:cNvPr id="5" name="Footer Placeholder 4"/>
+          <p:cNvPr id="5" name="Footer Placeholder 4">
+            <a:extLst>
+              <a:ext uri="{FF2B5EF4-FFF2-40B4-BE49-F238E27FC236}">
+                <a16:creationId xmlns:a16="http://schemas.microsoft.com/office/drawing/2014/main" id="{9D8D3A5F-D224-144E-B1C6-E4C0A0C64637}"/>
+              </a:ext>
+            </a:extLst>
+          </p:cNvPr>
           <p:cNvSpPr>
             <a:spLocks noGrp="1"/>
           </p:cNvSpPr>
@@ -3508,7 +5547,13 @@
       </p:sp>
       <p:sp>
         <p:nvSpPr>
-          <p:cNvPr id="6" name="Slide Number Placeholder 5"/>
+          <p:cNvPr id="6" name="Slide Number Placeholder 5">
+            <a:extLst>
+              <a:ext uri="{FF2B5EF4-FFF2-40B4-BE49-F238E27FC236}">
+                <a16:creationId xmlns:a16="http://schemas.microsoft.com/office/drawing/2014/main" id="{23885A41-9B71-494D-8739-5A09F705E6B7}"/>
+              </a:ext>
+            </a:extLst>
+          </p:cNvPr>
           <p:cNvSpPr>
             <a:spLocks noGrp="1"/>
           </p:cNvSpPr>
@@ -3521,7 +5566,7 @@
           <a:bodyPr/>
           <a:lstStyle/>
           <a:p>
-            <a:fld id="{C1FF6DA9-008F-8B48-92A6-B652298478BF}" type="slidenum">
+            <a:fld id="{C5EF2332-01BF-834F-8236-50238282D533}" type="slidenum">
               <a:rPr lang="en-US" smtClean="0"/>
               <a:t>‹#›</a:t>
             </a:fld>
@@ -3532,7 +5577,7 @@
     </p:spTree>
     <p:extLst>
       <p:ext uri="{BB962C8B-B14F-4D97-AF65-F5344CB8AC3E}">
-        <p14:creationId xmlns:p14="http://schemas.microsoft.com/office/powerpoint/2010/main" val="960648375"/>
+        <p14:creationId xmlns:p14="http://schemas.microsoft.com/office/powerpoint/2010/main" val="878070255"/>
       </p:ext>
     </p:extLst>
   </p:cSld>
@@ -3561,7 +5606,13 @@
       </p:grpSpPr>
       <p:sp>
         <p:nvSpPr>
-          <p:cNvPr id="2" name="Title 1"/>
+          <p:cNvPr id="2" name="Title 1">
+            <a:extLst>
+              <a:ext uri="{FF2B5EF4-FFF2-40B4-BE49-F238E27FC236}">
+                <a16:creationId xmlns:a16="http://schemas.microsoft.com/office/drawing/2014/main" id="{2ECFDBC1-527D-3041-984A-EF5E7E9B7495}"/>
+              </a:ext>
+            </a:extLst>
+          </p:cNvPr>
           <p:cNvSpPr>
             <a:spLocks noGrp="1"/>
           </p:cNvSpPr>
@@ -3572,19 +5623,33 @@
         <p:spPr/>
         <p:txBody>
           <a:bodyPr/>
-          <a:lstStyle/>
-          <a:p>
-            <a:r>
-              <a:rPr lang="en-US" smtClean="0"/>
+          <a:lstStyle>
+            <a:lvl1pPr>
+              <a:defRPr>
+                <a:solidFill>
+                  <a:srgbClr val="3EE3F4"/>
+                </a:solidFill>
+              </a:defRPr>
+            </a:lvl1pPr>
+          </a:lstStyle>
+          <a:p>
+            <a:r>
+              <a:rPr lang="en-GB" dirty="0"/>
               <a:t>Click to edit Master title style</a:t>
             </a:r>
-            <a:endParaRPr lang="en-US"/>
-          </a:p>
-        </p:txBody>
-      </p:sp>
-      <p:sp>
-        <p:nvSpPr>
-          <p:cNvPr id="3" name="Content Placeholder 2"/>
+            <a:endParaRPr lang="en-US" dirty="0"/>
+          </a:p>
+        </p:txBody>
+      </p:sp>
+      <p:sp>
+        <p:nvSpPr>
+          <p:cNvPr id="3" name="Content Placeholder 2">
+            <a:extLst>
+              <a:ext uri="{FF2B5EF4-FFF2-40B4-BE49-F238E27FC236}">
+                <a16:creationId xmlns:a16="http://schemas.microsoft.com/office/drawing/2014/main" id="{63FA7BF1-44B1-744C-AB68-4BB0A6A5977E}"/>
+              </a:ext>
+            </a:extLst>
+          </p:cNvPr>
           <p:cNvSpPr>
             <a:spLocks noGrp="1"/>
           </p:cNvSpPr>
@@ -3594,82 +5659,60 @@
         </p:nvSpPr>
         <p:spPr>
           <a:xfrm>
-            <a:off x="457200" y="1600200"/>
-            <a:ext cx="4038600" cy="4525963"/>
+            <a:off x="628650" y="1825625"/>
+            <a:ext cx="3886200" cy="4351338"/>
           </a:xfrm>
         </p:spPr>
         <p:txBody>
           <a:bodyPr/>
-          <a:lstStyle>
-            <a:lvl1pPr>
-              <a:defRPr sz="2800"/>
-            </a:lvl1pPr>
-            <a:lvl2pPr>
-              <a:defRPr sz="2400"/>
-            </a:lvl2pPr>
-            <a:lvl3pPr>
-              <a:defRPr sz="2000"/>
-            </a:lvl3pPr>
-            <a:lvl4pPr>
-              <a:defRPr sz="1800"/>
-            </a:lvl4pPr>
-            <a:lvl5pPr>
-              <a:defRPr sz="1800"/>
-            </a:lvl5pPr>
-            <a:lvl6pPr>
-              <a:defRPr sz="1800"/>
-            </a:lvl6pPr>
-            <a:lvl7pPr>
-              <a:defRPr sz="1800"/>
-            </a:lvl7pPr>
-            <a:lvl8pPr>
-              <a:defRPr sz="1800"/>
-            </a:lvl8pPr>
-            <a:lvl9pPr>
-              <a:defRPr sz="1800"/>
-            </a:lvl9pPr>
-          </a:lstStyle>
+          <a:lstStyle/>
           <a:p>
             <a:pPr lvl="0"/>
             <a:r>
-              <a:rPr lang="en-US" smtClean="0"/>
+              <a:rPr lang="en-GB" dirty="0"/>
               <a:t>Click to edit Master text styles</a:t>
             </a:r>
           </a:p>
           <a:p>
             <a:pPr lvl="1"/>
             <a:r>
-              <a:rPr lang="en-US" smtClean="0"/>
+              <a:rPr lang="en-GB" dirty="0"/>
               <a:t>Second level</a:t>
             </a:r>
           </a:p>
           <a:p>
             <a:pPr lvl="2"/>
             <a:r>
-              <a:rPr lang="en-US" smtClean="0"/>
+              <a:rPr lang="en-GB" dirty="0"/>
               <a:t>Third level</a:t>
             </a:r>
           </a:p>
           <a:p>
             <a:pPr lvl="3"/>
             <a:r>
-              <a:rPr lang="en-US" smtClean="0"/>
+              <a:rPr lang="en-GB" dirty="0"/>
               <a:t>Fourth level</a:t>
             </a:r>
           </a:p>
           <a:p>
             <a:pPr lvl="4"/>
             <a:r>
-              <a:rPr lang="en-US" smtClean="0"/>
+              <a:rPr lang="en-GB" dirty="0"/>
               <a:t>Fifth level</a:t>
             </a:r>
-            <a:endParaRPr lang="en-US"/>
-          </a:p>
-        </p:txBody>
-      </p:sp>
-      <p:sp>
-        <p:nvSpPr>
-          <p:cNvPr id="4" name="Content Placeholder 3"/>
+            <a:endParaRPr lang="en-US" dirty="0"/>
+          </a:p>
+        </p:txBody>
+      </p:sp>
+      <p:sp>
+        <p:nvSpPr>
+          <p:cNvPr id="4" name="Content Placeholder 3">
+            <a:extLst>
+              <a:ext uri="{FF2B5EF4-FFF2-40B4-BE49-F238E27FC236}">
+                <a16:creationId xmlns:a16="http://schemas.microsoft.com/office/drawing/2014/main" id="{3B974A49-6A1E-2F48-B419-02B0A17B9692}"/>
+              </a:ext>
+            </a:extLst>
+          </p:cNvPr>
           <p:cNvSpPr>
             <a:spLocks noGrp="1"/>
           </p:cNvSpPr>
@@ -3679,97 +5722,75 @@
         </p:nvSpPr>
         <p:spPr>
           <a:xfrm>
-            <a:off x="4648200" y="1600200"/>
-            <a:ext cx="4038600" cy="4525963"/>
+            <a:off x="4629150" y="1825625"/>
+            <a:ext cx="3886200" cy="4351338"/>
           </a:xfrm>
         </p:spPr>
         <p:txBody>
           <a:bodyPr/>
-          <a:lstStyle>
-            <a:lvl1pPr>
-              <a:defRPr sz="2800"/>
-            </a:lvl1pPr>
-            <a:lvl2pPr>
-              <a:defRPr sz="2400"/>
-            </a:lvl2pPr>
-            <a:lvl3pPr>
-              <a:defRPr sz="2000"/>
-            </a:lvl3pPr>
-            <a:lvl4pPr>
-              <a:defRPr sz="1800"/>
-            </a:lvl4pPr>
-            <a:lvl5pPr>
-              <a:defRPr sz="1800"/>
-            </a:lvl5pPr>
-            <a:lvl6pPr>
-              <a:defRPr sz="1800"/>
-            </a:lvl6pPr>
-            <a:lvl7pPr>
-              <a:defRPr sz="1800"/>
-            </a:lvl7pPr>
-            <a:lvl8pPr>
-              <a:defRPr sz="1800"/>
-            </a:lvl8pPr>
-            <a:lvl9pPr>
-              <a:defRPr sz="1800"/>
-            </a:lvl9pPr>
-          </a:lstStyle>
+          <a:lstStyle/>
           <a:p>
             <a:pPr lvl="0"/>
             <a:r>
+              <a:rPr lang="en-GB" dirty="0"/>
+              <a:t>Click to edit Master text styles</a:t>
+            </a:r>
+          </a:p>
+          <a:p>
+            <a:pPr lvl="1"/>
+            <a:r>
+              <a:rPr lang="en-GB" dirty="0"/>
+              <a:t>Second level</a:t>
+            </a:r>
+          </a:p>
+          <a:p>
+            <a:pPr lvl="2"/>
+            <a:r>
+              <a:rPr lang="en-GB" dirty="0"/>
+              <a:t>Third level</a:t>
+            </a:r>
+          </a:p>
+          <a:p>
+            <a:pPr lvl="3"/>
+            <a:r>
+              <a:rPr lang="en-GB" dirty="0"/>
+              <a:t>Fourth level</a:t>
+            </a:r>
+          </a:p>
+          <a:p>
+            <a:pPr lvl="4"/>
+            <a:r>
+              <a:rPr lang="en-GB" dirty="0"/>
+              <a:t>Fifth level</a:t>
+            </a:r>
+            <a:endParaRPr lang="en-US" dirty="0"/>
+          </a:p>
+        </p:txBody>
+      </p:sp>
+      <p:sp>
+        <p:nvSpPr>
+          <p:cNvPr id="5" name="Date Placeholder 4">
+            <a:extLst>
+              <a:ext uri="{FF2B5EF4-FFF2-40B4-BE49-F238E27FC236}">
+                <a16:creationId xmlns:a16="http://schemas.microsoft.com/office/drawing/2014/main" id="{5EDA9989-2AC6-0F4E-ADFD-C6E06D00A011}"/>
+              </a:ext>
+            </a:extLst>
+          </p:cNvPr>
+          <p:cNvSpPr>
+            <a:spLocks noGrp="1"/>
+          </p:cNvSpPr>
+          <p:nvPr>
+            <p:ph type="dt" sz="half" idx="10"/>
+          </p:nvPr>
+        </p:nvSpPr>
+        <p:spPr/>
+        <p:txBody>
+          <a:bodyPr/>
+          <a:lstStyle/>
+          <a:p>
+            <a:fld id="{241EB5C9-1307-BA42-ABA2-0BC069CD8E7F}" type="datetimeFigureOut">
               <a:rPr lang="en-US" smtClean="0"/>
-              <a:t>Click to edit Master text styles</a:t>
-            </a:r>
-          </a:p>
-          <a:p>
-            <a:pPr lvl="1"/>
-            <a:r>
-              <a:rPr lang="en-US" smtClean="0"/>
-              <a:t>Second level</a:t>
-            </a:r>
-          </a:p>
-          <a:p>
-            <a:pPr lvl="2"/>
-            <a:r>
-              <a:rPr lang="en-US" smtClean="0"/>
-              <a:t>Third level</a:t>
-            </a:r>
-          </a:p>
-          <a:p>
-            <a:pPr lvl="3"/>
-            <a:r>
-              <a:rPr lang="en-US" smtClean="0"/>
-              <a:t>Fourth level</a:t>
-            </a:r>
-          </a:p>
-          <a:p>
-            <a:pPr lvl="4"/>
-            <a:r>
-              <a:rPr lang="en-US" smtClean="0"/>
-              <a:t>Fifth level</a:t>
-            </a:r>
-            <a:endParaRPr lang="en-US"/>
-          </a:p>
-        </p:txBody>
-      </p:sp>
-      <p:sp>
-        <p:nvSpPr>
-          <p:cNvPr id="5" name="Date Placeholder 4"/>
-          <p:cNvSpPr>
-            <a:spLocks noGrp="1"/>
-          </p:cNvSpPr>
-          <p:nvPr>
-            <p:ph type="dt" sz="half" idx="10"/>
-          </p:nvPr>
-        </p:nvSpPr>
-        <p:spPr/>
-        <p:txBody>
-          <a:bodyPr/>
-          <a:lstStyle/>
-          <a:p>
-            <a:fld id="{5BCAD085-E8A6-8845-BD4E-CB4CCA059FC4}" type="datetimeFigureOut">
-              <a:rPr lang="en-US" smtClean="0"/>
-              <a:t>1/27/13</a:t>
+              <a:t>10/30/2025</a:t>
             </a:fld>
             <a:endParaRPr lang="en-US"/>
           </a:p>
@@ -3777,7 +5798,13 @@
       </p:sp>
       <p:sp>
         <p:nvSpPr>
-          <p:cNvPr id="6" name="Footer Placeholder 5"/>
+          <p:cNvPr id="6" name="Footer Placeholder 5">
+            <a:extLst>
+              <a:ext uri="{FF2B5EF4-FFF2-40B4-BE49-F238E27FC236}">
+                <a16:creationId xmlns:a16="http://schemas.microsoft.com/office/drawing/2014/main" id="{0F7625DC-FC15-A34E-972A-D70B8A82798F}"/>
+              </a:ext>
+            </a:extLst>
+          </p:cNvPr>
           <p:cNvSpPr>
             <a:spLocks noGrp="1"/>
           </p:cNvSpPr>
@@ -3796,7 +5823,13 @@
       </p:sp>
       <p:sp>
         <p:nvSpPr>
-          <p:cNvPr id="7" name="Slide Number Placeholder 6"/>
+          <p:cNvPr id="7" name="Slide Number Placeholder 6">
+            <a:extLst>
+              <a:ext uri="{FF2B5EF4-FFF2-40B4-BE49-F238E27FC236}">
+                <a16:creationId xmlns:a16="http://schemas.microsoft.com/office/drawing/2014/main" id="{75BA2A21-61F6-4A4F-8B34-7B5540EF63C5}"/>
+              </a:ext>
+            </a:extLst>
+          </p:cNvPr>
           <p:cNvSpPr>
             <a:spLocks noGrp="1"/>
           </p:cNvSpPr>
@@ -3809,7 +5842,7 @@
           <a:bodyPr/>
           <a:lstStyle/>
           <a:p>
-            <a:fld id="{C1FF6DA9-008F-8B48-92A6-B652298478BF}" type="slidenum">
+            <a:fld id="{C5EF2332-01BF-834F-8236-50238282D533}" type="slidenum">
               <a:rPr lang="en-US" smtClean="0"/>
               <a:t>‹#›</a:t>
             </a:fld>
@@ -3820,7 +5853,7 @@
     </p:spTree>
     <p:extLst>
       <p:ext uri="{BB962C8B-B14F-4D97-AF65-F5344CB8AC3E}">
-        <p14:creationId xmlns:p14="http://schemas.microsoft.com/office/powerpoint/2010/main" val="2782244947"/>
+        <p14:creationId xmlns:p14="http://schemas.microsoft.com/office/powerpoint/2010/main" val="2747037276"/>
       </p:ext>
     </p:extLst>
   </p:cSld>
@@ -3849,7 +5882,13 @@
       </p:grpSpPr>
       <p:sp>
         <p:nvSpPr>
-          <p:cNvPr id="2" name="Title 1"/>
+          <p:cNvPr id="2" name="Title 1">
+            <a:extLst>
+              <a:ext uri="{FF2B5EF4-FFF2-40B4-BE49-F238E27FC236}">
+                <a16:creationId xmlns:a16="http://schemas.microsoft.com/office/drawing/2014/main" id="{58F51DF4-AED1-614B-BE12-21438630C8F0}"/>
+              </a:ext>
+            </a:extLst>
+          </p:cNvPr>
           <p:cNvSpPr>
             <a:spLocks noGrp="1"/>
           </p:cNvSpPr>
@@ -3857,26 +5896,41 @@
             <p:ph type="title"/>
           </p:nvPr>
         </p:nvSpPr>
-        <p:spPr/>
+        <p:spPr>
+          <a:xfrm>
+            <a:off x="629841" y="365128"/>
+            <a:ext cx="7886700" cy="1325563"/>
+          </a:xfrm>
+        </p:spPr>
         <p:txBody>
           <a:bodyPr/>
           <a:lstStyle>
             <a:lvl1pPr>
-              <a:defRPr/>
+              <a:defRPr>
+                <a:solidFill>
+                  <a:srgbClr val="3EE3F4"/>
+                </a:solidFill>
+              </a:defRPr>
             </a:lvl1pPr>
           </a:lstStyle>
           <a:p>
             <a:r>
-              <a:rPr lang="en-US" smtClean="0"/>
+              <a:rPr lang="en-GB" dirty="0"/>
               <a:t>Click to edit Master title style</a:t>
             </a:r>
-            <a:endParaRPr lang="en-US"/>
-          </a:p>
-        </p:txBody>
-      </p:sp>
-      <p:sp>
-        <p:nvSpPr>
-          <p:cNvPr id="3" name="Text Placeholder 2"/>
+            <a:endParaRPr lang="en-US" dirty="0"/>
+          </a:p>
+        </p:txBody>
+      </p:sp>
+      <p:sp>
+        <p:nvSpPr>
+          <p:cNvPr id="3" name="Text Placeholder 2">
+            <a:extLst>
+              <a:ext uri="{FF2B5EF4-FFF2-40B4-BE49-F238E27FC236}">
+                <a16:creationId xmlns:a16="http://schemas.microsoft.com/office/drawing/2014/main" id="{3C3DBCAE-E5F3-8C40-9708-53662383E530}"/>
+              </a:ext>
+            </a:extLst>
+          </p:cNvPr>
           <p:cNvSpPr>
             <a:spLocks noGrp="1"/>
           </p:cNvSpPr>
@@ -3886,54 +5940,60 @@
         </p:nvSpPr>
         <p:spPr>
           <a:xfrm>
-            <a:off x="457200" y="1535113"/>
-            <a:ext cx="4040188" cy="639762"/>
+            <a:off x="629842" y="1681163"/>
+            <a:ext cx="3868340" cy="823912"/>
           </a:xfrm>
         </p:spPr>
         <p:txBody>
-          <a:bodyPr anchor="b"/>
+          <a:bodyPr anchor="b">
+            <a:normAutofit/>
+          </a:bodyPr>
           <a:lstStyle>
             <a:lvl1pPr marL="0" indent="0">
               <a:buNone/>
-              <a:defRPr sz="2400" b="1"/>
+              <a:defRPr sz="1600" b="1">
+                <a:solidFill>
+                  <a:srgbClr val="FFC000"/>
+                </a:solidFill>
+              </a:defRPr>
             </a:lvl1pPr>
-            <a:lvl2pPr marL="457200" indent="0">
-              <a:buNone/>
-              <a:defRPr sz="2000" b="1"/>
+            <a:lvl2pPr marL="257175" indent="0">
+              <a:buNone/>
+              <a:defRPr sz="1125" b="1"/>
             </a:lvl2pPr>
-            <a:lvl3pPr marL="914400" indent="0">
-              <a:buNone/>
-              <a:defRPr sz="1800" b="1"/>
+            <a:lvl3pPr marL="514350" indent="0">
+              <a:buNone/>
+              <a:defRPr sz="1013" b="1"/>
             </a:lvl3pPr>
-            <a:lvl4pPr marL="1371600" indent="0">
-              <a:buNone/>
-              <a:defRPr sz="1600" b="1"/>
+            <a:lvl4pPr marL="771525" indent="0">
+              <a:buNone/>
+              <a:defRPr sz="900" b="1"/>
             </a:lvl4pPr>
-            <a:lvl5pPr marL="1828800" indent="0">
-              <a:buNone/>
-              <a:defRPr sz="1600" b="1"/>
+            <a:lvl5pPr marL="1028700" indent="0">
+              <a:buNone/>
+              <a:defRPr sz="900" b="1"/>
             </a:lvl5pPr>
-            <a:lvl6pPr marL="2286000" indent="0">
-              <a:buNone/>
-              <a:defRPr sz="1600" b="1"/>
+            <a:lvl6pPr marL="1285875" indent="0">
+              <a:buNone/>
+              <a:defRPr sz="900" b="1"/>
             </a:lvl6pPr>
-            <a:lvl7pPr marL="2743200" indent="0">
-              <a:buNone/>
-              <a:defRPr sz="1600" b="1"/>
+            <a:lvl7pPr marL="1543050" indent="0">
+              <a:buNone/>
+              <a:defRPr sz="900" b="1"/>
             </a:lvl7pPr>
-            <a:lvl8pPr marL="3200400" indent="0">
-              <a:buNone/>
-              <a:defRPr sz="1600" b="1"/>
+            <a:lvl8pPr marL="1800225" indent="0">
+              <a:buNone/>
+              <a:defRPr sz="900" b="1"/>
             </a:lvl8pPr>
-            <a:lvl9pPr marL="3657600" indent="0">
-              <a:buNone/>
-              <a:defRPr sz="1600" b="1"/>
+            <a:lvl9pPr marL="2057400" indent="0">
+              <a:buNone/>
+              <a:defRPr sz="900" b="1"/>
             </a:lvl9pPr>
           </a:lstStyle>
           <a:p>
             <a:pPr lvl="0"/>
             <a:r>
-              <a:rPr lang="en-US" smtClean="0"/>
+              <a:rPr lang="en-GB" dirty="0"/>
               <a:t>Click to edit Master text styles</a:t>
             </a:r>
           </a:p>
@@ -3941,7 +6001,13 @@
       </p:sp>
       <p:sp>
         <p:nvSpPr>
-          <p:cNvPr id="4" name="Content Placeholder 3"/>
+          <p:cNvPr id="4" name="Content Placeholder 3">
+            <a:extLst>
+              <a:ext uri="{FF2B5EF4-FFF2-40B4-BE49-F238E27FC236}">
+                <a16:creationId xmlns:a16="http://schemas.microsoft.com/office/drawing/2014/main" id="{37C57552-3DC5-3546-AB54-31C74D633808}"/>
+              </a:ext>
+            </a:extLst>
+          </p:cNvPr>
           <p:cNvSpPr>
             <a:spLocks noGrp="1"/>
           </p:cNvSpPr>
@@ -3951,247 +6017,215 @@
         </p:nvSpPr>
         <p:spPr>
           <a:xfrm>
-            <a:off x="457200" y="2174875"/>
-            <a:ext cx="4040188" cy="3951288"/>
+            <a:off x="629842" y="2505075"/>
+            <a:ext cx="3868340" cy="3684588"/>
           </a:xfrm>
         </p:spPr>
         <p:txBody>
           <a:bodyPr/>
+          <a:lstStyle/>
+          <a:p>
+            <a:pPr lvl="0"/>
+            <a:r>
+              <a:rPr lang="en-GB" dirty="0"/>
+              <a:t>Click to edit Master text styles</a:t>
+            </a:r>
+          </a:p>
+          <a:p>
+            <a:pPr lvl="1"/>
+            <a:r>
+              <a:rPr lang="en-GB" dirty="0"/>
+              <a:t>Second level</a:t>
+            </a:r>
+          </a:p>
+          <a:p>
+            <a:pPr lvl="2"/>
+            <a:r>
+              <a:rPr lang="en-GB" dirty="0"/>
+              <a:t>Third level</a:t>
+            </a:r>
+          </a:p>
+          <a:p>
+            <a:pPr lvl="3"/>
+            <a:r>
+              <a:rPr lang="en-GB" dirty="0"/>
+              <a:t>Fourth level</a:t>
+            </a:r>
+          </a:p>
+          <a:p>
+            <a:pPr lvl="4"/>
+            <a:r>
+              <a:rPr lang="en-GB" dirty="0"/>
+              <a:t>Fifth level</a:t>
+            </a:r>
+            <a:endParaRPr lang="en-US" dirty="0"/>
+          </a:p>
+        </p:txBody>
+      </p:sp>
+      <p:sp>
+        <p:nvSpPr>
+          <p:cNvPr id="5" name="Text Placeholder 4">
+            <a:extLst>
+              <a:ext uri="{FF2B5EF4-FFF2-40B4-BE49-F238E27FC236}">
+                <a16:creationId xmlns:a16="http://schemas.microsoft.com/office/drawing/2014/main" id="{3143EE9D-F5D6-F54D-8468-AEFB4E7186A0}"/>
+              </a:ext>
+            </a:extLst>
+          </p:cNvPr>
+          <p:cNvSpPr>
+            <a:spLocks noGrp="1"/>
+          </p:cNvSpPr>
+          <p:nvPr>
+            <p:ph type="body" sz="quarter" idx="3"/>
+          </p:nvPr>
+        </p:nvSpPr>
+        <p:spPr>
+          <a:xfrm>
+            <a:off x="4629151" y="1681163"/>
+            <a:ext cx="3887391" cy="823912"/>
+          </a:xfrm>
+        </p:spPr>
+        <p:txBody>
+          <a:bodyPr anchor="b">
+            <a:normAutofit/>
+          </a:bodyPr>
           <a:lstStyle>
-            <a:lvl1pPr>
-              <a:defRPr sz="2400"/>
+            <a:lvl1pPr marL="0" indent="0">
+              <a:buNone/>
+              <a:defRPr sz="1600" b="1">
+                <a:solidFill>
+                  <a:srgbClr val="4B556B"/>
+                </a:solidFill>
+              </a:defRPr>
             </a:lvl1pPr>
-            <a:lvl2pPr>
-              <a:defRPr sz="2000"/>
+            <a:lvl2pPr marL="257175" indent="0">
+              <a:buNone/>
+              <a:defRPr sz="1125" b="1"/>
             </a:lvl2pPr>
-            <a:lvl3pPr>
-              <a:defRPr sz="1800"/>
+            <a:lvl3pPr marL="514350" indent="0">
+              <a:buNone/>
+              <a:defRPr sz="1013" b="1"/>
             </a:lvl3pPr>
-            <a:lvl4pPr>
-              <a:defRPr sz="1600"/>
+            <a:lvl4pPr marL="771525" indent="0">
+              <a:buNone/>
+              <a:defRPr sz="900" b="1"/>
             </a:lvl4pPr>
-            <a:lvl5pPr>
-              <a:defRPr sz="1600"/>
+            <a:lvl5pPr marL="1028700" indent="0">
+              <a:buNone/>
+              <a:defRPr sz="900" b="1"/>
             </a:lvl5pPr>
-            <a:lvl6pPr>
-              <a:defRPr sz="1600"/>
+            <a:lvl6pPr marL="1285875" indent="0">
+              <a:buNone/>
+              <a:defRPr sz="900" b="1"/>
             </a:lvl6pPr>
-            <a:lvl7pPr>
-              <a:defRPr sz="1600"/>
+            <a:lvl7pPr marL="1543050" indent="0">
+              <a:buNone/>
+              <a:defRPr sz="900" b="1"/>
             </a:lvl7pPr>
-            <a:lvl8pPr>
-              <a:defRPr sz="1600"/>
+            <a:lvl8pPr marL="1800225" indent="0">
+              <a:buNone/>
+              <a:defRPr sz="900" b="1"/>
             </a:lvl8pPr>
-            <a:lvl9pPr>
-              <a:defRPr sz="1600"/>
+            <a:lvl9pPr marL="2057400" indent="0">
+              <a:buNone/>
+              <a:defRPr sz="900" b="1"/>
             </a:lvl9pPr>
           </a:lstStyle>
           <a:p>
             <a:pPr lvl="0"/>
             <a:r>
-              <a:rPr lang="en-US" smtClean="0"/>
+              <a:rPr lang="en-GB" dirty="0"/>
               <a:t>Click to edit Master text styles</a:t>
             </a:r>
           </a:p>
-          <a:p>
-            <a:pPr lvl="1"/>
-            <a:r>
-              <a:rPr lang="en-US" smtClean="0"/>
-              <a:t>Second level</a:t>
-            </a:r>
-          </a:p>
-          <a:p>
-            <a:pPr lvl="2"/>
-            <a:r>
-              <a:rPr lang="en-US" smtClean="0"/>
-              <a:t>Third level</a:t>
-            </a:r>
-          </a:p>
-          <a:p>
-            <a:pPr lvl="3"/>
-            <a:r>
-              <a:rPr lang="en-US" smtClean="0"/>
-              <a:t>Fourth level</a:t>
-            </a:r>
-          </a:p>
-          <a:p>
-            <a:pPr lvl="4"/>
-            <a:r>
-              <a:rPr lang="en-US" smtClean="0"/>
-              <a:t>Fifth level</a:t>
-            </a:r>
-            <a:endParaRPr lang="en-US"/>
-          </a:p>
-        </p:txBody>
-      </p:sp>
-      <p:sp>
-        <p:nvSpPr>
-          <p:cNvPr id="5" name="Text Placeholder 4"/>
-          <p:cNvSpPr>
-            <a:spLocks noGrp="1"/>
-          </p:cNvSpPr>
-          <p:nvPr>
-            <p:ph type="body" sz="quarter" idx="3"/>
+        </p:txBody>
+      </p:sp>
+      <p:sp>
+        <p:nvSpPr>
+          <p:cNvPr id="6" name="Content Placeholder 5">
+            <a:extLst>
+              <a:ext uri="{FF2B5EF4-FFF2-40B4-BE49-F238E27FC236}">
+                <a16:creationId xmlns:a16="http://schemas.microsoft.com/office/drawing/2014/main" id="{DC7198EC-0E7C-514D-9D5C-E0079B57D9B8}"/>
+              </a:ext>
+            </a:extLst>
+          </p:cNvPr>
+          <p:cNvSpPr>
+            <a:spLocks noGrp="1"/>
+          </p:cNvSpPr>
+          <p:nvPr>
+            <p:ph sz="quarter" idx="4"/>
           </p:nvPr>
         </p:nvSpPr>
         <p:spPr>
           <a:xfrm>
-            <a:off x="4645025" y="1535113"/>
-            <a:ext cx="4041775" cy="639762"/>
+            <a:off x="4629151" y="2505075"/>
+            <a:ext cx="3887391" cy="3684588"/>
           </a:xfrm>
         </p:spPr>
         <p:txBody>
-          <a:bodyPr anchor="b"/>
-          <a:lstStyle>
-            <a:lvl1pPr marL="0" indent="0">
-              <a:buNone/>
-              <a:defRPr sz="2400" b="1"/>
-            </a:lvl1pPr>
-            <a:lvl2pPr marL="457200" indent="0">
-              <a:buNone/>
-              <a:defRPr sz="2000" b="1"/>
-            </a:lvl2pPr>
-            <a:lvl3pPr marL="914400" indent="0">
-              <a:buNone/>
-              <a:defRPr sz="1800" b="1"/>
-            </a:lvl3pPr>
-            <a:lvl4pPr marL="1371600" indent="0">
-              <a:buNone/>
-              <a:defRPr sz="1600" b="1"/>
-            </a:lvl4pPr>
-            <a:lvl5pPr marL="1828800" indent="0">
-              <a:buNone/>
-              <a:defRPr sz="1600" b="1"/>
-            </a:lvl5pPr>
-            <a:lvl6pPr marL="2286000" indent="0">
-              <a:buNone/>
-              <a:defRPr sz="1600" b="1"/>
-            </a:lvl6pPr>
-            <a:lvl7pPr marL="2743200" indent="0">
-              <a:buNone/>
-              <a:defRPr sz="1600" b="1"/>
-            </a:lvl7pPr>
-            <a:lvl8pPr marL="3200400" indent="0">
-              <a:buNone/>
-              <a:defRPr sz="1600" b="1"/>
-            </a:lvl8pPr>
-            <a:lvl9pPr marL="3657600" indent="0">
-              <a:buNone/>
-              <a:defRPr sz="1600" b="1"/>
-            </a:lvl9pPr>
-          </a:lstStyle>
+          <a:bodyPr/>
+          <a:lstStyle/>
           <a:p>
             <a:pPr lvl="0"/>
             <a:r>
+              <a:rPr lang="en-GB"/>
+              <a:t>Click to edit Master text styles</a:t>
+            </a:r>
+          </a:p>
+          <a:p>
+            <a:pPr lvl="1"/>
+            <a:r>
+              <a:rPr lang="en-GB"/>
+              <a:t>Second level</a:t>
+            </a:r>
+          </a:p>
+          <a:p>
+            <a:pPr lvl="2"/>
+            <a:r>
+              <a:rPr lang="en-GB"/>
+              <a:t>Third level</a:t>
+            </a:r>
+          </a:p>
+          <a:p>
+            <a:pPr lvl="3"/>
+            <a:r>
+              <a:rPr lang="en-GB"/>
+              <a:t>Fourth level</a:t>
+            </a:r>
+          </a:p>
+          <a:p>
+            <a:pPr lvl="4"/>
+            <a:r>
+              <a:rPr lang="en-GB"/>
+              <a:t>Fifth level</a:t>
+            </a:r>
+            <a:endParaRPr lang="en-US"/>
+          </a:p>
+        </p:txBody>
+      </p:sp>
+      <p:sp>
+        <p:nvSpPr>
+          <p:cNvPr id="7" name="Date Placeholder 6">
+            <a:extLst>
+              <a:ext uri="{FF2B5EF4-FFF2-40B4-BE49-F238E27FC236}">
+                <a16:creationId xmlns:a16="http://schemas.microsoft.com/office/drawing/2014/main" id="{079E07E0-5A9C-4B41-95FF-3BAA5F6BC2D3}"/>
+              </a:ext>
+            </a:extLst>
+          </p:cNvPr>
+          <p:cNvSpPr>
+            <a:spLocks noGrp="1"/>
+          </p:cNvSpPr>
+          <p:nvPr>
+            <p:ph type="dt" sz="half" idx="10"/>
+          </p:nvPr>
+        </p:nvSpPr>
+        <p:spPr/>
+        <p:txBody>
+          <a:bodyPr/>
+          <a:lstStyle/>
+          <a:p>
+            <a:fld id="{241EB5C9-1307-BA42-ABA2-0BC069CD8E7F}" type="datetimeFigureOut">
               <a:rPr lang="en-US" smtClean="0"/>
-              <a:t>Click to edit Master text styles</a:t>
-            </a:r>
-          </a:p>
-        </p:txBody>
-      </p:sp>
-      <p:sp>
-        <p:nvSpPr>
-          <p:cNvPr id="6" name="Content Placeholder 5"/>
-          <p:cNvSpPr>
-            <a:spLocks noGrp="1"/>
-          </p:cNvSpPr>
-          <p:nvPr>
-            <p:ph sz="quarter" idx="4"/>
-          </p:nvPr>
-        </p:nvSpPr>
-        <p:spPr>
-          <a:xfrm>
-            <a:off x="4645025" y="2174875"/>
-            <a:ext cx="4041775" cy="3951288"/>
-          </a:xfrm>
-        </p:spPr>
-        <p:txBody>
-          <a:bodyPr/>
-          <a:lstStyle>
-            <a:lvl1pPr>
-              <a:defRPr sz="2400"/>
-            </a:lvl1pPr>
-            <a:lvl2pPr>
-              <a:defRPr sz="2000"/>
-            </a:lvl2pPr>
-            <a:lvl3pPr>
-              <a:defRPr sz="1800"/>
-            </a:lvl3pPr>
-            <a:lvl4pPr>
-              <a:defRPr sz="1600"/>
-            </a:lvl4pPr>
-            <a:lvl5pPr>
-              <a:defRPr sz="1600"/>
-            </a:lvl5pPr>
-            <a:lvl6pPr>
-              <a:defRPr sz="1600"/>
-            </a:lvl6pPr>
-            <a:lvl7pPr>
-              <a:defRPr sz="1600"/>
-            </a:lvl7pPr>
-            <a:lvl8pPr>
-              <a:defRPr sz="1600"/>
-            </a:lvl8pPr>
-            <a:lvl9pPr>
-              <a:defRPr sz="1600"/>
-            </a:lvl9pPr>
-          </a:lstStyle>
-          <a:p>
-            <a:pPr lvl="0"/>
-            <a:r>
-              <a:rPr lang="en-US" smtClean="0"/>
-              <a:t>Click to edit Master text styles</a:t>
-            </a:r>
-          </a:p>
-          <a:p>
-            <a:pPr lvl="1"/>
-            <a:r>
-              <a:rPr lang="en-US" smtClean="0"/>
-              <a:t>Second level</a:t>
-            </a:r>
-          </a:p>
-          <a:p>
-            <a:pPr lvl="2"/>
-            <a:r>
-              <a:rPr lang="en-US" smtClean="0"/>
-              <a:t>Third level</a:t>
-            </a:r>
-          </a:p>
-          <a:p>
-            <a:pPr lvl="3"/>
-            <a:r>
-              <a:rPr lang="en-US" smtClean="0"/>
-              <a:t>Fourth level</a:t>
-            </a:r>
-          </a:p>
-          <a:p>
-            <a:pPr lvl="4"/>
-            <a:r>
-              <a:rPr lang="en-US" smtClean="0"/>
-              <a:t>Fifth level</a:t>
-            </a:r>
-            <a:endParaRPr lang="en-US"/>
-          </a:p>
-        </p:txBody>
-      </p:sp>
-      <p:sp>
-        <p:nvSpPr>
-          <p:cNvPr id="7" name="Date Placeholder 6"/>
-          <p:cNvSpPr>
-            <a:spLocks noGrp="1"/>
-          </p:cNvSpPr>
-          <p:nvPr>
-            <p:ph type="dt" sz="half" idx="10"/>
-          </p:nvPr>
-        </p:nvSpPr>
-        <p:spPr/>
-        <p:txBody>
-          <a:bodyPr/>
-          <a:lstStyle/>
-          <a:p>
-            <a:fld id="{5BCAD085-E8A6-8845-BD4E-CB4CCA059FC4}" type="datetimeFigureOut">
-              <a:rPr lang="en-US" smtClean="0"/>
-              <a:t>1/27/13</a:t>
+              <a:t>10/30/2025</a:t>
             </a:fld>
             <a:endParaRPr lang="en-US"/>
           </a:p>
@@ -4199,7 +6233,13 @@
       </p:sp>
       <p:sp>
         <p:nvSpPr>
-          <p:cNvPr id="8" name="Footer Placeholder 7"/>
+          <p:cNvPr id="8" name="Footer Placeholder 7">
+            <a:extLst>
+              <a:ext uri="{FF2B5EF4-FFF2-40B4-BE49-F238E27FC236}">
+                <a16:creationId xmlns:a16="http://schemas.microsoft.com/office/drawing/2014/main" id="{74BDB537-974F-D34D-9750-CC69627A221B}"/>
+              </a:ext>
+            </a:extLst>
+          </p:cNvPr>
           <p:cNvSpPr>
             <a:spLocks noGrp="1"/>
           </p:cNvSpPr>
@@ -4218,7 +6258,13 @@
       </p:sp>
       <p:sp>
         <p:nvSpPr>
-          <p:cNvPr id="9" name="Slide Number Placeholder 8"/>
+          <p:cNvPr id="9" name="Slide Number Placeholder 8">
+            <a:extLst>
+              <a:ext uri="{FF2B5EF4-FFF2-40B4-BE49-F238E27FC236}">
+                <a16:creationId xmlns:a16="http://schemas.microsoft.com/office/drawing/2014/main" id="{8F16F390-2D22-5048-A0FC-3FAD9329A0CB}"/>
+              </a:ext>
+            </a:extLst>
+          </p:cNvPr>
           <p:cNvSpPr>
             <a:spLocks noGrp="1"/>
           </p:cNvSpPr>
@@ -4231,7 +6277,7 @@
           <a:bodyPr/>
           <a:lstStyle/>
           <a:p>
-            <a:fld id="{C1FF6DA9-008F-8B48-92A6-B652298478BF}" type="slidenum">
+            <a:fld id="{C5EF2332-01BF-834F-8236-50238282D533}" type="slidenum">
               <a:rPr lang="en-US" smtClean="0"/>
               <a:t>‹#›</a:t>
             </a:fld>
@@ -4242,7 +6288,7 @@
     </p:spTree>
     <p:extLst>
       <p:ext uri="{BB962C8B-B14F-4D97-AF65-F5344CB8AC3E}">
-        <p14:creationId xmlns:p14="http://schemas.microsoft.com/office/powerpoint/2010/main" val="990158736"/>
+        <p14:creationId xmlns:p14="http://schemas.microsoft.com/office/powerpoint/2010/main" val="1647216900"/>
       </p:ext>
     </p:extLst>
   </p:cSld>
@@ -4271,7 +6317,13 @@
       </p:grpSpPr>
       <p:sp>
         <p:nvSpPr>
-          <p:cNvPr id="2" name="Title 1"/>
+          <p:cNvPr id="2" name="Title 1">
+            <a:extLst>
+              <a:ext uri="{FF2B5EF4-FFF2-40B4-BE49-F238E27FC236}">
+                <a16:creationId xmlns:a16="http://schemas.microsoft.com/office/drawing/2014/main" id="{4B3BD455-6580-E548-84D2-30E8C319B2E6}"/>
+              </a:ext>
+            </a:extLst>
+          </p:cNvPr>
           <p:cNvSpPr>
             <a:spLocks noGrp="1"/>
           </p:cNvSpPr>
@@ -4282,34 +6334,48 @@
         <p:spPr/>
         <p:txBody>
           <a:bodyPr/>
-          <a:lstStyle/>
-          <a:p>
-            <a:r>
+          <a:lstStyle>
+            <a:lvl1pPr>
+              <a:defRPr>
+                <a:solidFill>
+                  <a:srgbClr val="3EE3F4"/>
+                </a:solidFill>
+              </a:defRPr>
+            </a:lvl1pPr>
+          </a:lstStyle>
+          <a:p>
+            <a:r>
+              <a:rPr lang="en-GB" dirty="0"/>
+              <a:t>Click to edit Master title style</a:t>
+            </a:r>
+            <a:endParaRPr lang="en-US" dirty="0"/>
+          </a:p>
+        </p:txBody>
+      </p:sp>
+      <p:sp>
+        <p:nvSpPr>
+          <p:cNvPr id="3" name="Date Placeholder 2">
+            <a:extLst>
+              <a:ext uri="{FF2B5EF4-FFF2-40B4-BE49-F238E27FC236}">
+                <a16:creationId xmlns:a16="http://schemas.microsoft.com/office/drawing/2014/main" id="{98437170-F497-734A-8863-A2B1D6D27F61}"/>
+              </a:ext>
+            </a:extLst>
+          </p:cNvPr>
+          <p:cNvSpPr>
+            <a:spLocks noGrp="1"/>
+          </p:cNvSpPr>
+          <p:nvPr>
+            <p:ph type="dt" sz="half" idx="10"/>
+          </p:nvPr>
+        </p:nvSpPr>
+        <p:spPr/>
+        <p:txBody>
+          <a:bodyPr/>
+          <a:lstStyle/>
+          <a:p>
+            <a:fld id="{241EB5C9-1307-BA42-ABA2-0BC069CD8E7F}" type="datetimeFigureOut">
               <a:rPr lang="en-US" smtClean="0"/>
-              <a:t>Click to edit Master title style</a:t>
-            </a:r>
-            <a:endParaRPr lang="en-US"/>
-          </a:p>
-        </p:txBody>
-      </p:sp>
-      <p:sp>
-        <p:nvSpPr>
-          <p:cNvPr id="3" name="Date Placeholder 2"/>
-          <p:cNvSpPr>
-            <a:spLocks noGrp="1"/>
-          </p:cNvSpPr>
-          <p:nvPr>
-            <p:ph type="dt" sz="half" idx="10"/>
-          </p:nvPr>
-        </p:nvSpPr>
-        <p:spPr/>
-        <p:txBody>
-          <a:bodyPr/>
-          <a:lstStyle/>
-          <a:p>
-            <a:fld id="{5BCAD085-E8A6-8845-BD4E-CB4CCA059FC4}" type="datetimeFigureOut">
-              <a:rPr lang="en-US" smtClean="0"/>
-              <a:t>1/27/13</a:t>
+              <a:t>10/30/2025</a:t>
             </a:fld>
             <a:endParaRPr lang="en-US"/>
           </a:p>
@@ -4317,7 +6383,13 @@
       </p:sp>
       <p:sp>
         <p:nvSpPr>
-          <p:cNvPr id="4" name="Footer Placeholder 3"/>
+          <p:cNvPr id="4" name="Footer Placeholder 3">
+            <a:extLst>
+              <a:ext uri="{FF2B5EF4-FFF2-40B4-BE49-F238E27FC236}">
+                <a16:creationId xmlns:a16="http://schemas.microsoft.com/office/drawing/2014/main" id="{5183678E-8EC0-9D40-85FD-A78B73035745}"/>
+              </a:ext>
+            </a:extLst>
+          </p:cNvPr>
           <p:cNvSpPr>
             <a:spLocks noGrp="1"/>
           </p:cNvSpPr>
@@ -4336,7 +6408,13 @@
       </p:sp>
       <p:sp>
         <p:nvSpPr>
-          <p:cNvPr id="5" name="Slide Number Placeholder 4"/>
+          <p:cNvPr id="5" name="Slide Number Placeholder 4">
+            <a:extLst>
+              <a:ext uri="{FF2B5EF4-FFF2-40B4-BE49-F238E27FC236}">
+                <a16:creationId xmlns:a16="http://schemas.microsoft.com/office/drawing/2014/main" id="{A4410869-C0FC-2E44-824A-787E6D8BF311}"/>
+              </a:ext>
+            </a:extLst>
+          </p:cNvPr>
           <p:cNvSpPr>
             <a:spLocks noGrp="1"/>
           </p:cNvSpPr>
@@ -4349,7 +6427,7 @@
           <a:bodyPr/>
           <a:lstStyle/>
           <a:p>
-            <a:fld id="{C1FF6DA9-008F-8B48-92A6-B652298478BF}" type="slidenum">
+            <a:fld id="{C5EF2332-01BF-834F-8236-50238282D533}" type="slidenum">
               <a:rPr lang="en-US" smtClean="0"/>
               <a:t>‹#›</a:t>
             </a:fld>
@@ -4360,7 +6438,7 @@
     </p:spTree>
     <p:extLst>
       <p:ext uri="{BB962C8B-B14F-4D97-AF65-F5344CB8AC3E}">
-        <p14:creationId xmlns:p14="http://schemas.microsoft.com/office/powerpoint/2010/main" val="727027711"/>
+        <p14:creationId xmlns:p14="http://schemas.microsoft.com/office/powerpoint/2010/main" val="300993392"/>
       </p:ext>
     </p:extLst>
   </p:cSld>
@@ -4389,7 +6467,13 @@
       </p:grpSpPr>
       <p:sp>
         <p:nvSpPr>
-          <p:cNvPr id="2" name="Date Placeholder 1"/>
+          <p:cNvPr id="2" name="Date Placeholder 1">
+            <a:extLst>
+              <a:ext uri="{FF2B5EF4-FFF2-40B4-BE49-F238E27FC236}">
+                <a16:creationId xmlns:a16="http://schemas.microsoft.com/office/drawing/2014/main" id="{6ECFB1ED-2AE6-5449-BE22-43836D3C45EE}"/>
+              </a:ext>
+            </a:extLst>
+          </p:cNvPr>
           <p:cNvSpPr>
             <a:spLocks noGrp="1"/>
           </p:cNvSpPr>
@@ -4402,9 +6486,9 @@
           <a:bodyPr/>
           <a:lstStyle/>
           <a:p>
-            <a:fld id="{5BCAD085-E8A6-8845-BD4E-CB4CCA059FC4}" type="datetimeFigureOut">
+            <a:fld id="{241EB5C9-1307-BA42-ABA2-0BC069CD8E7F}" type="datetimeFigureOut">
               <a:rPr lang="en-US" smtClean="0"/>
-              <a:t>1/27/13</a:t>
+              <a:t>10/30/2025</a:t>
             </a:fld>
             <a:endParaRPr lang="en-US"/>
           </a:p>
@@ -4412,7 +6496,13 @@
       </p:sp>
       <p:sp>
         <p:nvSpPr>
-          <p:cNvPr id="3" name="Footer Placeholder 2"/>
+          <p:cNvPr id="3" name="Footer Placeholder 2">
+            <a:extLst>
+              <a:ext uri="{FF2B5EF4-FFF2-40B4-BE49-F238E27FC236}">
+                <a16:creationId xmlns:a16="http://schemas.microsoft.com/office/drawing/2014/main" id="{D92D820E-FB19-6E41-9F98-FE01AD877114}"/>
+              </a:ext>
+            </a:extLst>
+          </p:cNvPr>
           <p:cNvSpPr>
             <a:spLocks noGrp="1"/>
           </p:cNvSpPr>
@@ -4431,7 +6521,13 @@
       </p:sp>
       <p:sp>
         <p:nvSpPr>
-          <p:cNvPr id="4" name="Slide Number Placeholder 3"/>
+          <p:cNvPr id="4" name="Slide Number Placeholder 3">
+            <a:extLst>
+              <a:ext uri="{FF2B5EF4-FFF2-40B4-BE49-F238E27FC236}">
+                <a16:creationId xmlns:a16="http://schemas.microsoft.com/office/drawing/2014/main" id="{7B109D32-6061-E14C-B370-0847ED7F2515}"/>
+              </a:ext>
+            </a:extLst>
+          </p:cNvPr>
           <p:cNvSpPr>
             <a:spLocks noGrp="1"/>
           </p:cNvSpPr>
@@ -4444,7 +6540,7 @@
           <a:bodyPr/>
           <a:lstStyle/>
           <a:p>
-            <a:fld id="{C1FF6DA9-008F-8B48-92A6-B652298478BF}" type="slidenum">
+            <a:fld id="{C5EF2332-01BF-834F-8236-50238282D533}" type="slidenum">
               <a:rPr lang="en-US" smtClean="0"/>
               <a:t>‹#›</a:t>
             </a:fld>
@@ -4455,7 +6551,7 @@
     </p:spTree>
     <p:extLst>
       <p:ext uri="{BB962C8B-B14F-4D97-AF65-F5344CB8AC3E}">
-        <p14:creationId xmlns:p14="http://schemas.microsoft.com/office/powerpoint/2010/main" val="1212999818"/>
+        <p14:creationId xmlns:p14="http://schemas.microsoft.com/office/powerpoint/2010/main" val="3955370356"/>
       </p:ext>
     </p:extLst>
   </p:cSld>
@@ -4484,7 +6580,13 @@
       </p:grpSpPr>
       <p:sp>
         <p:nvSpPr>
-          <p:cNvPr id="2" name="Title 1"/>
+          <p:cNvPr id="2" name="Title 1">
+            <a:extLst>
+              <a:ext uri="{FF2B5EF4-FFF2-40B4-BE49-F238E27FC236}">
+                <a16:creationId xmlns:a16="http://schemas.microsoft.com/office/drawing/2014/main" id="{F3186003-B489-CA46-A95C-C1AECC0CA4D3}"/>
+              </a:ext>
+            </a:extLst>
+          </p:cNvPr>
           <p:cNvSpPr>
             <a:spLocks noGrp="1"/>
           </p:cNvSpPr>
@@ -4494,29 +6596,41 @@
         </p:nvSpPr>
         <p:spPr>
           <a:xfrm>
-            <a:off x="457200" y="273050"/>
-            <a:ext cx="3008313" cy="1162050"/>
+            <a:off x="629841" y="457200"/>
+            <a:ext cx="7886700" cy="1112835"/>
           </a:xfrm>
         </p:spPr>
         <p:txBody>
-          <a:bodyPr anchor="b"/>
+          <a:bodyPr anchor="ctr">
+            <a:normAutofit/>
+          </a:bodyPr>
           <a:lstStyle>
-            <a:lvl1pPr algn="l">
-              <a:defRPr sz="2000" b="1"/>
+            <a:lvl1pPr>
+              <a:defRPr sz="2800">
+                <a:solidFill>
+                  <a:srgbClr val="3EE3F4"/>
+                </a:solidFill>
+              </a:defRPr>
             </a:lvl1pPr>
           </a:lstStyle>
           <a:p>
             <a:r>
-              <a:rPr lang="en-US" smtClean="0"/>
+              <a:rPr lang="en-GB" dirty="0"/>
               <a:t>Click to edit Master title style</a:t>
             </a:r>
-            <a:endParaRPr lang="en-US"/>
-          </a:p>
-        </p:txBody>
-      </p:sp>
-      <p:sp>
-        <p:nvSpPr>
-          <p:cNvPr id="3" name="Content Placeholder 2"/>
+            <a:endParaRPr lang="en-US" dirty="0"/>
+          </a:p>
+        </p:txBody>
+      </p:sp>
+      <p:sp>
+        <p:nvSpPr>
+          <p:cNvPr id="3" name="Content Placeholder 2">
+            <a:extLst>
+              <a:ext uri="{FF2B5EF4-FFF2-40B4-BE49-F238E27FC236}">
+                <a16:creationId xmlns:a16="http://schemas.microsoft.com/office/drawing/2014/main" id="{2288BCD6-9805-9E45-9B7C-5314F41E6C9F}"/>
+              </a:ext>
+            </a:extLst>
+          </p:cNvPr>
           <p:cNvSpPr>
             <a:spLocks noGrp="1"/>
           </p:cNvSpPr>
@@ -4526,82 +6640,88 @@
         </p:nvSpPr>
         <p:spPr>
           <a:xfrm>
-            <a:off x="3575050" y="273050"/>
-            <a:ext cx="5111750" cy="5853113"/>
+            <a:off x="4571999" y="1820174"/>
+            <a:ext cx="3944541" cy="4040879"/>
           </a:xfrm>
         </p:spPr>
         <p:txBody>
           <a:bodyPr/>
           <a:lstStyle>
             <a:lvl1pPr>
-              <a:defRPr sz="3200"/>
+              <a:defRPr sz="1800"/>
             </a:lvl1pPr>
             <a:lvl2pPr>
-              <a:defRPr sz="2800"/>
+              <a:defRPr sz="1575"/>
             </a:lvl2pPr>
             <a:lvl3pPr>
-              <a:defRPr sz="2400"/>
+              <a:defRPr sz="1350"/>
             </a:lvl3pPr>
             <a:lvl4pPr>
-              <a:defRPr sz="2000"/>
+              <a:defRPr sz="1125"/>
             </a:lvl4pPr>
             <a:lvl5pPr>
-              <a:defRPr sz="2000"/>
+              <a:defRPr sz="1125"/>
             </a:lvl5pPr>
             <a:lvl6pPr>
-              <a:defRPr sz="2000"/>
+              <a:defRPr sz="1125"/>
             </a:lvl6pPr>
             <a:lvl7pPr>
-              <a:defRPr sz="2000"/>
+              <a:defRPr sz="1125"/>
             </a:lvl7pPr>
             <a:lvl8pPr>
-              <a:defRPr sz="2000"/>
+              <a:defRPr sz="1125"/>
             </a:lvl8pPr>
             <a:lvl9pPr>
-              <a:defRPr sz="2000"/>
+              <a:defRPr sz="1125"/>
             </a:lvl9pPr>
           </a:lstStyle>
           <a:p>
             <a:pPr lvl="0"/>
             <a:r>
-              <a:rPr lang="en-US" smtClean="0"/>
+              <a:rPr lang="en-GB" dirty="0"/>
               <a:t>Click to edit Master text styles</a:t>
             </a:r>
           </a:p>
           <a:p>
             <a:pPr lvl="1"/>
             <a:r>
-              <a:rPr lang="en-US" smtClean="0"/>
+              <a:rPr lang="en-GB" dirty="0"/>
               <a:t>Second level</a:t>
             </a:r>
           </a:p>
           <a:p>
             <a:pPr lvl="2"/>
             <a:r>
-              <a:rPr lang="en-US" smtClean="0"/>
+              <a:rPr lang="en-GB" dirty="0"/>
               <a:t>Third level</a:t>
             </a:r>
           </a:p>
           <a:p>
             <a:pPr lvl="3"/>
             <a:r>
-              <a:rPr lang="en-US" smtClean="0"/>
+              <a:rPr lang="en-GB" dirty="0"/>
               <a:t>Fourth level</a:t>
             </a:r>
           </a:p>
           <a:p>
             <a:pPr lvl="4"/>
             <a:r>
-              <a:rPr lang="en-US" smtClean="0"/>
+              <a:rPr lang="en-GB" dirty="0"/>
               <a:t>Fifth level</a:t>
             </a:r>
-            <a:endParaRPr lang="en-US"/>
-          </a:p>
-        </p:txBody>
-      </p:sp>
-      <p:sp>
-        <p:nvSpPr>
-          <p:cNvPr id="4" name="Text Placeholder 3"/>
+            <a:endParaRPr lang="en-US" dirty="0"/>
+          </a:p>
+        </p:txBody>
+      </p:sp>
+      <p:sp>
+        <p:nvSpPr>
+          <p:cNvPr id="4" name="Text Placeholder 3">
+            <a:extLst>
+              <a:ext uri="{FF2B5EF4-FFF2-40B4-BE49-F238E27FC236}">
+                <a16:creationId xmlns:a16="http://schemas.microsoft.com/office/drawing/2014/main" id="{898BA411-2A54-A94A-B3FC-826281DBEADF}"/>
+              </a:ext>
+            </a:extLst>
+          </p:cNvPr>
           <p:cNvSpPr>
             <a:spLocks noGrp="1"/>
           </p:cNvSpPr>
@@ -4611,77 +6731,85 @@
         </p:nvSpPr>
         <p:spPr>
           <a:xfrm>
-            <a:off x="457200" y="1435100"/>
-            <a:ext cx="3008313" cy="4691063"/>
+            <a:off x="629841" y="1820174"/>
+            <a:ext cx="3622982" cy="4048814"/>
           </a:xfrm>
         </p:spPr>
         <p:txBody>
-          <a:bodyPr/>
+          <a:bodyPr>
+            <a:normAutofit/>
+          </a:bodyPr>
           <a:lstStyle>
             <a:lvl1pPr marL="0" indent="0">
               <a:buNone/>
-              <a:defRPr sz="1400"/>
+              <a:defRPr sz="2000"/>
             </a:lvl1pPr>
-            <a:lvl2pPr marL="457200" indent="0">
-              <a:buNone/>
-              <a:defRPr sz="1200"/>
+            <a:lvl2pPr marL="257175" indent="0">
+              <a:buNone/>
+              <a:defRPr sz="788"/>
             </a:lvl2pPr>
-            <a:lvl3pPr marL="914400" indent="0">
-              <a:buNone/>
-              <a:defRPr sz="1000"/>
+            <a:lvl3pPr marL="514350" indent="0">
+              <a:buNone/>
+              <a:defRPr sz="675"/>
             </a:lvl3pPr>
-            <a:lvl4pPr marL="1371600" indent="0">
-              <a:buNone/>
-              <a:defRPr sz="900"/>
+            <a:lvl4pPr marL="771525" indent="0">
+              <a:buNone/>
+              <a:defRPr sz="563"/>
             </a:lvl4pPr>
-            <a:lvl5pPr marL="1828800" indent="0">
-              <a:buNone/>
-              <a:defRPr sz="900"/>
+            <a:lvl5pPr marL="1028700" indent="0">
+              <a:buNone/>
+              <a:defRPr sz="563"/>
             </a:lvl5pPr>
-            <a:lvl6pPr marL="2286000" indent="0">
-              <a:buNone/>
-              <a:defRPr sz="900"/>
+            <a:lvl6pPr marL="1285875" indent="0">
+              <a:buNone/>
+              <a:defRPr sz="563"/>
             </a:lvl6pPr>
-            <a:lvl7pPr marL="2743200" indent="0">
-              <a:buNone/>
-              <a:defRPr sz="900"/>
+            <a:lvl7pPr marL="1543050" indent="0">
+              <a:buNone/>
+              <a:defRPr sz="563"/>
             </a:lvl7pPr>
-            <a:lvl8pPr marL="3200400" indent="0">
-              <a:buNone/>
-              <a:defRPr sz="900"/>
+            <a:lvl8pPr marL="1800225" indent="0">
+              <a:buNone/>
+              <a:defRPr sz="563"/>
             </a:lvl8pPr>
-            <a:lvl9pPr marL="3657600" indent="0">
-              <a:buNone/>
-              <a:defRPr sz="900"/>
+            <a:lvl9pPr marL="2057400" indent="0">
+              <a:buNone/>
+              <a:defRPr sz="563"/>
             </a:lvl9pPr>
           </a:lstStyle>
           <a:p>
             <a:pPr lvl="0"/>
             <a:r>
+              <a:rPr lang="en-GB" dirty="0"/>
+              <a:t>Click to edit Master text styles</a:t>
+            </a:r>
+          </a:p>
+        </p:txBody>
+      </p:sp>
+      <p:sp>
+        <p:nvSpPr>
+          <p:cNvPr id="5" name="Date Placeholder 4">
+            <a:extLst>
+              <a:ext uri="{FF2B5EF4-FFF2-40B4-BE49-F238E27FC236}">
+                <a16:creationId xmlns:a16="http://schemas.microsoft.com/office/drawing/2014/main" id="{B91F4F16-08DB-C247-8F9D-24EA7D84A9B2}"/>
+              </a:ext>
+            </a:extLst>
+          </p:cNvPr>
+          <p:cNvSpPr>
+            <a:spLocks noGrp="1"/>
+          </p:cNvSpPr>
+          <p:nvPr>
+            <p:ph type="dt" sz="half" idx="10"/>
+          </p:nvPr>
+        </p:nvSpPr>
+        <p:spPr/>
+        <p:txBody>
+          <a:bodyPr/>
+          <a:lstStyle/>
+          <a:p>
+            <a:fld id="{241EB5C9-1307-BA42-ABA2-0BC069CD8E7F}" type="datetimeFigureOut">
               <a:rPr lang="en-US" smtClean="0"/>
-              <a:t>Click to edit Master text styles</a:t>
-            </a:r>
-          </a:p>
-        </p:txBody>
-      </p:sp>
-      <p:sp>
-        <p:nvSpPr>
-          <p:cNvPr id="5" name="Date Placeholder 4"/>
-          <p:cNvSpPr>
-            <a:spLocks noGrp="1"/>
-          </p:cNvSpPr>
-          <p:nvPr>
-            <p:ph type="dt" sz="half" idx="10"/>
-          </p:nvPr>
-        </p:nvSpPr>
-        <p:spPr/>
-        <p:txBody>
-          <a:bodyPr/>
-          <a:lstStyle/>
-          <a:p>
-            <a:fld id="{5BCAD085-E8A6-8845-BD4E-CB4CCA059FC4}" type="datetimeFigureOut">
-              <a:rPr lang="en-US" smtClean="0"/>
-              <a:t>1/27/13</a:t>
+              <a:t>10/30/2025</a:t>
             </a:fld>
             <a:endParaRPr lang="en-US"/>
           </a:p>
@@ -4689,7 +6817,13 @@
       </p:sp>
       <p:sp>
         <p:nvSpPr>
-          <p:cNvPr id="6" name="Footer Placeholder 5"/>
+          <p:cNvPr id="6" name="Footer Placeholder 5">
+            <a:extLst>
+              <a:ext uri="{FF2B5EF4-FFF2-40B4-BE49-F238E27FC236}">
+                <a16:creationId xmlns:a16="http://schemas.microsoft.com/office/drawing/2014/main" id="{E6FF2B46-16CB-7E41-AD5E-4493C9285A58}"/>
+              </a:ext>
+            </a:extLst>
+          </p:cNvPr>
           <p:cNvSpPr>
             <a:spLocks noGrp="1"/>
           </p:cNvSpPr>
@@ -4708,7 +6842,13 @@
       </p:sp>
       <p:sp>
         <p:nvSpPr>
-          <p:cNvPr id="7" name="Slide Number Placeholder 6"/>
+          <p:cNvPr id="7" name="Slide Number Placeholder 6">
+            <a:extLst>
+              <a:ext uri="{FF2B5EF4-FFF2-40B4-BE49-F238E27FC236}">
+                <a16:creationId xmlns:a16="http://schemas.microsoft.com/office/drawing/2014/main" id="{48BA2BC5-3886-C647-BB53-7B07EAE78D4B}"/>
+              </a:ext>
+            </a:extLst>
+          </p:cNvPr>
           <p:cNvSpPr>
             <a:spLocks noGrp="1"/>
           </p:cNvSpPr>
@@ -4721,7 +6861,7 @@
           <a:bodyPr/>
           <a:lstStyle/>
           <a:p>
-            <a:fld id="{C1FF6DA9-008F-8B48-92A6-B652298478BF}" type="slidenum">
+            <a:fld id="{C5EF2332-01BF-834F-8236-50238282D533}" type="slidenum">
               <a:rPr lang="en-US" smtClean="0"/>
               <a:t>‹#›</a:t>
             </a:fld>
@@ -4732,7 +6872,7 @@
     </p:spTree>
     <p:extLst>
       <p:ext uri="{BB962C8B-B14F-4D97-AF65-F5344CB8AC3E}">
-        <p14:creationId xmlns:p14="http://schemas.microsoft.com/office/powerpoint/2010/main" val="1840726560"/>
+        <p14:creationId xmlns:p14="http://schemas.microsoft.com/office/powerpoint/2010/main" val="243867666"/>
       </p:ext>
     </p:extLst>
   </p:cSld>
@@ -4761,7 +6901,13 @@
       </p:grpSpPr>
       <p:sp>
         <p:nvSpPr>
-          <p:cNvPr id="2" name="Title 1"/>
+          <p:cNvPr id="2" name="Title 1">
+            <a:extLst>
+              <a:ext uri="{FF2B5EF4-FFF2-40B4-BE49-F238E27FC236}">
+                <a16:creationId xmlns:a16="http://schemas.microsoft.com/office/drawing/2014/main" id="{E45682B8-C849-1F4E-8FED-86CF39DF59A8}"/>
+              </a:ext>
+            </a:extLst>
+          </p:cNvPr>
           <p:cNvSpPr>
             <a:spLocks noGrp="1"/>
           </p:cNvSpPr>
@@ -4771,29 +6917,41 @@
         </p:nvSpPr>
         <p:spPr>
           <a:xfrm>
-            <a:off x="1792288" y="4800600"/>
-            <a:ext cx="5486400" cy="566738"/>
+            <a:off x="629841" y="457200"/>
+            <a:ext cx="2949178" cy="1600200"/>
           </a:xfrm>
         </p:spPr>
         <p:txBody>
-          <a:bodyPr anchor="b"/>
+          <a:bodyPr anchor="ctr">
+            <a:normAutofit/>
+          </a:bodyPr>
           <a:lstStyle>
-            <a:lvl1pPr algn="l">
-              <a:defRPr sz="2000" b="1"/>
+            <a:lvl1pPr>
+              <a:defRPr sz="2800">
+                <a:solidFill>
+                  <a:srgbClr val="4B556B"/>
+                </a:solidFill>
+              </a:defRPr>
             </a:lvl1pPr>
           </a:lstStyle>
           <a:p>
             <a:r>
-              <a:rPr lang="en-US" smtClean="0"/>
+              <a:rPr lang="en-GB" dirty="0"/>
               <a:t>Click to edit Master title style</a:t>
             </a:r>
-            <a:endParaRPr lang="en-US"/>
-          </a:p>
-        </p:txBody>
-      </p:sp>
-      <p:sp>
-        <p:nvSpPr>
-          <p:cNvPr id="3" name="Picture Placeholder 2"/>
+            <a:endParaRPr lang="en-US" dirty="0"/>
+          </a:p>
+        </p:txBody>
+      </p:sp>
+      <p:sp>
+        <p:nvSpPr>
+          <p:cNvPr id="3" name="Picture Placeholder 2">
+            <a:extLst>
+              <a:ext uri="{FF2B5EF4-FFF2-40B4-BE49-F238E27FC236}">
+                <a16:creationId xmlns:a16="http://schemas.microsoft.com/office/drawing/2014/main" id="{26A410FE-1E10-8C4A-BD9D-9A0F6C9D1E52}"/>
+              </a:ext>
+            </a:extLst>
+          </p:cNvPr>
           <p:cNvSpPr>
             <a:spLocks noGrp="1"/>
           </p:cNvSpPr>
@@ -4803,8 +6961,8 @@
         </p:nvSpPr>
         <p:spPr>
           <a:xfrm>
-            <a:off x="1792288" y="612775"/>
-            <a:ext cx="5486400" cy="4114800"/>
+            <a:off x="3887391" y="987428"/>
+            <a:ext cx="4629150" cy="4873625"/>
           </a:xfrm>
         </p:spPr>
         <p:txBody>
@@ -4812,49 +6970,59 @@
           <a:lstStyle>
             <a:lvl1pPr marL="0" indent="0">
               <a:buNone/>
-              <a:defRPr sz="3200"/>
+              <a:defRPr sz="1800"/>
             </a:lvl1pPr>
-            <a:lvl2pPr marL="457200" indent="0">
-              <a:buNone/>
-              <a:defRPr sz="2800"/>
+            <a:lvl2pPr marL="257175" indent="0">
+              <a:buNone/>
+              <a:defRPr sz="1575"/>
             </a:lvl2pPr>
-            <a:lvl3pPr marL="914400" indent="0">
-              <a:buNone/>
-              <a:defRPr sz="2400"/>
+            <a:lvl3pPr marL="514350" indent="0">
+              <a:buNone/>
+              <a:defRPr sz="1350"/>
             </a:lvl3pPr>
-            <a:lvl4pPr marL="1371600" indent="0">
-              <a:buNone/>
-              <a:defRPr sz="2000"/>
+            <a:lvl4pPr marL="771525" indent="0">
+              <a:buNone/>
+              <a:defRPr sz="1125"/>
             </a:lvl4pPr>
-            <a:lvl5pPr marL="1828800" indent="0">
-              <a:buNone/>
-              <a:defRPr sz="2000"/>
+            <a:lvl5pPr marL="1028700" indent="0">
+              <a:buNone/>
+              <a:defRPr sz="1125"/>
             </a:lvl5pPr>
-            <a:lvl6pPr marL="2286000" indent="0">
-              <a:buNone/>
-              <a:defRPr sz="2000"/>
+            <a:lvl6pPr marL="1285875" indent="0">
+              <a:buNone/>
+              <a:defRPr sz="1125"/>
             </a:lvl6pPr>
-            <a:lvl7pPr marL="2743200" indent="0">
-              <a:buNone/>
-              <a:defRPr sz="2000"/>
+            <a:lvl7pPr marL="1543050" indent="0">
+              <a:buNone/>
+              <a:defRPr sz="1125"/>
             </a:lvl7pPr>
-            <a:lvl8pPr marL="3200400" indent="0">
-              <a:buNone/>
-              <a:defRPr sz="2000"/>
+            <a:lvl8pPr marL="1800225" indent="0">
+              <a:buNone/>
+              <a:defRPr sz="1125"/>
             </a:lvl8pPr>
-            <a:lvl9pPr marL="3657600" indent="0">
-              <a:buNone/>
-              <a:defRPr sz="2000"/>
+            <a:lvl9pPr marL="2057400" indent="0">
+              <a:buNone/>
+              <a:defRPr sz="1125"/>
             </a:lvl9pPr>
           </a:lstStyle>
           <a:p>
+            <a:r>
+              <a:rPr lang="en-GB"/>
+              <a:t>Click icon to add picture</a:t>
+            </a:r>
             <a:endParaRPr lang="en-US"/>
           </a:p>
         </p:txBody>
       </p:sp>
       <p:sp>
         <p:nvSpPr>
-          <p:cNvPr id="4" name="Text Placeholder 3"/>
+          <p:cNvPr id="4" name="Text Placeholder 3">
+            <a:extLst>
+              <a:ext uri="{FF2B5EF4-FFF2-40B4-BE49-F238E27FC236}">
+                <a16:creationId xmlns:a16="http://schemas.microsoft.com/office/drawing/2014/main" id="{CA622F09-1B36-2F4E-8EEA-BAEEB3FD2B96}"/>
+              </a:ext>
+            </a:extLst>
+          </p:cNvPr>
           <p:cNvSpPr>
             <a:spLocks noGrp="1"/>
           </p:cNvSpPr>
@@ -4864,77 +7032,85 @@
         </p:nvSpPr>
         <p:spPr>
           <a:xfrm>
-            <a:off x="1792288" y="5367338"/>
-            <a:ext cx="5486400" cy="804862"/>
+            <a:off x="629841" y="2057400"/>
+            <a:ext cx="2949178" cy="3811588"/>
           </a:xfrm>
         </p:spPr>
         <p:txBody>
-          <a:bodyPr/>
+          <a:bodyPr>
+            <a:normAutofit/>
+          </a:bodyPr>
           <a:lstStyle>
             <a:lvl1pPr marL="0" indent="0">
               <a:buNone/>
-              <a:defRPr sz="1400"/>
+              <a:defRPr sz="1800"/>
             </a:lvl1pPr>
-            <a:lvl2pPr marL="457200" indent="0">
-              <a:buNone/>
-              <a:defRPr sz="1200"/>
+            <a:lvl2pPr marL="257175" indent="0">
+              <a:buNone/>
+              <a:defRPr sz="788"/>
             </a:lvl2pPr>
-            <a:lvl3pPr marL="914400" indent="0">
-              <a:buNone/>
-              <a:defRPr sz="1000"/>
+            <a:lvl3pPr marL="514350" indent="0">
+              <a:buNone/>
+              <a:defRPr sz="675"/>
             </a:lvl3pPr>
-            <a:lvl4pPr marL="1371600" indent="0">
-              <a:buNone/>
-              <a:defRPr sz="900"/>
+            <a:lvl4pPr marL="771525" indent="0">
+              <a:buNone/>
+              <a:defRPr sz="563"/>
             </a:lvl4pPr>
-            <a:lvl5pPr marL="1828800" indent="0">
-              <a:buNone/>
-              <a:defRPr sz="900"/>
+            <a:lvl5pPr marL="1028700" indent="0">
+              <a:buNone/>
+              <a:defRPr sz="563"/>
             </a:lvl5pPr>
-            <a:lvl6pPr marL="2286000" indent="0">
-              <a:buNone/>
-              <a:defRPr sz="900"/>
+            <a:lvl6pPr marL="1285875" indent="0">
+              <a:buNone/>
+              <a:defRPr sz="563"/>
             </a:lvl6pPr>
-            <a:lvl7pPr marL="2743200" indent="0">
-              <a:buNone/>
-              <a:defRPr sz="900"/>
+            <a:lvl7pPr marL="1543050" indent="0">
+              <a:buNone/>
+              <a:defRPr sz="563"/>
             </a:lvl7pPr>
-            <a:lvl8pPr marL="3200400" indent="0">
-              <a:buNone/>
-              <a:defRPr sz="900"/>
+            <a:lvl8pPr marL="1800225" indent="0">
+              <a:buNone/>
+              <a:defRPr sz="563"/>
             </a:lvl8pPr>
-            <a:lvl9pPr marL="3657600" indent="0">
-              <a:buNone/>
-              <a:defRPr sz="900"/>
+            <a:lvl9pPr marL="2057400" indent="0">
+              <a:buNone/>
+              <a:defRPr sz="563"/>
             </a:lvl9pPr>
           </a:lstStyle>
           <a:p>
             <a:pPr lvl="0"/>
             <a:r>
+              <a:rPr lang="en-GB" dirty="0"/>
+              <a:t>Click to edit Master text styles</a:t>
+            </a:r>
+          </a:p>
+        </p:txBody>
+      </p:sp>
+      <p:sp>
+        <p:nvSpPr>
+          <p:cNvPr id="5" name="Date Placeholder 4">
+            <a:extLst>
+              <a:ext uri="{FF2B5EF4-FFF2-40B4-BE49-F238E27FC236}">
+                <a16:creationId xmlns:a16="http://schemas.microsoft.com/office/drawing/2014/main" id="{96A97009-98F8-D441-A078-A31F891B49A4}"/>
+              </a:ext>
+            </a:extLst>
+          </p:cNvPr>
+          <p:cNvSpPr>
+            <a:spLocks noGrp="1"/>
+          </p:cNvSpPr>
+          <p:nvPr>
+            <p:ph type="dt" sz="half" idx="10"/>
+          </p:nvPr>
+        </p:nvSpPr>
+        <p:spPr/>
+        <p:txBody>
+          <a:bodyPr/>
+          <a:lstStyle/>
+          <a:p>
+            <a:fld id="{241EB5C9-1307-BA42-ABA2-0BC069CD8E7F}" type="datetimeFigureOut">
               <a:rPr lang="en-US" smtClean="0"/>
-              <a:t>Click to edit Master text styles</a:t>
-            </a:r>
-          </a:p>
-        </p:txBody>
-      </p:sp>
-      <p:sp>
-        <p:nvSpPr>
-          <p:cNvPr id="5" name="Date Placeholder 4"/>
-          <p:cNvSpPr>
-            <a:spLocks noGrp="1"/>
-          </p:cNvSpPr>
-          <p:nvPr>
-            <p:ph type="dt" sz="half" idx="10"/>
-          </p:nvPr>
-        </p:nvSpPr>
-        <p:spPr/>
-        <p:txBody>
-          <a:bodyPr/>
-          <a:lstStyle/>
-          <a:p>
-            <a:fld id="{5BCAD085-E8A6-8845-BD4E-CB4CCA059FC4}" type="datetimeFigureOut">
-              <a:rPr lang="en-US" smtClean="0"/>
-              <a:t>1/27/13</a:t>
+              <a:t>10/30/2025</a:t>
             </a:fld>
             <a:endParaRPr lang="en-US"/>
           </a:p>
@@ -4942,7 +7118,13 @@
       </p:sp>
       <p:sp>
         <p:nvSpPr>
-          <p:cNvPr id="6" name="Footer Placeholder 5"/>
+          <p:cNvPr id="6" name="Footer Placeholder 5">
+            <a:extLst>
+              <a:ext uri="{FF2B5EF4-FFF2-40B4-BE49-F238E27FC236}">
+                <a16:creationId xmlns:a16="http://schemas.microsoft.com/office/drawing/2014/main" id="{38CACA9B-B433-8E45-A2A3-CD0940DBC86C}"/>
+              </a:ext>
+            </a:extLst>
+          </p:cNvPr>
           <p:cNvSpPr>
             <a:spLocks noGrp="1"/>
           </p:cNvSpPr>
@@ -4961,7 +7143,13 @@
       </p:sp>
       <p:sp>
         <p:nvSpPr>
-          <p:cNvPr id="7" name="Slide Number Placeholder 6"/>
+          <p:cNvPr id="7" name="Slide Number Placeholder 6">
+            <a:extLst>
+              <a:ext uri="{FF2B5EF4-FFF2-40B4-BE49-F238E27FC236}">
+                <a16:creationId xmlns:a16="http://schemas.microsoft.com/office/drawing/2014/main" id="{A3FA396B-3342-4645-AC86-58732AAEFE03}"/>
+              </a:ext>
+            </a:extLst>
+          </p:cNvPr>
           <p:cNvSpPr>
             <a:spLocks noGrp="1"/>
           </p:cNvSpPr>
@@ -4974,7 +7162,7 @@
           <a:bodyPr/>
           <a:lstStyle/>
           <a:p>
-            <a:fld id="{C1FF6DA9-008F-8B48-92A6-B652298478BF}" type="slidenum">
+            <a:fld id="{C5EF2332-01BF-834F-8236-50238282D533}" type="slidenum">
               <a:rPr lang="en-US" smtClean="0"/>
               <a:t>‹#›</a:t>
             </a:fld>
@@ -4985,7 +7173,7 @@
     </p:spTree>
     <p:extLst>
       <p:ext uri="{BB962C8B-B14F-4D97-AF65-F5344CB8AC3E}">
-        <p14:creationId xmlns:p14="http://schemas.microsoft.com/office/powerpoint/2010/main" val="3889236939"/>
+        <p14:creationId xmlns:p14="http://schemas.microsoft.com/office/powerpoint/2010/main" val="2954401341"/>
       </p:ext>
     </p:extLst>
   </p:cSld>
@@ -4996,7 +7184,7 @@
 </file>
 
 <file path=ppt/slideMasters/slideMaster1.xml><?xml version="1.0" encoding="utf-8"?>
-<p:sldMaster xmlns:a="http://schemas.openxmlformats.org/drawingml/2006/main" xmlns:p="http://schemas.openxmlformats.org/presentationml/2006/main" xmlns:r="http://schemas.openxmlformats.org/officeDocument/2006/relationships">
+<p:sldMaster xmlns:a="http://schemas.openxmlformats.org/drawingml/2006/main" xmlns:p="http://schemas.openxmlformats.org/presentationml/2006/main" xmlns:r="http://schemas.openxmlformats.org/officeDocument/2006/relationships" preserve="1">
   <p:cSld>
     <p:bg>
       <p:bgRef idx="1001">
@@ -5019,7 +7207,13 @@
       </p:grpSpPr>
       <p:sp>
         <p:nvSpPr>
-          <p:cNvPr id="2" name="Title Placeholder 1"/>
+          <p:cNvPr id="2" name="Title Placeholder 1">
+            <a:extLst>
+              <a:ext uri="{FF2B5EF4-FFF2-40B4-BE49-F238E27FC236}">
+                <a16:creationId xmlns:a16="http://schemas.microsoft.com/office/drawing/2014/main" id="{DE0C2B60-7A22-834C-9BAC-D26560A3E103}"/>
+              </a:ext>
+            </a:extLst>
+          </p:cNvPr>
           <p:cNvSpPr>
             <a:spLocks noGrp="1"/>
           </p:cNvSpPr>
@@ -5029,8 +7223,8 @@
         </p:nvSpPr>
         <p:spPr>
           <a:xfrm>
-            <a:off x="457200" y="274638"/>
-            <a:ext cx="8229600" cy="1143000"/>
+            <a:off x="628650" y="365128"/>
+            <a:ext cx="7886700" cy="1325563"/>
           </a:xfrm>
           <a:prstGeom prst="rect">
             <a:avLst/>
@@ -5043,16 +7237,22 @@
           <a:lstStyle/>
           <a:p>
             <a:r>
-              <a:rPr lang="en-US" smtClean="0"/>
+              <a:rPr dirty="0" lang="en-GB"/>
               <a:t>Click to edit Master title style</a:t>
             </a:r>
-            <a:endParaRPr lang="en-US"/>
-          </a:p>
-        </p:txBody>
-      </p:sp>
-      <p:sp>
-        <p:nvSpPr>
-          <p:cNvPr id="3" name="Text Placeholder 2"/>
+            <a:endParaRPr dirty="0" lang="en-US"/>
+          </a:p>
+        </p:txBody>
+      </p:sp>
+      <p:sp>
+        <p:nvSpPr>
+          <p:cNvPr id="3" name="Text Placeholder 2">
+            <a:extLst>
+              <a:ext uri="{FF2B5EF4-FFF2-40B4-BE49-F238E27FC236}">
+                <a16:creationId xmlns:a16="http://schemas.microsoft.com/office/drawing/2014/main" id="{527BF5EA-1FF6-EB48-B367-10F16FE226B4}"/>
+              </a:ext>
+            </a:extLst>
+          </p:cNvPr>
           <p:cNvSpPr>
             <a:spLocks noGrp="1"/>
           </p:cNvSpPr>
@@ -5062,8 +7262,8 @@
         </p:nvSpPr>
         <p:spPr>
           <a:xfrm>
-            <a:off x="457200" y="1600200"/>
-            <a:ext cx="8229600" cy="4525963"/>
+            <a:off x="628650" y="1825625"/>
+            <a:ext cx="7886700" cy="4351338"/>
           </a:xfrm>
           <a:prstGeom prst="rect">
             <a:avLst/>
@@ -5077,44 +7277,50 @@
           <a:p>
             <a:pPr lvl="0"/>
             <a:r>
-              <a:rPr lang="en-US" smtClean="0"/>
-              <a:t>Click to edit Master text styles</a:t>
+              <a:rPr dirty="0" lang="en-GB"/>
+              <a:t> Click to edit Master text styles</a:t>
             </a:r>
           </a:p>
           <a:p>
             <a:pPr lvl="1"/>
             <a:r>
-              <a:rPr lang="en-US" smtClean="0"/>
-              <a:t>Second level</a:t>
+              <a:rPr dirty="0" lang="en-GB"/>
+              <a:t> Second level</a:t>
             </a:r>
           </a:p>
           <a:p>
             <a:pPr lvl="2"/>
             <a:r>
-              <a:rPr lang="en-US" smtClean="0"/>
-              <a:t>Third level</a:t>
+              <a:rPr dirty="0" lang="en-GB"/>
+              <a:t> Third level</a:t>
             </a:r>
           </a:p>
           <a:p>
             <a:pPr lvl="3"/>
             <a:r>
-              <a:rPr lang="en-US" smtClean="0"/>
-              <a:t>Fourth level</a:t>
+              <a:rPr dirty="0" lang="en-GB"/>
+              <a:t> Fourth level</a:t>
             </a:r>
           </a:p>
           <a:p>
             <a:pPr lvl="4"/>
             <a:r>
-              <a:rPr lang="en-US" smtClean="0"/>
-              <a:t>Fifth level</a:t>
-            </a:r>
-            <a:endParaRPr lang="en-US"/>
-          </a:p>
-        </p:txBody>
-      </p:sp>
-      <p:sp>
-        <p:nvSpPr>
-          <p:cNvPr id="4" name="Date Placeholder 3"/>
+              <a:rPr dirty="0" lang="en-GB"/>
+              <a:t> Fifth level</a:t>
+            </a:r>
+            <a:endParaRPr dirty="0" lang="en-US"/>
+          </a:p>
+        </p:txBody>
+      </p:sp>
+      <p:sp>
+        <p:nvSpPr>
+          <p:cNvPr id="4" name="Date Placeholder 3">
+            <a:extLst>
+              <a:ext uri="{FF2B5EF4-FFF2-40B4-BE49-F238E27FC236}">
+                <a16:creationId xmlns:a16="http://schemas.microsoft.com/office/drawing/2014/main" id="{DDF491ED-FFB7-904F-8814-ED29EAA4264A}"/>
+              </a:ext>
+            </a:extLst>
+          </p:cNvPr>
           <p:cNvSpPr>
             <a:spLocks noGrp="1"/>
           </p:cNvSpPr>
@@ -5124,8 +7330,8 @@
         </p:nvSpPr>
         <p:spPr>
           <a:xfrm>
-            <a:off x="457200" y="6356350"/>
-            <a:ext cx="2133600" cy="365125"/>
+            <a:off x="628650" y="6356353"/>
+            <a:ext cx="2057400" cy="365125"/>
           </a:xfrm>
           <a:prstGeom prst="rect">
             <a:avLst/>
@@ -5135,7 +7341,7 @@
           <a:bodyPr anchor="ctr" bIns="45720" lIns="91440" rIns="91440" rtlCol="0" tIns="45720" vert="horz"/>
           <a:lstStyle>
             <a:lvl1pPr algn="l">
-              <a:defRPr sz="1200">
+              <a:defRPr sz="675">
                 <a:solidFill>
                   <a:schemeClr val="tx1">
                     <a:tint val="75000"/>
@@ -5145,9 +7351,9 @@
             </a:lvl1pPr>
           </a:lstStyle>
           <a:p>
-            <a:fld id="{5BCAD085-E8A6-8845-BD4E-CB4CCA059FC4}" type="datetimeFigureOut">
+            <a:fld id="{241EB5C9-1307-BA42-ABA2-0BC069CD8E7F}" type="datetimeFigureOut">
               <a:rPr lang="en-US" smtClean="0"/>
-              <a:t>1/27/13</a:t>
+              <a:t>10/30/2025</a:t>
             </a:fld>
             <a:endParaRPr lang="en-US"/>
           </a:p>
@@ -5155,7 +7361,13 @@
       </p:sp>
       <p:sp>
         <p:nvSpPr>
-          <p:cNvPr id="5" name="Footer Placeholder 4"/>
+          <p:cNvPr id="5" name="Footer Placeholder 4">
+            <a:extLst>
+              <a:ext uri="{FF2B5EF4-FFF2-40B4-BE49-F238E27FC236}">
+                <a16:creationId xmlns:a16="http://schemas.microsoft.com/office/drawing/2014/main" id="{FA208862-D156-2142-AB15-C9A3A7B61507}"/>
+              </a:ext>
+            </a:extLst>
+          </p:cNvPr>
           <p:cNvSpPr>
             <a:spLocks noGrp="1"/>
           </p:cNvSpPr>
@@ -5165,8 +7377,8 @@
         </p:nvSpPr>
         <p:spPr>
           <a:xfrm>
-            <a:off x="3124200" y="6356350"/>
-            <a:ext cx="2895600" cy="365125"/>
+            <a:off x="3028950" y="6356353"/>
+            <a:ext cx="3086100" cy="365125"/>
           </a:xfrm>
           <a:prstGeom prst="rect">
             <a:avLst/>
@@ -5176,7 +7388,7 @@
           <a:bodyPr anchor="ctr" bIns="45720" lIns="91440" rIns="91440" rtlCol="0" tIns="45720" vert="horz"/>
           <a:lstStyle>
             <a:lvl1pPr algn="ctr">
-              <a:defRPr sz="1200">
+              <a:defRPr sz="675">
                 <a:solidFill>
                   <a:schemeClr val="tx1">
                     <a:tint val="75000"/>
@@ -5192,7 +7404,13 @@
       </p:sp>
       <p:sp>
         <p:nvSpPr>
-          <p:cNvPr id="6" name="Slide Number Placeholder 5"/>
+          <p:cNvPr id="6" name="Slide Number Placeholder 5">
+            <a:extLst>
+              <a:ext uri="{FF2B5EF4-FFF2-40B4-BE49-F238E27FC236}">
+                <a16:creationId xmlns:a16="http://schemas.microsoft.com/office/drawing/2014/main" id="{2DC6F4AD-BD6B-CE47-88CB-D7910584936B}"/>
+              </a:ext>
+            </a:extLst>
+          </p:cNvPr>
           <p:cNvSpPr>
             <a:spLocks noGrp="1"/>
           </p:cNvSpPr>
@@ -5202,8 +7420,8 @@
         </p:nvSpPr>
         <p:spPr>
           <a:xfrm>
-            <a:off x="6553200" y="6356350"/>
-            <a:ext cx="2133600" cy="365125"/>
+            <a:off x="6457950" y="6356353"/>
+            <a:ext cx="2057400" cy="365125"/>
           </a:xfrm>
           <a:prstGeom prst="rect">
             <a:avLst/>
@@ -5213,7 +7431,7 @@
           <a:bodyPr anchor="ctr" bIns="45720" lIns="91440" rIns="91440" rtlCol="0" tIns="45720" vert="horz"/>
           <a:lstStyle>
             <a:lvl1pPr algn="r">
-              <a:defRPr sz="1200">
+              <a:defRPr sz="675">
                 <a:solidFill>
                   <a:schemeClr val="tx1">
                     <a:tint val="75000"/>
@@ -5223,7 +7441,7 @@
             </a:lvl1pPr>
           </a:lstStyle>
           <a:p>
-            <a:fld id="{C1FF6DA9-008F-8B48-92A6-B652298478BF}" type="slidenum">
+            <a:fld id="{C5EF2332-01BF-834F-8236-50238282D533}" type="slidenum">
               <a:rPr lang="en-US" smtClean="0"/>
               <a:t>‹#›</a:t>
             </a:fld>
@@ -5234,124 +7452,173 @@
     </p:spTree>
     <p:extLst>
       <p:ext uri="{BB962C8B-B14F-4D97-AF65-F5344CB8AC3E}">
-        <p14:creationId xmlns:p14="http://schemas.microsoft.com/office/powerpoint/2010/main" val="2209977519"/>
+        <p14:creationId xmlns:p14="http://schemas.microsoft.com/office/powerpoint/2010/main" val="2174907448"/>
       </p:ext>
     </p:extLst>
   </p:cSld>
   <p:clrMap accent1="accent1" accent2="accent2" accent3="accent3" accent4="accent4" accent5="accent5" accent6="accent6" bg1="lt1" bg2="lt2" folHlink="folHlink" hlink="hlink" tx1="dk1" tx2="dk2"/>
   <p:sldLayoutIdLst>
-    <p:sldLayoutId id="2147483649" r:id="rId1"/>
-    <p:sldLayoutId id="2147483650" r:id="rId2"/>
-    <p:sldLayoutId id="2147483651" r:id="rId3"/>
-    <p:sldLayoutId id="2147483652" r:id="rId4"/>
-    <p:sldLayoutId id="2147483653" r:id="rId5"/>
-    <p:sldLayoutId id="2147483654" r:id="rId6"/>
-    <p:sldLayoutId id="2147483655" r:id="rId7"/>
-    <p:sldLayoutId id="2147483656" r:id="rId8"/>
-    <p:sldLayoutId id="2147483657" r:id="rId9"/>
-    <p:sldLayoutId id="2147483658" r:id="rId10"/>
-    <p:sldLayoutId id="2147483659" r:id="rId11"/>
+    <p:sldLayoutId id="2147483661" r:id="rId1"/>
+    <p:sldLayoutId id="2147483662" r:id="rId2"/>
+    <p:sldLayoutId id="2147483663" r:id="rId3"/>
+    <p:sldLayoutId id="2147483664" r:id="rId4"/>
+    <p:sldLayoutId id="2147483665" r:id="rId5"/>
+    <p:sldLayoutId id="2147483666" r:id="rId6"/>
+    <p:sldLayoutId id="2147483667" r:id="rId7"/>
+    <p:sldLayoutId id="2147483668" r:id="rId8"/>
+    <p:sldLayoutId id="2147483669" r:id="rId9"/>
+    <p:sldLayoutId id="2147483670" r:id="rId10"/>
+    <p:sldLayoutId id="2147483671" r:id="rId11"/>
+    <p:sldLayoutId id="2147483672" r:id="rId12"/>
+    <p:sldLayoutId id="2147483673" r:id="rId13"/>
+    <p:sldLayoutId id="2147483674" r:id="rId14"/>
+    <p:sldLayoutId id="2147483675" r:id="rId15"/>
+    <p:sldLayoutId id="2147483676" r:id="rId16"/>
+    <p:sldLayoutId id="2147483677" r:id="rId17"/>
+    <p:sldLayoutId id="2147483678" r:id="rId18"/>
+    <p:sldLayoutId id="2147483679" r:id="rId19"/>
+    <p:sldLayoutId id="2147483680" r:id="rId20"/>
+    <p:sldLayoutId id="2147483681" r:id="rId21"/>
+    <p:sldLayoutId id="2147483682" r:id="rId22"/>
+    <p:sldLayoutId id="2147483683" r:id="rId23"/>
+    <p:sldLayoutId id="2147483684" r:id="rId24"/>
   </p:sldLayoutIdLst>
   <p:txStyles>
     <p:titleStyle>
-      <a:lvl1pPr algn="ctr" defTabSz="457200" eaLnBrk="1" hangingPunct="1" latinLnBrk="0" rtl="0">
+      <a:lvl1pPr algn="ctr" defTabSz="514350" eaLnBrk="1" hangingPunct="1" latinLnBrk="0" rtl="0">
+        <a:lnSpc>
+          <a:spcPct val="90000"/>
+        </a:lnSpc>
         <a:spcBef>
           <a:spcPct val="0"/>
         </a:spcBef>
         <a:buNone/>
-        <a:defRPr kern="1200" sz="4400">
+        <a:defRPr b="1" i="0" kern="1200" sz="3200">
           <a:solidFill>
-            <a:schemeClr val="tx1"/>
+            <a:srgbClr val="3EE3F4"/>
           </a:solidFill>
-          <a:latin typeface="+mj-lt"/>
+          <a:latin charset="0" panose="020B0702040204020203" pitchFamily="34" typeface="Segoe UI Semibold"/>
           <a:ea typeface="+mj-ea"/>
-          <a:cs typeface="+mj-cs"/>
+          <a:cs charset="0" panose="020B0702040204020203" pitchFamily="34" typeface="Segoe UI Semibold"/>
         </a:defRPr>
       </a:lvl1pPr>
     </p:titleStyle>
     <p:bodyStyle>
-      <a:lvl1pPr algn="l" defTabSz="457200" eaLnBrk="1" hangingPunct="1" indent="-342900" latinLnBrk="0" marL="342900" rtl="0">
+      <a:lvl1pPr algn="l" defTabSz="514350" eaLnBrk="1" hangingPunct="1" indent="-269875" latinLnBrk="0" marL="269875" rtl="0">
+        <a:lnSpc>
+          <a:spcPct val="90000"/>
+        </a:lnSpc>
         <a:spcBef>
-          <a:spcPct val="20000"/>
+          <a:spcPts val="563"/>
         </a:spcBef>
-        <a:buFont typeface="Arial"/>
-        <a:buChar char="•"/>
-        <a:defRPr kern="1200" sz="3200">
-          <a:solidFill>
-            <a:schemeClr val="tx1"/>
-          </a:solidFill>
-          <a:latin typeface="+mn-lt"/>
-          <a:ea typeface="+mn-ea"/>
-          <a:cs typeface="+mn-cs"/>
-        </a:defRPr>
-      </a:lvl1pPr>
-      <a:lvl2pPr algn="l" defTabSz="457200" eaLnBrk="1" hangingPunct="1" indent="-285750" latinLnBrk="0" marL="742950" rtl="0">
-        <a:spcBef>
-          <a:spcPct val="20000"/>
-        </a:spcBef>
-        <a:buFont typeface="Arial"/>
-        <a:buChar char="–"/>
-        <a:defRPr kern="1200" sz="2800">
-          <a:solidFill>
-            <a:schemeClr val="tx1"/>
-          </a:solidFill>
-          <a:latin typeface="+mn-lt"/>
-          <a:ea typeface="+mn-ea"/>
-          <a:cs typeface="+mn-cs"/>
-        </a:defRPr>
-      </a:lvl2pPr>
-      <a:lvl3pPr algn="l" defTabSz="457200" eaLnBrk="1" hangingPunct="1" indent="-228600" latinLnBrk="0" marL="1143000" rtl="0">
-        <a:spcBef>
-          <a:spcPct val="20000"/>
-        </a:spcBef>
-        <a:buFont typeface="Arial"/>
+        <a:buClr>
+          <a:srgbClr val="266D7E"/>
+        </a:buClr>
+        <a:buFont charset="0" panose="020B0604020202020204" pitchFamily="34" typeface="Arial"/>
         <a:buChar char="•"/>
         <a:defRPr kern="1200" sz="2400">
           <a:solidFill>
-            <a:schemeClr val="tx1"/>
+            <a:srgbClr val="266D7E"/>
           </a:solidFill>
-          <a:latin typeface="+mn-lt"/>
+          <a:latin charset="0" panose="02040503050203030202" pitchFamily="18" typeface="Mangal"/>
           <a:ea typeface="+mn-ea"/>
-          <a:cs typeface="+mn-cs"/>
+          <a:cs charset="0" panose="02040503050203030202" pitchFamily="18" typeface="Mangal"/>
+        </a:defRPr>
+      </a:lvl1pPr>
+      <a:lvl2pPr algn="l" defTabSz="514350" eaLnBrk="1" hangingPunct="1" indent="-190500" latinLnBrk="0" marL="447675" rtl="0">
+        <a:lnSpc>
+          <a:spcPct val="90000"/>
+        </a:lnSpc>
+        <a:spcBef>
+          <a:spcPts val="281"/>
+        </a:spcBef>
+        <a:buClr>
+          <a:srgbClr val="266D7E"/>
+        </a:buClr>
+        <a:buFont charset="0" panose="020B0604020202020204" pitchFamily="34" typeface="Arial"/>
+        <a:buChar char="•"/>
+        <a:defRPr kern="1200" sz="2400">
+          <a:solidFill>
+            <a:srgbClr val="266D7E"/>
+          </a:solidFill>
+          <a:latin charset="0" panose="02040503050203030202" pitchFamily="18" typeface="Mangal"/>
+          <a:ea typeface="+mn-ea"/>
+          <a:cs charset="0" panose="02040503050203030202" pitchFamily="18" typeface="Mangal"/>
+        </a:defRPr>
+      </a:lvl2pPr>
+      <a:lvl3pPr algn="l" defTabSz="514350" eaLnBrk="1" hangingPunct="1" indent="-203200" latinLnBrk="0" marL="717550" rtl="0">
+        <a:lnSpc>
+          <a:spcPct val="90000"/>
+        </a:lnSpc>
+        <a:spcBef>
+          <a:spcPts val="281"/>
+        </a:spcBef>
+        <a:buClr>
+          <a:srgbClr val="266D7E"/>
+        </a:buClr>
+        <a:buFont charset="0" panose="020B0604020202020204" pitchFamily="34" typeface="Arial"/>
+        <a:buChar char="•"/>
+        <a:defRPr kern="1200" sz="2400">
+          <a:solidFill>
+            <a:srgbClr val="266D7E"/>
+          </a:solidFill>
+          <a:latin charset="0" panose="02040503050203030202" pitchFamily="18" typeface="Mangal"/>
+          <a:ea typeface="+mn-ea"/>
+          <a:cs charset="0" panose="02040503050203030202" pitchFamily="18" typeface="Mangal"/>
         </a:defRPr>
       </a:lvl3pPr>
-      <a:lvl4pPr algn="l" defTabSz="457200" eaLnBrk="1" hangingPunct="1" indent="-228600" latinLnBrk="0" marL="1600200" rtl="0">
+      <a:lvl4pPr algn="l" defTabSz="514350" eaLnBrk="1" hangingPunct="1" indent="-215900" latinLnBrk="0" marL="987425" rtl="0">
+        <a:lnSpc>
+          <a:spcPct val="90000"/>
+        </a:lnSpc>
         <a:spcBef>
-          <a:spcPct val="20000"/>
+          <a:spcPts val="281"/>
         </a:spcBef>
-        <a:buFont typeface="Arial"/>
-        <a:buChar char="–"/>
-        <a:defRPr kern="1200" sz="2000">
+        <a:buClr>
+          <a:srgbClr val="266D7E"/>
+        </a:buClr>
+        <a:buFont charset="0" panose="020B0604020202020204" pitchFamily="34" typeface="Arial"/>
+        <a:buChar char="•"/>
+        <a:defRPr kern="1200" sz="2400">
           <a:solidFill>
-            <a:schemeClr val="tx1"/>
+            <a:srgbClr val="266D7E"/>
           </a:solidFill>
-          <a:latin typeface="+mn-lt"/>
+          <a:latin charset="0" panose="02040503050203030202" pitchFamily="18" typeface="Mangal"/>
           <a:ea typeface="+mn-ea"/>
-          <a:cs typeface="+mn-cs"/>
+          <a:cs charset="0" panose="02040503050203030202" pitchFamily="18" typeface="Mangal"/>
         </a:defRPr>
       </a:lvl4pPr>
-      <a:lvl5pPr algn="l" defTabSz="457200" eaLnBrk="1" hangingPunct="1" indent="-228600" latinLnBrk="0" marL="2057400" rtl="0">
+      <a:lvl5pPr algn="l" defTabSz="514350" eaLnBrk="1" hangingPunct="1" indent="-228600" latinLnBrk="0" marL="1257300" rtl="0">
+        <a:lnSpc>
+          <a:spcPct val="90000"/>
+        </a:lnSpc>
         <a:spcBef>
-          <a:spcPct val="20000"/>
+          <a:spcPts val="281"/>
         </a:spcBef>
-        <a:buFont typeface="Arial"/>
-        <a:buChar char="»"/>
-        <a:defRPr kern="1200" sz="2000">
+        <a:buClr>
+          <a:srgbClr val="266D7E"/>
+        </a:buClr>
+        <a:buFont charset="0" panose="020B0604020202020204" pitchFamily="34" typeface="Arial"/>
+        <a:buChar char="•"/>
+        <a:defRPr kern="1200" sz="2400">
           <a:solidFill>
-            <a:schemeClr val="tx1"/>
+            <a:srgbClr val="266D7E"/>
           </a:solidFill>
-          <a:latin typeface="+mn-lt"/>
+          <a:latin charset="0" panose="02040503050203030202" pitchFamily="18" typeface="Mangal"/>
           <a:ea typeface="+mn-ea"/>
-          <a:cs typeface="+mn-cs"/>
+          <a:cs charset="0" panose="02040503050203030202" pitchFamily="18" typeface="Mangal"/>
         </a:defRPr>
       </a:lvl5pPr>
-      <a:lvl6pPr algn="l" defTabSz="457200" eaLnBrk="1" hangingPunct="1" indent="-228600" latinLnBrk="0" marL="2514600" rtl="0">
+      <a:lvl6pPr algn="l" defTabSz="514350" eaLnBrk="1" hangingPunct="1" indent="-128588" latinLnBrk="0" marL="1414463" rtl="0">
+        <a:lnSpc>
+          <a:spcPct val="90000"/>
+        </a:lnSpc>
         <a:spcBef>
-          <a:spcPct val="20000"/>
+          <a:spcPts val="281"/>
         </a:spcBef>
-        <a:buFont typeface="Arial"/>
+        <a:buFont charset="0" panose="020B0604020202020204" pitchFamily="34" typeface="Arial"/>
         <a:buChar char="•"/>
-        <a:defRPr kern="1200" sz="2000">
+        <a:defRPr kern="1200" sz="1013">
           <a:solidFill>
             <a:schemeClr val="tx1"/>
           </a:solidFill>
@@ -5360,13 +7627,16 @@
           <a:cs typeface="+mn-cs"/>
         </a:defRPr>
       </a:lvl6pPr>
-      <a:lvl7pPr algn="l" defTabSz="457200" eaLnBrk="1" hangingPunct="1" indent="-228600" latinLnBrk="0" marL="2971800" rtl="0">
+      <a:lvl7pPr algn="l" defTabSz="514350" eaLnBrk="1" hangingPunct="1" indent="-128588" latinLnBrk="0" marL="1671638" rtl="0">
+        <a:lnSpc>
+          <a:spcPct val="90000"/>
+        </a:lnSpc>
         <a:spcBef>
-          <a:spcPct val="20000"/>
+          <a:spcPts val="281"/>
         </a:spcBef>
-        <a:buFont typeface="Arial"/>
+        <a:buFont charset="0" panose="020B0604020202020204" pitchFamily="34" typeface="Arial"/>
         <a:buChar char="•"/>
-        <a:defRPr kern="1200" sz="2000">
+        <a:defRPr kern="1200" sz="1013">
           <a:solidFill>
             <a:schemeClr val="tx1"/>
           </a:solidFill>
@@ -5375,13 +7645,16 @@
           <a:cs typeface="+mn-cs"/>
         </a:defRPr>
       </a:lvl7pPr>
-      <a:lvl8pPr algn="l" defTabSz="457200" eaLnBrk="1" hangingPunct="1" indent="-228600" latinLnBrk="0" marL="3429000" rtl="0">
+      <a:lvl8pPr algn="l" defTabSz="514350" eaLnBrk="1" hangingPunct="1" indent="-128588" latinLnBrk="0" marL="1928813" rtl="0">
+        <a:lnSpc>
+          <a:spcPct val="90000"/>
+        </a:lnSpc>
         <a:spcBef>
-          <a:spcPct val="20000"/>
+          <a:spcPts val="281"/>
         </a:spcBef>
-        <a:buFont typeface="Arial"/>
+        <a:buFont charset="0" panose="020B0604020202020204" pitchFamily="34" typeface="Arial"/>
         <a:buChar char="•"/>
-        <a:defRPr kern="1200" sz="2000">
+        <a:defRPr kern="1200" sz="1013">
           <a:solidFill>
             <a:schemeClr val="tx1"/>
           </a:solidFill>
@@ -5390,13 +7663,16 @@
           <a:cs typeface="+mn-cs"/>
         </a:defRPr>
       </a:lvl8pPr>
-      <a:lvl9pPr algn="l" defTabSz="457200" eaLnBrk="1" hangingPunct="1" indent="-228600" latinLnBrk="0" marL="3886200" rtl="0">
+      <a:lvl9pPr algn="l" defTabSz="514350" eaLnBrk="1" hangingPunct="1" indent="-128588" latinLnBrk="0" marL="2185988" rtl="0">
+        <a:lnSpc>
+          <a:spcPct val="90000"/>
+        </a:lnSpc>
         <a:spcBef>
-          <a:spcPct val="20000"/>
+          <a:spcPts val="281"/>
         </a:spcBef>
-        <a:buFont typeface="Arial"/>
+        <a:buFont charset="0" panose="020B0604020202020204" pitchFamily="34" typeface="Arial"/>
         <a:buChar char="•"/>
-        <a:defRPr kern="1200" sz="2000">
+        <a:defRPr kern="1200" sz="1013">
           <a:solidFill>
             <a:schemeClr val="tx1"/>
           </a:solidFill>
@@ -5410,8 +7686,8 @@
       <a:defPPr>
         <a:defRPr lang="en-US"/>
       </a:defPPr>
-      <a:lvl1pPr algn="l" defTabSz="457200" eaLnBrk="1" hangingPunct="1" latinLnBrk="0" marL="0" rtl="0">
-        <a:defRPr kern="1200" sz="1800">
+      <a:lvl1pPr algn="l" defTabSz="514350" eaLnBrk="1" hangingPunct="1" latinLnBrk="0" marL="0" rtl="0">
+        <a:defRPr kern="1200" sz="1013">
           <a:solidFill>
             <a:schemeClr val="tx1"/>
           </a:solidFill>
@@ -5420,8 +7696,8 @@
           <a:cs typeface="+mn-cs"/>
         </a:defRPr>
       </a:lvl1pPr>
-      <a:lvl2pPr algn="l" defTabSz="457200" eaLnBrk="1" hangingPunct="1" latinLnBrk="0" marL="457200" rtl="0">
-        <a:defRPr kern="1200" sz="1800">
+      <a:lvl2pPr algn="l" defTabSz="514350" eaLnBrk="1" hangingPunct="1" latinLnBrk="0" marL="257175" rtl="0">
+        <a:defRPr kern="1200" sz="1013">
           <a:solidFill>
             <a:schemeClr val="tx1"/>
           </a:solidFill>
@@ -5430,8 +7706,8 @@
           <a:cs typeface="+mn-cs"/>
         </a:defRPr>
       </a:lvl2pPr>
-      <a:lvl3pPr algn="l" defTabSz="457200" eaLnBrk="1" hangingPunct="1" latinLnBrk="0" marL="914400" rtl="0">
-        <a:defRPr kern="1200" sz="1800">
+      <a:lvl3pPr algn="l" defTabSz="514350" eaLnBrk="1" hangingPunct="1" latinLnBrk="0" marL="514350" rtl="0">
+        <a:defRPr kern="1200" sz="1013">
           <a:solidFill>
             <a:schemeClr val="tx1"/>
           </a:solidFill>
@@ -5440,8 +7716,8 @@
           <a:cs typeface="+mn-cs"/>
         </a:defRPr>
       </a:lvl3pPr>
-      <a:lvl4pPr algn="l" defTabSz="457200" eaLnBrk="1" hangingPunct="1" latinLnBrk="0" marL="1371600" rtl="0">
-        <a:defRPr kern="1200" sz="1800">
+      <a:lvl4pPr algn="l" defTabSz="514350" eaLnBrk="1" hangingPunct="1" latinLnBrk="0" marL="771525" rtl="0">
+        <a:defRPr kern="1200" sz="1013">
           <a:solidFill>
             <a:schemeClr val="tx1"/>
           </a:solidFill>
@@ -5450,8 +7726,8 @@
           <a:cs typeface="+mn-cs"/>
         </a:defRPr>
       </a:lvl4pPr>
-      <a:lvl5pPr algn="l" defTabSz="457200" eaLnBrk="1" hangingPunct="1" latinLnBrk="0" marL="1828800" rtl="0">
-        <a:defRPr kern="1200" sz="1800">
+      <a:lvl5pPr algn="l" defTabSz="514350" eaLnBrk="1" hangingPunct="1" latinLnBrk="0" marL="1028700" rtl="0">
+        <a:defRPr kern="1200" sz="1013">
           <a:solidFill>
             <a:schemeClr val="tx1"/>
           </a:solidFill>
@@ -5460,8 +7736,8 @@
           <a:cs typeface="+mn-cs"/>
         </a:defRPr>
       </a:lvl5pPr>
-      <a:lvl6pPr algn="l" defTabSz="457200" eaLnBrk="1" hangingPunct="1" latinLnBrk="0" marL="2286000" rtl="0">
-        <a:defRPr kern="1200" sz="1800">
+      <a:lvl6pPr algn="l" defTabSz="514350" eaLnBrk="1" hangingPunct="1" latinLnBrk="0" marL="1285875" rtl="0">
+        <a:defRPr kern="1200" sz="1013">
           <a:solidFill>
             <a:schemeClr val="tx1"/>
           </a:solidFill>
@@ -5470,8 +7746,8 @@
           <a:cs typeface="+mn-cs"/>
         </a:defRPr>
       </a:lvl6pPr>
-      <a:lvl7pPr algn="l" defTabSz="457200" eaLnBrk="1" hangingPunct="1" latinLnBrk="0" marL="2743200" rtl="0">
-        <a:defRPr kern="1200" sz="1800">
+      <a:lvl7pPr algn="l" defTabSz="514350" eaLnBrk="1" hangingPunct="1" latinLnBrk="0" marL="1543050" rtl="0">
+        <a:defRPr kern="1200" sz="1013">
           <a:solidFill>
             <a:schemeClr val="tx1"/>
           </a:solidFill>
@@ -5480,8 +7756,8 @@
           <a:cs typeface="+mn-cs"/>
         </a:defRPr>
       </a:lvl7pPr>
-      <a:lvl8pPr algn="l" defTabSz="457200" eaLnBrk="1" hangingPunct="1" latinLnBrk="0" marL="3200400" rtl="0">
-        <a:defRPr kern="1200" sz="1800">
+      <a:lvl8pPr algn="l" defTabSz="514350" eaLnBrk="1" hangingPunct="1" latinLnBrk="0" marL="1800225" rtl="0">
+        <a:defRPr kern="1200" sz="1013">
           <a:solidFill>
             <a:schemeClr val="tx1"/>
           </a:solidFill>
@@ -5490,8 +7766,8 @@
           <a:cs typeface="+mn-cs"/>
         </a:defRPr>
       </a:lvl8pPr>
-      <a:lvl9pPr algn="l" defTabSz="457200" eaLnBrk="1" hangingPunct="1" latinLnBrk="0" marL="3657600" rtl="0">
-        <a:defRPr kern="1200" sz="1800">
+      <a:lvl9pPr algn="l" defTabSz="514350" eaLnBrk="1" hangingPunct="1" latinLnBrk="0" marL="2057400" rtl="0">
+        <a:defRPr kern="1200" sz="1013">
           <a:solidFill>
             <a:schemeClr val="tx1"/>
           </a:solidFill>
@@ -5524,7 +7800,13 @@
       </p:grpSpPr>
       <p:sp>
         <p:nvSpPr>
-          <p:cNvPr id="2" name="Title 1"/>
+          <p:cNvPr id="2" name="Title 1">
+            <a:extLst>
+              <a:ext uri="{FF2B5EF4-FFF2-40B4-BE49-F238E27FC236}">
+                <a16:creationId xmlns:a16="http://schemas.microsoft.com/office/drawing/2014/main" id="{5216EB9F-821C-3043-9B29-83C5977F52F4}"/>
+              </a:ext>
+            </a:extLst>
+          </p:cNvPr>
           <p:cNvSpPr>
             <a:spLocks noGrp="1"/>
           </p:cNvSpPr>
@@ -5534,8 +7816,8 @@
         </p:nvSpPr>
         <p:spPr>
           <a:xfrm>
-            <a:off x="685800" y="2130425"/>
-            <a:ext cx="7772400" cy="1470025"/>
+            <a:off x="1143000" y="677667"/>
+            <a:ext cx="6858000" cy="1987895"/>
           </a:xfrm>
         </p:spPr>
         <p:txBody>
@@ -5554,7 +7836,13 @@
       </p:sp>
       <p:sp>
         <p:nvSpPr>
-          <p:cNvPr id="3" name="Subtitle 2"/>
+          <p:cNvPr id="3" name="Subtitle 2">
+            <a:extLst>
+              <a:ext uri="{FF2B5EF4-FFF2-40B4-BE49-F238E27FC236}">
+                <a16:creationId xmlns:a16="http://schemas.microsoft.com/office/drawing/2014/main" id="{8C337200-5D83-FE46-9E69-B6B1D353C69A}"/>
+              </a:ext>
+            </a:extLst>
+          </p:cNvPr>
           <p:cNvSpPr>
             <a:spLocks noGrp="1"/>
           </p:cNvSpPr>
@@ -5564,8 +7852,8 @@
         </p:nvSpPr>
         <p:spPr>
           <a:xfrm>
-            <a:off x="1371600" y="3886200"/>
-            <a:ext cx="6400800" cy="1752600"/>
+            <a:off x="1143000" y="4542318"/>
+            <a:ext cx="6858000" cy="733231"/>
           </a:xfrm>
         </p:spPr>
         <p:txBody>
@@ -5604,7 +7892,13 @@
       </p:grpSpPr>
       <p:sp>
         <p:nvSpPr>
-          <p:cNvPr id="2" name="Title 1"/>
+          <p:cNvPr id="2" name="Title 1">
+            <a:extLst>
+              <a:ext uri="{FF2B5EF4-FFF2-40B4-BE49-F238E27FC236}">
+                <a16:creationId xmlns:a16="http://schemas.microsoft.com/office/drawing/2014/main" id="{DD9B8E45-0772-954C-8D4B-6E6808DFEDED}"/>
+              </a:ext>
+            </a:extLst>
+          </p:cNvPr>
           <p:cNvSpPr>
             <a:spLocks noGrp="1"/>
           </p:cNvSpPr>
@@ -5629,12 +7923,18 @@
       </p:sp>
       <p:sp>
         <p:nvSpPr>
-          <p:cNvPr id="3" name="Content Placeholder 2"/>
-          <p:cNvSpPr>
-            <a:spLocks noGrp="1"/>
-          </p:cNvSpPr>
-          <p:nvPr>
-            <p:ph idx="1"/>
+          <p:cNvPr id="3" name="Content Placeholder 2">
+            <a:extLst>
+              <a:ext uri="{FF2B5EF4-FFF2-40B4-BE49-F238E27FC236}">
+                <a16:creationId xmlns:a16="http://schemas.microsoft.com/office/drawing/2014/main" id="{A4EB24F9-04F1-C843-9D71-56C5C024552B}"/>
+              </a:ext>
+            </a:extLst>
+          </p:cNvPr>
+          <p:cNvSpPr>
+            <a:spLocks noGrp="1"/>
+          </p:cNvSpPr>
+          <p:nvPr>
+            <p:ph hasCustomPrompt="1" idx="1"/>
           </p:nvPr>
         </p:nvSpPr>
         <p:spPr/>
@@ -5695,7 +7995,13 @@
       </p:grpSpPr>
       <p:sp>
         <p:nvSpPr>
-          <p:cNvPr id="2" name="Title 1"/>
+          <p:cNvPr id="2" name="Title 1">
+            <a:extLst>
+              <a:ext uri="{FF2B5EF4-FFF2-40B4-BE49-F238E27FC236}">
+                <a16:creationId xmlns:a16="http://schemas.microsoft.com/office/drawing/2014/main" id="{DD9B8E45-0772-954C-8D4B-6E6808DFEDED}"/>
+              </a:ext>
+            </a:extLst>
+          </p:cNvPr>
           <p:cNvSpPr>
             <a:spLocks noGrp="1"/>
           </p:cNvSpPr>
@@ -5720,12 +8026,18 @@
       </p:sp>
       <p:sp>
         <p:nvSpPr>
-          <p:cNvPr id="3" name="Content Placeholder 2"/>
-          <p:cNvSpPr>
-            <a:spLocks noGrp="1"/>
-          </p:cNvSpPr>
-          <p:nvPr>
-            <p:ph idx="1"/>
+          <p:cNvPr id="3" name="Content Placeholder 2">
+            <a:extLst>
+              <a:ext uri="{FF2B5EF4-FFF2-40B4-BE49-F238E27FC236}">
+                <a16:creationId xmlns:a16="http://schemas.microsoft.com/office/drawing/2014/main" id="{A4EB24F9-04F1-C843-9D71-56C5C024552B}"/>
+              </a:ext>
+            </a:extLst>
+          </p:cNvPr>
+          <p:cNvSpPr>
+            <a:spLocks noGrp="1"/>
+          </p:cNvSpPr>
+          <p:nvPr>
+            <p:ph hasCustomPrompt="1" idx="1"/>
           </p:nvPr>
         </p:nvSpPr>
         <p:spPr/>
@@ -5786,7 +8098,13 @@
       </p:grpSpPr>
       <p:sp>
         <p:nvSpPr>
-          <p:cNvPr id="2" name="Title 1"/>
+          <p:cNvPr id="2" name="Title 1">
+            <a:extLst>
+              <a:ext uri="{FF2B5EF4-FFF2-40B4-BE49-F238E27FC236}">
+                <a16:creationId xmlns:a16="http://schemas.microsoft.com/office/drawing/2014/main" id="{DD9B8E45-0772-954C-8D4B-6E6808DFEDED}"/>
+              </a:ext>
+            </a:extLst>
+          </p:cNvPr>
           <p:cNvSpPr>
             <a:spLocks noGrp="1"/>
           </p:cNvSpPr>
@@ -5833,7 +8151,13 @@
       </p:grpSpPr>
       <p:sp>
         <p:nvSpPr>
-          <p:cNvPr id="2" name="Title 1"/>
+          <p:cNvPr id="2" name="Title 1">
+            <a:extLst>
+              <a:ext uri="{FF2B5EF4-FFF2-40B4-BE49-F238E27FC236}">
+                <a16:creationId xmlns:a16="http://schemas.microsoft.com/office/drawing/2014/main" id="{DD9B8E45-0772-954C-8D4B-6E6808DFEDED}"/>
+              </a:ext>
+            </a:extLst>
+          </p:cNvPr>
           <p:cNvSpPr>
             <a:spLocks noGrp="1"/>
           </p:cNvSpPr>
@@ -5858,12 +8182,18 @@
       </p:sp>
       <p:sp>
         <p:nvSpPr>
-          <p:cNvPr id="3" name="Content Placeholder 2"/>
-          <p:cNvSpPr>
-            <a:spLocks noGrp="1"/>
-          </p:cNvSpPr>
-          <p:nvPr>
-            <p:ph idx="1"/>
+          <p:cNvPr id="3" name="Content Placeholder 2">
+            <a:extLst>
+              <a:ext uri="{FF2B5EF4-FFF2-40B4-BE49-F238E27FC236}">
+                <a16:creationId xmlns:a16="http://schemas.microsoft.com/office/drawing/2014/main" id="{A4EB24F9-04F1-C843-9D71-56C5C024552B}"/>
+              </a:ext>
+            </a:extLst>
+          </p:cNvPr>
+          <p:cNvSpPr>
+            <a:spLocks noGrp="1"/>
+          </p:cNvSpPr>
+          <p:nvPr>
+            <p:ph hasCustomPrompt="1" idx="1"/>
           </p:nvPr>
         </p:nvSpPr>
         <p:spPr/>
@@ -5924,7 +8254,13 @@
       </p:grpSpPr>
       <p:sp>
         <p:nvSpPr>
-          <p:cNvPr id="2" name="Title 1"/>
+          <p:cNvPr id="2" name="Title 1">
+            <a:extLst>
+              <a:ext uri="{FF2B5EF4-FFF2-40B4-BE49-F238E27FC236}">
+                <a16:creationId xmlns:a16="http://schemas.microsoft.com/office/drawing/2014/main" id="{DD9B8E45-0772-954C-8D4B-6E6808DFEDED}"/>
+              </a:ext>
+            </a:extLst>
+          </p:cNvPr>
           <p:cNvSpPr>
             <a:spLocks noGrp="1"/>
           </p:cNvSpPr>
@@ -5949,12 +8285,18 @@
       </p:sp>
       <p:sp>
         <p:nvSpPr>
-          <p:cNvPr id="3" name="Content Placeholder 2"/>
-          <p:cNvSpPr>
-            <a:spLocks noGrp="1"/>
-          </p:cNvSpPr>
-          <p:nvPr>
-            <p:ph idx="1"/>
+          <p:cNvPr id="3" name="Content Placeholder 2">
+            <a:extLst>
+              <a:ext uri="{FF2B5EF4-FFF2-40B4-BE49-F238E27FC236}">
+                <a16:creationId xmlns:a16="http://schemas.microsoft.com/office/drawing/2014/main" id="{A4EB24F9-04F1-C843-9D71-56C5C024552B}"/>
+              </a:ext>
+            </a:extLst>
+          </p:cNvPr>
+          <p:cNvSpPr>
+            <a:spLocks noGrp="1"/>
+          </p:cNvSpPr>
+          <p:nvPr>
+            <p:ph hasCustomPrompt="1" idx="1"/>
           </p:nvPr>
         </p:nvSpPr>
         <p:spPr/>
@@ -6022,7 +8364,13 @@
       </p:grpSpPr>
       <p:sp>
         <p:nvSpPr>
-          <p:cNvPr id="2" name="Title 1"/>
+          <p:cNvPr id="2" name="Title 1">
+            <a:extLst>
+              <a:ext uri="{FF2B5EF4-FFF2-40B4-BE49-F238E27FC236}">
+                <a16:creationId xmlns:a16="http://schemas.microsoft.com/office/drawing/2014/main" id="{DD9B8E45-0772-954C-8D4B-6E6808DFEDED}"/>
+              </a:ext>
+            </a:extLst>
+          </p:cNvPr>
           <p:cNvSpPr>
             <a:spLocks noGrp="1"/>
           </p:cNvSpPr>
@@ -6047,12 +8395,18 @@
       </p:sp>
       <p:sp>
         <p:nvSpPr>
-          <p:cNvPr id="3" name="Content Placeholder 2"/>
-          <p:cNvSpPr>
-            <a:spLocks noGrp="1"/>
-          </p:cNvSpPr>
-          <p:nvPr>
-            <p:ph idx="1"/>
+          <p:cNvPr id="3" name="Content Placeholder 2">
+            <a:extLst>
+              <a:ext uri="{FF2B5EF4-FFF2-40B4-BE49-F238E27FC236}">
+                <a16:creationId xmlns:a16="http://schemas.microsoft.com/office/drawing/2014/main" id="{A4EB24F9-04F1-C843-9D71-56C5C024552B}"/>
+              </a:ext>
+            </a:extLst>
+          </p:cNvPr>
+          <p:cNvSpPr>
+            <a:spLocks noGrp="1"/>
+          </p:cNvSpPr>
+          <p:nvPr>
+            <p:ph hasCustomPrompt="1" idx="1"/>
           </p:nvPr>
         </p:nvSpPr>
         <p:spPr/>
@@ -6113,7 +8467,13 @@
       </p:grpSpPr>
       <p:sp>
         <p:nvSpPr>
-          <p:cNvPr id="2" name="Title 1"/>
+          <p:cNvPr id="2" name="Title 1">
+            <a:extLst>
+              <a:ext uri="{FF2B5EF4-FFF2-40B4-BE49-F238E27FC236}">
+                <a16:creationId xmlns:a16="http://schemas.microsoft.com/office/drawing/2014/main" id="{DD9B8E45-0772-954C-8D4B-6E6808DFEDED}"/>
+              </a:ext>
+            </a:extLst>
+          </p:cNvPr>
           <p:cNvSpPr>
             <a:spLocks noGrp="1"/>
           </p:cNvSpPr>
@@ -6160,7 +8520,13 @@
       </p:grpSpPr>
       <p:sp>
         <p:nvSpPr>
-          <p:cNvPr id="2" name="Title 1"/>
+          <p:cNvPr id="2" name="Title 1">
+            <a:extLst>
+              <a:ext uri="{FF2B5EF4-FFF2-40B4-BE49-F238E27FC236}">
+                <a16:creationId xmlns:a16="http://schemas.microsoft.com/office/drawing/2014/main" id="{DD9B8E45-0772-954C-8D4B-6E6808DFEDED}"/>
+              </a:ext>
+            </a:extLst>
+          </p:cNvPr>
           <p:cNvSpPr>
             <a:spLocks noGrp="1"/>
           </p:cNvSpPr>
@@ -6185,12 +8551,18 @@
       </p:sp>
       <p:sp>
         <p:nvSpPr>
-          <p:cNvPr id="3" name="Content Placeholder 2"/>
-          <p:cNvSpPr>
-            <a:spLocks noGrp="1"/>
-          </p:cNvSpPr>
-          <p:nvPr>
-            <p:ph idx="1"/>
+          <p:cNvPr id="3" name="Content Placeholder 2">
+            <a:extLst>
+              <a:ext uri="{FF2B5EF4-FFF2-40B4-BE49-F238E27FC236}">
+                <a16:creationId xmlns:a16="http://schemas.microsoft.com/office/drawing/2014/main" id="{A4EB24F9-04F1-C843-9D71-56C5C024552B}"/>
+              </a:ext>
+            </a:extLst>
+          </p:cNvPr>
+          <p:cNvSpPr>
+            <a:spLocks noGrp="1"/>
+          </p:cNvSpPr>
+          <p:nvPr>
+            <p:ph hasCustomPrompt="1" idx="1"/>
           </p:nvPr>
         </p:nvSpPr>
         <p:spPr/>
@@ -6251,7 +8623,13 @@
       </p:grpSpPr>
       <p:sp>
         <p:nvSpPr>
-          <p:cNvPr id="2" name="Title 1"/>
+          <p:cNvPr id="2" name="Title 1">
+            <a:extLst>
+              <a:ext uri="{FF2B5EF4-FFF2-40B4-BE49-F238E27FC236}">
+                <a16:creationId xmlns:a16="http://schemas.microsoft.com/office/drawing/2014/main" id="{DD9B8E45-0772-954C-8D4B-6E6808DFEDED}"/>
+              </a:ext>
+            </a:extLst>
+          </p:cNvPr>
           <p:cNvSpPr>
             <a:spLocks noGrp="1"/>
           </p:cNvSpPr>
@@ -6276,12 +8654,18 @@
       </p:sp>
       <p:sp>
         <p:nvSpPr>
-          <p:cNvPr id="3" name="Content Placeholder 2"/>
-          <p:cNvSpPr>
-            <a:spLocks noGrp="1"/>
-          </p:cNvSpPr>
-          <p:nvPr>
-            <p:ph idx="1"/>
+          <p:cNvPr id="3" name="Content Placeholder 2">
+            <a:extLst>
+              <a:ext uri="{FF2B5EF4-FFF2-40B4-BE49-F238E27FC236}">
+                <a16:creationId xmlns:a16="http://schemas.microsoft.com/office/drawing/2014/main" id="{A4EB24F9-04F1-C843-9D71-56C5C024552B}"/>
+              </a:ext>
+            </a:extLst>
+          </p:cNvPr>
+          <p:cNvSpPr>
+            <a:spLocks noGrp="1"/>
+          </p:cNvSpPr>
+          <p:nvPr>
+            <p:ph hasCustomPrompt="1" idx="1"/>
           </p:nvPr>
         </p:nvSpPr>
         <p:spPr/>
@@ -6362,7 +8746,13 @@
       </p:grpSpPr>
       <p:sp>
         <p:nvSpPr>
-          <p:cNvPr id="2" name="Title 1"/>
+          <p:cNvPr id="2" name="Title 1">
+            <a:extLst>
+              <a:ext uri="{FF2B5EF4-FFF2-40B4-BE49-F238E27FC236}">
+                <a16:creationId xmlns:a16="http://schemas.microsoft.com/office/drawing/2014/main" id="{DD9B8E45-0772-954C-8D4B-6E6808DFEDED}"/>
+              </a:ext>
+            </a:extLst>
+          </p:cNvPr>
           <p:cNvSpPr>
             <a:spLocks noGrp="1"/>
           </p:cNvSpPr>
@@ -6387,12 +8777,18 @@
       </p:sp>
       <p:sp>
         <p:nvSpPr>
-          <p:cNvPr id="3" name="Content Placeholder 2"/>
-          <p:cNvSpPr>
-            <a:spLocks noGrp="1"/>
-          </p:cNvSpPr>
-          <p:nvPr>
-            <p:ph idx="1"/>
+          <p:cNvPr id="3" name="Content Placeholder 2">
+            <a:extLst>
+              <a:ext uri="{FF2B5EF4-FFF2-40B4-BE49-F238E27FC236}">
+                <a16:creationId xmlns:a16="http://schemas.microsoft.com/office/drawing/2014/main" id="{A4EB24F9-04F1-C843-9D71-56C5C024552B}"/>
+              </a:ext>
+            </a:extLst>
+          </p:cNvPr>
+          <p:cNvSpPr>
+            <a:spLocks noGrp="1"/>
+          </p:cNvSpPr>
+          <p:nvPr>
+            <p:ph hasCustomPrompt="1" idx="1"/>
           </p:nvPr>
         </p:nvSpPr>
         <p:spPr/>
@@ -6490,7 +8886,13 @@
       </p:grpSpPr>
       <p:sp>
         <p:nvSpPr>
-          <p:cNvPr id="2" name="Title 1"/>
+          <p:cNvPr id="2" name="Title 1">
+            <a:extLst>
+              <a:ext uri="{FF2B5EF4-FFF2-40B4-BE49-F238E27FC236}">
+                <a16:creationId xmlns:a16="http://schemas.microsoft.com/office/drawing/2014/main" id="{DD9B8E45-0772-954C-8D4B-6E6808DFEDED}"/>
+              </a:ext>
+            </a:extLst>
+          </p:cNvPr>
           <p:cNvSpPr>
             <a:spLocks noGrp="1"/>
           </p:cNvSpPr>
@@ -6537,7 +8939,13 @@
       </p:grpSpPr>
       <p:sp>
         <p:nvSpPr>
-          <p:cNvPr id="2" name="Title 1"/>
+          <p:cNvPr id="2" name="Title 1">
+            <a:extLst>
+              <a:ext uri="{FF2B5EF4-FFF2-40B4-BE49-F238E27FC236}">
+                <a16:creationId xmlns:a16="http://schemas.microsoft.com/office/drawing/2014/main" id="{DD9B8E45-0772-954C-8D4B-6E6808DFEDED}"/>
+              </a:ext>
+            </a:extLst>
+          </p:cNvPr>
           <p:cNvSpPr>
             <a:spLocks noGrp="1"/>
           </p:cNvSpPr>
@@ -6562,12 +8970,18 @@
       </p:sp>
       <p:sp>
         <p:nvSpPr>
-          <p:cNvPr id="3" name="Content Placeholder 2"/>
-          <p:cNvSpPr>
-            <a:spLocks noGrp="1"/>
-          </p:cNvSpPr>
-          <p:nvPr>
-            <p:ph idx="1"/>
+          <p:cNvPr id="3" name="Content Placeholder 2">
+            <a:extLst>
+              <a:ext uri="{FF2B5EF4-FFF2-40B4-BE49-F238E27FC236}">
+                <a16:creationId xmlns:a16="http://schemas.microsoft.com/office/drawing/2014/main" id="{A4EB24F9-04F1-C843-9D71-56C5C024552B}"/>
+              </a:ext>
+            </a:extLst>
+          </p:cNvPr>
+          <p:cNvSpPr>
+            <a:spLocks noGrp="1"/>
+          </p:cNvSpPr>
+          <p:nvPr>
+            <p:ph hasCustomPrompt="1" idx="1"/>
           </p:nvPr>
         </p:nvSpPr>
         <p:spPr/>
@@ -6628,7 +9042,13 @@
       </p:grpSpPr>
       <p:sp>
         <p:nvSpPr>
-          <p:cNvPr id="2" name="Title 1"/>
+          <p:cNvPr id="2" name="Title 1">
+            <a:extLst>
+              <a:ext uri="{FF2B5EF4-FFF2-40B4-BE49-F238E27FC236}">
+                <a16:creationId xmlns:a16="http://schemas.microsoft.com/office/drawing/2014/main" id="{DD9B8E45-0772-954C-8D4B-6E6808DFEDED}"/>
+              </a:ext>
+            </a:extLst>
+          </p:cNvPr>
           <p:cNvSpPr>
             <a:spLocks noGrp="1"/>
           </p:cNvSpPr>
@@ -6675,7 +9095,13 @@
       </p:grpSpPr>
       <p:sp>
         <p:nvSpPr>
-          <p:cNvPr id="2" name="Title 1"/>
+          <p:cNvPr id="2" name="Title 1">
+            <a:extLst>
+              <a:ext uri="{FF2B5EF4-FFF2-40B4-BE49-F238E27FC236}">
+                <a16:creationId xmlns:a16="http://schemas.microsoft.com/office/drawing/2014/main" id="{DD9B8E45-0772-954C-8D4B-6E6808DFEDED}"/>
+              </a:ext>
+            </a:extLst>
+          </p:cNvPr>
           <p:cNvSpPr>
             <a:spLocks noGrp="1"/>
           </p:cNvSpPr>
@@ -6700,12 +9126,18 @@
       </p:sp>
       <p:sp>
         <p:nvSpPr>
-          <p:cNvPr id="3" name="Content Placeholder 2"/>
-          <p:cNvSpPr>
-            <a:spLocks noGrp="1"/>
-          </p:cNvSpPr>
-          <p:nvPr>
-            <p:ph idx="1"/>
+          <p:cNvPr id="3" name="Content Placeholder 2">
+            <a:extLst>
+              <a:ext uri="{FF2B5EF4-FFF2-40B4-BE49-F238E27FC236}">
+                <a16:creationId xmlns:a16="http://schemas.microsoft.com/office/drawing/2014/main" id="{A4EB24F9-04F1-C843-9D71-56C5C024552B}"/>
+              </a:ext>
+            </a:extLst>
+          </p:cNvPr>
+          <p:cNvSpPr>
+            <a:spLocks noGrp="1"/>
+          </p:cNvSpPr>
+          <p:nvPr>
+            <p:ph hasCustomPrompt="1" idx="1"/>
           </p:nvPr>
         </p:nvSpPr>
         <p:spPr/>
@@ -6766,7 +9198,13 @@
       </p:grpSpPr>
       <p:sp>
         <p:nvSpPr>
-          <p:cNvPr id="2" name="Title 1"/>
+          <p:cNvPr id="2" name="Title 1">
+            <a:extLst>
+              <a:ext uri="{FF2B5EF4-FFF2-40B4-BE49-F238E27FC236}">
+                <a16:creationId xmlns:a16="http://schemas.microsoft.com/office/drawing/2014/main" id="{DD9B8E45-0772-954C-8D4B-6E6808DFEDED}"/>
+              </a:ext>
+            </a:extLst>
+          </p:cNvPr>
           <p:cNvSpPr>
             <a:spLocks noGrp="1"/>
           </p:cNvSpPr>
@@ -6791,12 +9229,18 @@
       </p:sp>
       <p:sp>
         <p:nvSpPr>
-          <p:cNvPr id="3" name="Content Placeholder 2"/>
-          <p:cNvSpPr>
-            <a:spLocks noGrp="1"/>
-          </p:cNvSpPr>
-          <p:nvPr>
-            <p:ph idx="1"/>
+          <p:cNvPr id="3" name="Content Placeholder 2">
+            <a:extLst>
+              <a:ext uri="{FF2B5EF4-FFF2-40B4-BE49-F238E27FC236}">
+                <a16:creationId xmlns:a16="http://schemas.microsoft.com/office/drawing/2014/main" id="{A4EB24F9-04F1-C843-9D71-56C5C024552B}"/>
+              </a:ext>
+            </a:extLst>
+          </p:cNvPr>
+          <p:cNvSpPr>
+            <a:spLocks noGrp="1"/>
+          </p:cNvSpPr>
+          <p:nvPr>
+            <p:ph hasCustomPrompt="1" idx="1"/>
           </p:nvPr>
         </p:nvSpPr>
         <p:spPr/>
@@ -6850,7 +9294,13 @@
       </p:grpSpPr>
       <p:sp>
         <p:nvSpPr>
-          <p:cNvPr id="2" name="Title 1"/>
+          <p:cNvPr id="2" name="Title 1">
+            <a:extLst>
+              <a:ext uri="{FF2B5EF4-FFF2-40B4-BE49-F238E27FC236}">
+                <a16:creationId xmlns:a16="http://schemas.microsoft.com/office/drawing/2014/main" id="{DD9B8E45-0772-954C-8D4B-6E6808DFEDED}"/>
+              </a:ext>
+            </a:extLst>
+          </p:cNvPr>
           <p:cNvSpPr>
             <a:spLocks noGrp="1"/>
           </p:cNvSpPr>
@@ -6897,7 +9347,13 @@
       </p:grpSpPr>
       <p:sp>
         <p:nvSpPr>
-          <p:cNvPr id="2" name="Title 1"/>
+          <p:cNvPr id="2" name="Title 1">
+            <a:extLst>
+              <a:ext uri="{FF2B5EF4-FFF2-40B4-BE49-F238E27FC236}">
+                <a16:creationId xmlns:a16="http://schemas.microsoft.com/office/drawing/2014/main" id="{DD9B8E45-0772-954C-8D4B-6E6808DFEDED}"/>
+              </a:ext>
+            </a:extLst>
+          </p:cNvPr>
           <p:cNvSpPr>
             <a:spLocks noGrp="1"/>
           </p:cNvSpPr>
@@ -6922,12 +9378,18 @@
       </p:sp>
       <p:sp>
         <p:nvSpPr>
-          <p:cNvPr id="3" name="Content Placeholder 2"/>
-          <p:cNvSpPr>
-            <a:spLocks noGrp="1"/>
-          </p:cNvSpPr>
-          <p:nvPr>
-            <p:ph idx="1"/>
+          <p:cNvPr id="3" name="Content Placeholder 2">
+            <a:extLst>
+              <a:ext uri="{FF2B5EF4-FFF2-40B4-BE49-F238E27FC236}">
+                <a16:creationId xmlns:a16="http://schemas.microsoft.com/office/drawing/2014/main" id="{A4EB24F9-04F1-C843-9D71-56C5C024552B}"/>
+              </a:ext>
+            </a:extLst>
+          </p:cNvPr>
+          <p:cNvSpPr>
+            <a:spLocks noGrp="1"/>
+          </p:cNvSpPr>
+          <p:nvPr>
+            <p:ph hasCustomPrompt="1" idx="1"/>
           </p:nvPr>
         </p:nvSpPr>
         <p:spPr/>
@@ -6988,7 +9450,13 @@
       </p:grpSpPr>
       <p:sp>
         <p:nvSpPr>
-          <p:cNvPr id="2" name="Title 1"/>
+          <p:cNvPr id="2" name="Title 1">
+            <a:extLst>
+              <a:ext uri="{FF2B5EF4-FFF2-40B4-BE49-F238E27FC236}">
+                <a16:creationId xmlns:a16="http://schemas.microsoft.com/office/drawing/2014/main" id="{DD9B8E45-0772-954C-8D4B-6E6808DFEDED}"/>
+              </a:ext>
+            </a:extLst>
+          </p:cNvPr>
           <p:cNvSpPr>
             <a:spLocks noGrp="1"/>
           </p:cNvSpPr>
@@ -7027,8 +9495,8 @@
         </p:blipFill>
         <p:spPr bwMode="auto">
           <a:xfrm>
-            <a:off x="1003300" y="1600200"/>
-            <a:ext cx="7137400" cy="4013200"/>
+            <a:off x="1155700" y="1816100"/>
+            <a:ext cx="6819900" cy="3835400"/>
           </a:xfrm>
           <a:prstGeom prst="rect">
             <a:avLst/>
@@ -7049,8 +9517,8 @@
         </p:nvSpPr>
         <p:spPr>
           <a:xfrm>
-            <a:off x="457200" y="5613400"/>
-            <a:ext cx="8229600" cy="508000"/>
+            <a:off x="622300" y="5651500"/>
+            <a:ext cx="7886700" cy="508000"/>
           </a:xfrm>
           <a:prstGeom prst="rect">
             <a:avLst/>
@@ -7095,7 +9563,13 @@
       </p:grpSpPr>
       <p:sp>
         <p:nvSpPr>
-          <p:cNvPr id="2" name="Title 1"/>
+          <p:cNvPr id="2" name="Title 1">
+            <a:extLst>
+              <a:ext uri="{FF2B5EF4-FFF2-40B4-BE49-F238E27FC236}">
+                <a16:creationId xmlns:a16="http://schemas.microsoft.com/office/drawing/2014/main" id="{DD9B8E45-0772-954C-8D4B-6E6808DFEDED}"/>
+              </a:ext>
+            </a:extLst>
+          </p:cNvPr>
           <p:cNvSpPr>
             <a:spLocks noGrp="1"/>
           </p:cNvSpPr>
@@ -7120,12 +9594,18 @@
       </p:sp>
       <p:sp>
         <p:nvSpPr>
-          <p:cNvPr id="3" name="Content Placeholder 2"/>
-          <p:cNvSpPr>
-            <a:spLocks noGrp="1"/>
-          </p:cNvSpPr>
-          <p:nvPr>
-            <p:ph idx="1"/>
+          <p:cNvPr id="3" name="Content Placeholder 2">
+            <a:extLst>
+              <a:ext uri="{FF2B5EF4-FFF2-40B4-BE49-F238E27FC236}">
+                <a16:creationId xmlns:a16="http://schemas.microsoft.com/office/drawing/2014/main" id="{A4EB24F9-04F1-C843-9D71-56C5C024552B}"/>
+              </a:ext>
+            </a:extLst>
+          </p:cNvPr>
+          <p:cNvSpPr>
+            <a:spLocks noGrp="1"/>
+          </p:cNvSpPr>
+          <p:nvPr>
+            <p:ph hasCustomPrompt="1" idx="1"/>
           </p:nvPr>
         </p:nvSpPr>
         <p:spPr/>
@@ -7193,7 +9673,13 @@
       </p:grpSpPr>
       <p:sp>
         <p:nvSpPr>
-          <p:cNvPr id="2" name="Title 1"/>
+          <p:cNvPr id="2" name="Title 1">
+            <a:extLst>
+              <a:ext uri="{FF2B5EF4-FFF2-40B4-BE49-F238E27FC236}">
+                <a16:creationId xmlns:a16="http://schemas.microsoft.com/office/drawing/2014/main" id="{DD9B8E45-0772-954C-8D4B-6E6808DFEDED}"/>
+              </a:ext>
+            </a:extLst>
+          </p:cNvPr>
           <p:cNvSpPr>
             <a:spLocks noGrp="1"/>
           </p:cNvSpPr>
@@ -7218,12 +9704,18 @@
       </p:sp>
       <p:sp>
         <p:nvSpPr>
-          <p:cNvPr id="3" name="Content Placeholder 2"/>
-          <p:cNvSpPr>
-            <a:spLocks noGrp="1"/>
-          </p:cNvSpPr>
-          <p:nvPr>
-            <p:ph idx="1"/>
+          <p:cNvPr id="3" name="Content Placeholder 2">
+            <a:extLst>
+              <a:ext uri="{FF2B5EF4-FFF2-40B4-BE49-F238E27FC236}">
+                <a16:creationId xmlns:a16="http://schemas.microsoft.com/office/drawing/2014/main" id="{A4EB24F9-04F1-C843-9D71-56C5C024552B}"/>
+              </a:ext>
+            </a:extLst>
+          </p:cNvPr>
+          <p:cNvSpPr>
+            <a:spLocks noGrp="1"/>
+          </p:cNvSpPr>
+          <p:nvPr>
+            <p:ph hasCustomPrompt="1" idx="1"/>
           </p:nvPr>
         </p:nvSpPr>
         <p:spPr/>
@@ -7284,7 +9776,13 @@
       </p:grpSpPr>
       <p:sp>
         <p:nvSpPr>
-          <p:cNvPr id="2" name="Title 1"/>
+          <p:cNvPr id="2" name="Title 1">
+            <a:extLst>
+              <a:ext uri="{FF2B5EF4-FFF2-40B4-BE49-F238E27FC236}">
+                <a16:creationId xmlns:a16="http://schemas.microsoft.com/office/drawing/2014/main" id="{DD9B8E45-0772-954C-8D4B-6E6808DFEDED}"/>
+              </a:ext>
+            </a:extLst>
+          </p:cNvPr>
           <p:cNvSpPr>
             <a:spLocks noGrp="1"/>
           </p:cNvSpPr>
@@ -7331,7 +9829,13 @@
       </p:grpSpPr>
       <p:sp>
         <p:nvSpPr>
-          <p:cNvPr id="2" name="Title 1"/>
+          <p:cNvPr id="2" name="Title 1">
+            <a:extLst>
+              <a:ext uri="{FF2B5EF4-FFF2-40B4-BE49-F238E27FC236}">
+                <a16:creationId xmlns:a16="http://schemas.microsoft.com/office/drawing/2014/main" id="{DD9B8E45-0772-954C-8D4B-6E6808DFEDED}"/>
+              </a:ext>
+            </a:extLst>
+          </p:cNvPr>
           <p:cNvSpPr>
             <a:spLocks noGrp="1"/>
           </p:cNvSpPr>
@@ -7356,12 +9860,18 @@
       </p:sp>
       <p:sp>
         <p:nvSpPr>
-          <p:cNvPr id="3" name="Content Placeholder 2"/>
-          <p:cNvSpPr>
-            <a:spLocks noGrp="1"/>
-          </p:cNvSpPr>
-          <p:nvPr>
-            <p:ph idx="1"/>
+          <p:cNvPr id="3" name="Content Placeholder 2">
+            <a:extLst>
+              <a:ext uri="{FF2B5EF4-FFF2-40B4-BE49-F238E27FC236}">
+                <a16:creationId xmlns:a16="http://schemas.microsoft.com/office/drawing/2014/main" id="{A4EB24F9-04F1-C843-9D71-56C5C024552B}"/>
+              </a:ext>
+            </a:extLst>
+          </p:cNvPr>
+          <p:cNvSpPr>
+            <a:spLocks noGrp="1"/>
+          </p:cNvSpPr>
+          <p:nvPr>
+            <p:ph hasCustomPrompt="1" idx="1"/>
           </p:nvPr>
         </p:nvSpPr>
         <p:spPr/>
@@ -7422,7 +9932,13 @@
       </p:grpSpPr>
       <p:sp>
         <p:nvSpPr>
-          <p:cNvPr id="2" name="Title 1"/>
+          <p:cNvPr id="2" name="Title 1">
+            <a:extLst>
+              <a:ext uri="{FF2B5EF4-FFF2-40B4-BE49-F238E27FC236}">
+                <a16:creationId xmlns:a16="http://schemas.microsoft.com/office/drawing/2014/main" id="{DD9B8E45-0772-954C-8D4B-6E6808DFEDED}"/>
+              </a:ext>
+            </a:extLst>
+          </p:cNvPr>
           <p:cNvSpPr>
             <a:spLocks noGrp="1"/>
           </p:cNvSpPr>
@@ -7447,12 +9963,18 @@
       </p:sp>
       <p:sp>
         <p:nvSpPr>
-          <p:cNvPr id="3" name="Content Placeholder 2"/>
-          <p:cNvSpPr>
-            <a:spLocks noGrp="1"/>
-          </p:cNvSpPr>
-          <p:nvPr>
-            <p:ph idx="1"/>
+          <p:cNvPr id="3" name="Content Placeholder 2">
+            <a:extLst>
+              <a:ext uri="{FF2B5EF4-FFF2-40B4-BE49-F238E27FC236}">
+                <a16:creationId xmlns:a16="http://schemas.microsoft.com/office/drawing/2014/main" id="{A4EB24F9-04F1-C843-9D71-56C5C024552B}"/>
+              </a:ext>
+            </a:extLst>
+          </p:cNvPr>
+          <p:cNvSpPr>
+            <a:spLocks noGrp="1"/>
+          </p:cNvSpPr>
+          <p:nvPr>
+            <p:ph hasCustomPrompt="1" idx="1"/>
           </p:nvPr>
         </p:nvSpPr>
         <p:spPr/>
@@ -7513,7 +10035,13 @@
       </p:grpSpPr>
       <p:sp>
         <p:nvSpPr>
-          <p:cNvPr id="2" name="Title 1"/>
+          <p:cNvPr id="2" name="Title 1">
+            <a:extLst>
+              <a:ext uri="{FF2B5EF4-FFF2-40B4-BE49-F238E27FC236}">
+                <a16:creationId xmlns:a16="http://schemas.microsoft.com/office/drawing/2014/main" id="{DD9B8E45-0772-954C-8D4B-6E6808DFEDED}"/>
+              </a:ext>
+            </a:extLst>
+          </p:cNvPr>
           <p:cNvSpPr>
             <a:spLocks noGrp="1"/>
           </p:cNvSpPr>
@@ -7538,12 +10066,18 @@
       </p:sp>
       <p:sp>
         <p:nvSpPr>
-          <p:cNvPr id="3" name="Content Placeholder 2"/>
-          <p:cNvSpPr>
-            <a:spLocks noGrp="1"/>
-          </p:cNvSpPr>
-          <p:nvPr>
-            <p:ph idx="1"/>
+          <p:cNvPr id="3" name="Content Placeholder 2">
+            <a:extLst>
+              <a:ext uri="{FF2B5EF4-FFF2-40B4-BE49-F238E27FC236}">
+                <a16:creationId xmlns:a16="http://schemas.microsoft.com/office/drawing/2014/main" id="{A4EB24F9-04F1-C843-9D71-56C5C024552B}"/>
+              </a:ext>
+            </a:extLst>
+          </p:cNvPr>
+          <p:cNvSpPr>
+            <a:spLocks noGrp="1"/>
+          </p:cNvSpPr>
+          <p:nvPr>
+            <p:ph hasCustomPrompt="1" idx="1"/>
           </p:nvPr>
         </p:nvSpPr>
         <p:spPr/>
@@ -7604,7 +10138,13 @@
       </p:grpSpPr>
       <p:sp>
         <p:nvSpPr>
-          <p:cNvPr id="2" name="Title 1"/>
+          <p:cNvPr id="2" name="Title 1">
+            <a:extLst>
+              <a:ext uri="{FF2B5EF4-FFF2-40B4-BE49-F238E27FC236}">
+                <a16:creationId xmlns:a16="http://schemas.microsoft.com/office/drawing/2014/main" id="{DD9B8E45-0772-954C-8D4B-6E6808DFEDED}"/>
+              </a:ext>
+            </a:extLst>
+          </p:cNvPr>
           <p:cNvSpPr>
             <a:spLocks noGrp="1"/>
           </p:cNvSpPr>
@@ -7633,7 +10173,7 @@
 </file>
 
 <file path=ppt/theme/theme1.xml><?xml version="1.0" encoding="utf-8"?>
-<a:theme xmlns:a="http://schemas.openxmlformats.org/drawingml/2006/main" name="Office Theme">
+<a:theme xmlns:a="http://schemas.openxmlformats.org/drawingml/2006/main" name="Nord">
   <a:themeElements>
     <a:clrScheme name="Office">
       <a:dk1>
@@ -7643,77 +10183,42 @@
         <a:sysClr val="window" lastClr="FFFFFF"/>
       </a:lt1>
       <a:dk2>
-        <a:srgbClr val="1F497D"/>
+        <a:srgbClr val="44546A"/>
       </a:dk2>
       <a:lt2>
-        <a:srgbClr val="EEECE1"/>
+        <a:srgbClr val="E7E6E6"/>
       </a:lt2>
       <a:accent1>
-        <a:srgbClr val="4F81BD"/>
+        <a:srgbClr val="4472C4"/>
       </a:accent1>
       <a:accent2>
-        <a:srgbClr val="C0504D"/>
+        <a:srgbClr val="ED7D31"/>
       </a:accent2>
       <a:accent3>
-        <a:srgbClr val="9BBB59"/>
+        <a:srgbClr val="A5A5A5"/>
       </a:accent3>
       <a:accent4>
-        <a:srgbClr val="8064A2"/>
+        <a:srgbClr val="FFC000"/>
       </a:accent4>
       <a:accent5>
-        <a:srgbClr val="4BACC6"/>
+        <a:srgbClr val="5B9BD5"/>
       </a:accent5>
       <a:accent6>
-        <a:srgbClr val="F79646"/>
+        <a:srgbClr val="70AD47"/>
       </a:accent6>
       <a:hlink>
-        <a:srgbClr val="0000FF"/>
+        <a:srgbClr val="0563C1"/>
       </a:hlink>
       <a:folHlink>
-        <a:srgbClr val="800080"/>
+        <a:srgbClr val="954F72"/>
       </a:folHlink>
     </a:clrScheme>
-    <a:fontScheme name="Office">
+    <a:fontScheme name="Calibri">
       <a:majorFont>
-        <a:latin typeface="Calibri"/>
+        <a:latin typeface="Calibri" panose="020F0502020204030204"/>
         <a:ea typeface=""/>
         <a:cs typeface=""/>
-        <a:font script="Jpan" typeface="ＭＳ Ｐゴシック"/>
-        <a:font script="Hang" typeface="맑은 고딕"/>
-        <a:font script="Hans" typeface="宋体"/>
-        <a:font script="Hant" typeface="新細明體"/>
-        <a:font script="Arab" typeface="Times New Roman"/>
-        <a:font script="Hebr" typeface="Times New Roman"/>
-        <a:font script="Thai" typeface="Angsana New"/>
-        <a:font script="Ethi" typeface="Nyala"/>
-        <a:font script="Beng" typeface="Vrinda"/>
-        <a:font script="Gujr" typeface="Shruti"/>
-        <a:font script="Khmr" typeface="MoolBoran"/>
-        <a:font script="Knda" typeface="Tunga"/>
-        <a:font script="Guru" typeface="Raavi"/>
-        <a:font script="Cans" typeface="Euphemia"/>
-        <a:font script="Cher" typeface="Plantagenet Cherokee"/>
-        <a:font script="Yiii" typeface="Microsoft Yi Baiti"/>
-        <a:font script="Tibt" typeface="Microsoft Himalaya"/>
-        <a:font script="Thaa" typeface="MV Boli"/>
-        <a:font script="Deva" typeface="Mangal"/>
-        <a:font script="Telu" typeface="Gautami"/>
-        <a:font script="Taml" typeface="Latha"/>
-        <a:font script="Syrc" typeface="Estrangelo Edessa"/>
-        <a:font script="Orya" typeface="Kalinga"/>
-        <a:font script="Mlym" typeface="Kartika"/>
-        <a:font script="Laoo" typeface="DokChampa"/>
-        <a:font script="Sinh" typeface="Iskoola Pota"/>
-        <a:font script="Mong" typeface="Mongolian Baiti"/>
-        <a:font script="Viet" typeface="Times New Roman"/>
-        <a:font script="Uigh" typeface="Microsoft Uighur"/>
-        <a:font script="Geor" typeface="Sylfaen"/>
-      </a:majorFont>
-      <a:minorFont>
-        <a:latin typeface="Calibri"/>
-        <a:ea typeface=""/>
-        <a:cs typeface=""/>
-        <a:font script="Jpan" typeface="ＭＳ Ｐゴシック"/>
+        <a:font script="Jpan" typeface="メイリオ"/>
         <a:font script="Hang" typeface="맑은 고딕"/>
         <a:font script="Hans" typeface="宋体"/>
         <a:font script="Hant" typeface="新細明體"/>
@@ -7740,292 +10245,7 @@
         <a:font script="Laoo" typeface="DokChampa"/>
         <a:font script="Sinh" typeface="Iskoola Pota"/>
         <a:font script="Mong" typeface="Mongolian Baiti"/>
-        <a:font script="Viet" typeface="Arial"/>
-        <a:font script="Uigh" typeface="Microsoft Uighur"/>
-        <a:font script="Geor" typeface="Sylfaen"/>
-      </a:minorFont>
-    </a:fontScheme>
-    <a:fmtScheme name="Office">
-      <a:fillStyleLst>
-        <a:solidFill>
-          <a:schemeClr val="phClr"/>
-        </a:solidFill>
-        <a:gradFill rotWithShape="1">
-          <a:gsLst>
-            <a:gs pos="0">
-              <a:schemeClr val="phClr">
-                <a:tint val="50000"/>
-                <a:satMod val="300000"/>
-              </a:schemeClr>
-            </a:gs>
-            <a:gs pos="35000">
-              <a:schemeClr val="phClr">
-                <a:tint val="37000"/>
-                <a:satMod val="300000"/>
-              </a:schemeClr>
-            </a:gs>
-            <a:gs pos="100000">
-              <a:schemeClr val="phClr">
-                <a:tint val="15000"/>
-                <a:satMod val="350000"/>
-              </a:schemeClr>
-            </a:gs>
-          </a:gsLst>
-          <a:lin ang="16200000" scaled="1"/>
-        </a:gradFill>
-        <a:gradFill rotWithShape="1">
-          <a:gsLst>
-            <a:gs pos="0">
-              <a:schemeClr val="phClr">
-                <a:tint val="100000"/>
-                <a:shade val="100000"/>
-                <a:satMod val="130000"/>
-              </a:schemeClr>
-            </a:gs>
-            <a:gs pos="100000">
-              <a:schemeClr val="phClr">
-                <a:tint val="50000"/>
-                <a:shade val="100000"/>
-                <a:satMod val="350000"/>
-              </a:schemeClr>
-            </a:gs>
-          </a:gsLst>
-          <a:lin ang="16200000" scaled="0"/>
-        </a:gradFill>
-      </a:fillStyleLst>
-      <a:lnStyleLst>
-        <a:ln w="9525" cap="flat" cmpd="sng" algn="ctr">
-          <a:solidFill>
-            <a:schemeClr val="phClr">
-              <a:shade val="95000"/>
-              <a:satMod val="105000"/>
-            </a:schemeClr>
-          </a:solidFill>
-          <a:prstDash val="solid"/>
-        </a:ln>
-        <a:ln w="25400" cap="flat" cmpd="sng" algn="ctr">
-          <a:solidFill>
-            <a:schemeClr val="phClr"/>
-          </a:solidFill>
-          <a:prstDash val="solid"/>
-        </a:ln>
-        <a:ln w="38100" cap="flat" cmpd="sng" algn="ctr">
-          <a:solidFill>
-            <a:schemeClr val="phClr"/>
-          </a:solidFill>
-          <a:prstDash val="solid"/>
-        </a:ln>
-      </a:lnStyleLst>
-      <a:effectStyleLst>
-        <a:effectStyle>
-          <a:effectLst>
-            <a:outerShdw blurRad="40000" dist="20000" dir="5400000" rotWithShape="0">
-              <a:srgbClr val="000000">
-                <a:alpha val="38000"/>
-              </a:srgbClr>
-            </a:outerShdw>
-          </a:effectLst>
-        </a:effectStyle>
-        <a:effectStyle>
-          <a:effectLst>
-            <a:outerShdw blurRad="40000" dist="23000" dir="5400000" rotWithShape="0">
-              <a:srgbClr val="000000">
-                <a:alpha val="35000"/>
-              </a:srgbClr>
-            </a:outerShdw>
-          </a:effectLst>
-        </a:effectStyle>
-        <a:effectStyle>
-          <a:effectLst>
-            <a:outerShdw blurRad="40000" dist="23000" dir="5400000" rotWithShape="0">
-              <a:srgbClr val="000000">
-                <a:alpha val="35000"/>
-              </a:srgbClr>
-            </a:outerShdw>
-          </a:effectLst>
-          <a:scene3d>
-            <a:camera prst="orthographicFront">
-              <a:rot lat="0" lon="0" rev="0"/>
-            </a:camera>
-            <a:lightRig rig="threePt" dir="t">
-              <a:rot lat="0" lon="0" rev="1200000"/>
-            </a:lightRig>
-          </a:scene3d>
-          <a:sp3d>
-            <a:bevelT w="63500" h="25400"/>
-          </a:sp3d>
-        </a:effectStyle>
-      </a:effectStyleLst>
-      <a:bgFillStyleLst>
-        <a:solidFill>
-          <a:schemeClr val="phClr"/>
-        </a:solidFill>
-        <a:gradFill rotWithShape="1">
-          <a:gsLst>
-            <a:gs pos="0">
-              <a:schemeClr val="phClr">
-                <a:tint val="40000"/>
-                <a:satMod val="350000"/>
-              </a:schemeClr>
-            </a:gs>
-            <a:gs pos="40000">
-              <a:schemeClr val="phClr">
-                <a:tint val="45000"/>
-                <a:shade val="99000"/>
-                <a:satMod val="350000"/>
-              </a:schemeClr>
-            </a:gs>
-            <a:gs pos="100000">
-              <a:schemeClr val="phClr">
-                <a:shade val="20000"/>
-                <a:satMod val="255000"/>
-              </a:schemeClr>
-            </a:gs>
-          </a:gsLst>
-          <a:path path="circle">
-            <a:fillToRect l="50000" t="-80000" r="50000" b="180000"/>
-          </a:path>
-        </a:gradFill>
-        <a:gradFill rotWithShape="1">
-          <a:gsLst>
-            <a:gs pos="0">
-              <a:schemeClr val="phClr">
-                <a:tint val="80000"/>
-                <a:satMod val="300000"/>
-              </a:schemeClr>
-            </a:gs>
-            <a:gs pos="100000">
-              <a:schemeClr val="phClr">
-                <a:shade val="30000"/>
-                <a:satMod val="200000"/>
-              </a:schemeClr>
-            </a:gs>
-          </a:gsLst>
-          <a:path path="circle">
-            <a:fillToRect l="50000" t="50000" r="50000" b="50000"/>
-          </a:path>
-        </a:gradFill>
-      </a:bgFillStyleLst>
-    </a:fmtScheme>
-  </a:themeElements>
-  <a:objectDefaults>
-    <a:spDef>
-      <a:spPr/>
-      <a:bodyPr/>
-      <a:lstStyle/>
-      <a:style>
-        <a:lnRef idx="1">
-          <a:schemeClr val="accent1"/>
-        </a:lnRef>
-        <a:fillRef idx="3">
-          <a:schemeClr val="accent1"/>
-        </a:fillRef>
-        <a:effectRef idx="2">
-          <a:schemeClr val="accent1"/>
-        </a:effectRef>
-        <a:fontRef idx="minor">
-          <a:schemeClr val="lt1"/>
-        </a:fontRef>
-      </a:style>
-    </a:spDef>
-    <a:lnDef>
-      <a:spPr/>
-      <a:bodyPr/>
-      <a:lstStyle/>
-      <a:style>
-        <a:lnRef idx="2">
-          <a:schemeClr val="accent1"/>
-        </a:lnRef>
-        <a:fillRef idx="0">
-          <a:schemeClr val="accent1"/>
-        </a:fillRef>
-        <a:effectRef idx="1">
-          <a:schemeClr val="accent1"/>
-        </a:effectRef>
-        <a:fontRef idx="minor">
-          <a:schemeClr val="tx1"/>
-        </a:fontRef>
-      </a:style>
-    </a:lnDef>
-  </a:objectDefaults>
-  <a:extraClrSchemeLst/>
-</a:theme>
-</file>
-
-<file path=ppt/theme/theme2.xml><?xml version="1.0" encoding="utf-8"?>
-<a:theme xmlns:a="http://schemas.openxmlformats.org/drawingml/2006/main" name="Office Theme">
-  <a:themeElements>
-    <a:clrScheme name="Office">
-      <a:dk1>
-        <a:sysClr val="windowText" lastClr="000000"/>
-      </a:dk1>
-      <a:lt1>
-        <a:sysClr val="window" lastClr="FFFFFF"/>
-      </a:lt1>
-      <a:dk2>
-        <a:srgbClr val="44546A"/>
-      </a:dk2>
-      <a:lt2>
-        <a:srgbClr val="E7E6E6"/>
-      </a:lt2>
-      <a:accent1>
-        <a:srgbClr val="5B9BD5"/>
-      </a:accent1>
-      <a:accent2>
-        <a:srgbClr val="ED7D31"/>
-      </a:accent2>
-      <a:accent3>
-        <a:srgbClr val="A5A5A5"/>
-      </a:accent3>
-      <a:accent4>
-        <a:srgbClr val="FFC000"/>
-      </a:accent4>
-      <a:accent5>
-        <a:srgbClr val="4472C4"/>
-      </a:accent5>
-      <a:accent6>
-        <a:srgbClr val="70AD47"/>
-      </a:accent6>
-      <a:hlink>
-        <a:srgbClr val="0563C1"/>
-      </a:hlink>
-      <a:folHlink>
-        <a:srgbClr val="954F72"/>
-      </a:folHlink>
-    </a:clrScheme>
-    <a:fontScheme name="Office">
-      <a:majorFont>
-        <a:latin typeface="Calibri Light" panose="020F0302020204030204"/>
-        <a:ea typeface=""/>
-        <a:cs typeface=""/>
-        <a:font script="Jpan" typeface="ＭＳ Ｐゴシック"/>
-        <a:font script="Hang" typeface="맑은 고딕"/>
-        <a:font script="Hans" typeface="宋体"/>
-        <a:font script="Hant" typeface="新細明體"/>
-        <a:font script="Arab" typeface="Times New Roman"/>
-        <a:font script="Hebr" typeface="Times New Roman"/>
-        <a:font script="Thai" typeface="Angsana New"/>
-        <a:font script="Ethi" typeface="Nyala"/>
-        <a:font script="Beng" typeface="Vrinda"/>
-        <a:font script="Gujr" typeface="Shruti"/>
-        <a:font script="Khmr" typeface="MoolBoran"/>
-        <a:font script="Knda" typeface="Tunga"/>
-        <a:font script="Guru" typeface="Raavi"/>
-        <a:font script="Cans" typeface="Euphemia"/>
-        <a:font script="Cher" typeface="Plantagenet Cherokee"/>
-        <a:font script="Yiii" typeface="Microsoft Yi Baiti"/>
-        <a:font script="Tibt" typeface="Microsoft Himalaya"/>
-        <a:font script="Thaa" typeface="MV Boli"/>
-        <a:font script="Deva" typeface="Mangal"/>
-        <a:font script="Telu" typeface="Gautami"/>
-        <a:font script="Taml" typeface="Latha"/>
-        <a:font script="Syrc" typeface="Estrangelo Edessa"/>
-        <a:font script="Orya" typeface="Kalinga"/>
-        <a:font script="Mlym" typeface="Kartika"/>
-        <a:font script="Laoo" typeface="DokChampa"/>
-        <a:font script="Sinh" typeface="Iskoola Pota"/>
-        <a:font script="Mong" typeface="Mongolian Baiti"/>
-        <a:font script="Viet" typeface="Times New Roman"/>
+        <a:font script="Viet" typeface="Tahoma"/>
         <a:font script="Uigh" typeface="Microsoft Uighur"/>
         <a:font script="Geor" typeface="Sylfaen"/>
       </a:majorFont>
@@ -8033,7 +10253,7 @@
         <a:latin typeface="Calibri" panose="020F0502020204030204"/>
         <a:ea typeface=""/>
         <a:cs typeface=""/>
-        <a:font script="Jpan" typeface="ＭＳ Ｐゴシック"/>
+        <a:font script="Jpan" typeface="メイリオ"/>
         <a:font script="Hang" typeface="맑은 고딕"/>
         <a:font script="Hans" typeface="宋体"/>
         <a:font script="Hant" typeface="新細明體"/>
@@ -8060,7 +10280,7 @@
         <a:font script="Laoo" typeface="DokChampa"/>
         <a:font script="Sinh" typeface="Iskoola Pota"/>
         <a:font script="Mong" typeface="Mongolian Baiti"/>
-        <a:font script="Viet" typeface="Arial"/>
+        <a:font script="Viet" typeface="Tahoma"/>
         <a:font script="Uigh" typeface="Microsoft Uighur"/>
         <a:font script="Geor" typeface="Sylfaen"/>
       </a:minorFont>
@@ -8207,7 +10427,322 @@
   <a:extraClrSchemeLst/>
   <a:extLst>
     <a:ext uri="{05A4C25C-085E-4340-85A3-A5531E510DB2}">
-      <thm15:themeFamily xmlns:thm15="http://schemas.microsoft.com/office/thememl/2012/main" name="Office Theme" id="{62F939B6-93AF-4DB8-9C6B-D6C7DFDC589F}" vid="{4A3C46E8-61CC-4603-A589-7422A47A8E4A}"/>
+      <thm15:themeFamily xmlns:thm15="http://schemas.microsoft.com/office/thememl/2012/main" name="nord-theme.pptx" id="{59E970D9-FE21-457B-9A76-EF30135C5AA9}" vid="{6B5E3EBF-FC8E-4B13-ABCC-6AF1C6593983}"/>
+    </a:ext>
+  </a:extLst>
+</a:theme>
+</file>
+
+<file path=ppt/theme/theme2.xml><?xml version="1.0" encoding="utf-8"?>
+<a:theme xmlns:a="http://schemas.openxmlformats.org/drawingml/2006/main" name="Office Theme">
+  <a:themeElements>
+    <a:clrScheme name="Office">
+      <a:dk1>
+        <a:sysClr val="windowText" lastClr="000000"/>
+      </a:dk1>
+      <a:lt1>
+        <a:sysClr val="window" lastClr="FFFFFF"/>
+      </a:lt1>
+      <a:dk2>
+        <a:srgbClr val="0E2841"/>
+      </a:dk2>
+      <a:lt2>
+        <a:srgbClr val="E8E8E8"/>
+      </a:lt2>
+      <a:accent1>
+        <a:srgbClr val="156082"/>
+      </a:accent1>
+      <a:accent2>
+        <a:srgbClr val="E97132"/>
+      </a:accent2>
+      <a:accent3>
+        <a:srgbClr val="196B24"/>
+      </a:accent3>
+      <a:accent4>
+        <a:srgbClr val="0F9ED5"/>
+      </a:accent4>
+      <a:accent5>
+        <a:srgbClr val="A02B93"/>
+      </a:accent5>
+      <a:accent6>
+        <a:srgbClr val="4EA72E"/>
+      </a:accent6>
+      <a:hlink>
+        <a:srgbClr val="467886"/>
+      </a:hlink>
+      <a:folHlink>
+        <a:srgbClr val="96607D"/>
+      </a:folHlink>
+    </a:clrScheme>
+    <a:fontScheme name="Office">
+      <a:majorFont>
+        <a:latin typeface="Aptos Display" panose="02110004020202020204"/>
+        <a:ea typeface=""/>
+        <a:cs typeface=""/>
+        <a:font script="Jpan" typeface="游ゴシック Light"/>
+        <a:font script="Hang" typeface="맑은 고딕"/>
+        <a:font script="Hans" typeface="等线 Light"/>
+        <a:font script="Hant" typeface="新細明體"/>
+        <a:font script="Arab" typeface="Times New Roman"/>
+        <a:font script="Hebr" typeface="Times New Roman"/>
+        <a:font script="Thai" typeface="Angsana New"/>
+        <a:font script="Ethi" typeface="Nyala"/>
+        <a:font script="Beng" typeface="Vrinda"/>
+        <a:font script="Gujr" typeface="Shruti"/>
+        <a:font script="Khmr" typeface="MoolBoran"/>
+        <a:font script="Knda" typeface="Tunga"/>
+        <a:font script="Guru" typeface="Raavi"/>
+        <a:font script="Cans" typeface="Euphemia"/>
+        <a:font script="Cher" typeface="Plantagenet Cherokee"/>
+        <a:font script="Yiii" typeface="Microsoft Yi Baiti"/>
+        <a:font script="Tibt" typeface="Microsoft Himalaya"/>
+        <a:font script="Thaa" typeface="MV Boli"/>
+        <a:font script="Deva" typeface="Mangal"/>
+        <a:font script="Telu" typeface="Gautami"/>
+        <a:font script="Taml" typeface="Latha"/>
+        <a:font script="Syrc" typeface="Estrangelo Edessa"/>
+        <a:font script="Orya" typeface="Kalinga"/>
+        <a:font script="Mlym" typeface="Kartika"/>
+        <a:font script="Laoo" typeface="DokChampa"/>
+        <a:font script="Sinh" typeface="Iskoola Pota"/>
+        <a:font script="Mong" typeface="Mongolian Baiti"/>
+        <a:font script="Viet" typeface="Times New Roman"/>
+        <a:font script="Uigh" typeface="Microsoft Uighur"/>
+        <a:font script="Geor" typeface="Sylfaen"/>
+        <a:font script="Armn" typeface="Arial"/>
+        <a:font script="Bugi" typeface="Leelawadee UI"/>
+        <a:font script="Bopo" typeface="Microsoft JhengHei"/>
+        <a:font script="Java" typeface="Javanese Text"/>
+        <a:font script="Lisu" typeface="Segoe UI"/>
+        <a:font script="Mymr" typeface="Myanmar Text"/>
+        <a:font script="Nkoo" typeface="Ebrima"/>
+        <a:font script="Olck" typeface="Nirmala UI"/>
+        <a:font script="Osma" typeface="Ebrima"/>
+        <a:font script="Phag" typeface="Phagspa"/>
+        <a:font script="Syrn" typeface="Estrangelo Edessa"/>
+        <a:font script="Syrj" typeface="Estrangelo Edessa"/>
+        <a:font script="Syre" typeface="Estrangelo Edessa"/>
+        <a:font script="Sora" typeface="Nirmala UI"/>
+        <a:font script="Tale" typeface="Microsoft Tai Le"/>
+        <a:font script="Talu" typeface="Microsoft New Tai Lue"/>
+        <a:font script="Tfng" typeface="Ebrima"/>
+      </a:majorFont>
+      <a:minorFont>
+        <a:latin typeface="Aptos" panose="02110004020202020204"/>
+        <a:ea typeface=""/>
+        <a:cs typeface=""/>
+        <a:font script="Jpan" typeface="游ゴシック"/>
+        <a:font script="Hang" typeface="맑은 고딕"/>
+        <a:font script="Hans" typeface="等线"/>
+        <a:font script="Hant" typeface="新細明體"/>
+        <a:font script="Arab" typeface="Arial"/>
+        <a:font script="Hebr" typeface="Arial"/>
+        <a:font script="Thai" typeface="Cordia New"/>
+        <a:font script="Ethi" typeface="Nyala"/>
+        <a:font script="Beng" typeface="Vrinda"/>
+        <a:font script="Gujr" typeface="Shruti"/>
+        <a:font script="Khmr" typeface="DaunPenh"/>
+        <a:font script="Knda" typeface="Tunga"/>
+        <a:font script="Guru" typeface="Raavi"/>
+        <a:font script="Cans" typeface="Euphemia"/>
+        <a:font script="Cher" typeface="Plantagenet Cherokee"/>
+        <a:font script="Yiii" typeface="Microsoft Yi Baiti"/>
+        <a:font script="Tibt" typeface="Microsoft Himalaya"/>
+        <a:font script="Thaa" typeface="MV Boli"/>
+        <a:font script="Deva" typeface="Mangal"/>
+        <a:font script="Telu" typeface="Gautami"/>
+        <a:font script="Taml" typeface="Latha"/>
+        <a:font script="Syrc" typeface="Estrangelo Edessa"/>
+        <a:font script="Orya" typeface="Kalinga"/>
+        <a:font script="Mlym" typeface="Kartika"/>
+        <a:font script="Laoo" typeface="DokChampa"/>
+        <a:font script="Sinh" typeface="Iskoola Pota"/>
+        <a:font script="Mong" typeface="Mongolian Baiti"/>
+        <a:font script="Viet" typeface="Arial"/>
+        <a:font script="Uigh" typeface="Microsoft Uighur"/>
+        <a:font script="Geor" typeface="Sylfaen"/>
+        <a:font script="Armn" typeface="Arial"/>
+        <a:font script="Bugi" typeface="Leelawadee UI"/>
+        <a:font script="Bopo" typeface="Microsoft JhengHei"/>
+        <a:font script="Java" typeface="Javanese Text"/>
+        <a:font script="Lisu" typeface="Segoe UI"/>
+        <a:font script="Mymr" typeface="Myanmar Text"/>
+        <a:font script="Nkoo" typeface="Ebrima"/>
+        <a:font script="Olck" typeface="Nirmala UI"/>
+        <a:font script="Osma" typeface="Ebrima"/>
+        <a:font script="Phag" typeface="Phagspa"/>
+        <a:font script="Syrn" typeface="Estrangelo Edessa"/>
+        <a:font script="Syrj" typeface="Estrangelo Edessa"/>
+        <a:font script="Syre" typeface="Estrangelo Edessa"/>
+        <a:font script="Sora" typeface="Nirmala UI"/>
+        <a:font script="Tale" typeface="Microsoft Tai Le"/>
+        <a:font script="Talu" typeface="Microsoft New Tai Lue"/>
+        <a:font script="Tfng" typeface="Ebrima"/>
+      </a:minorFont>
+    </a:fontScheme>
+    <a:fmtScheme name="Office">
+      <a:fillStyleLst>
+        <a:solidFill>
+          <a:schemeClr val="phClr"/>
+        </a:solidFill>
+        <a:gradFill rotWithShape="1">
+          <a:gsLst>
+            <a:gs pos="0">
+              <a:schemeClr val="phClr">
+                <a:lumMod val="110000"/>
+                <a:satMod val="105000"/>
+                <a:tint val="67000"/>
+              </a:schemeClr>
+            </a:gs>
+            <a:gs pos="50000">
+              <a:schemeClr val="phClr">
+                <a:lumMod val="105000"/>
+                <a:satMod val="103000"/>
+                <a:tint val="73000"/>
+              </a:schemeClr>
+            </a:gs>
+            <a:gs pos="100000">
+              <a:schemeClr val="phClr">
+                <a:lumMod val="105000"/>
+                <a:satMod val="109000"/>
+                <a:tint val="81000"/>
+              </a:schemeClr>
+            </a:gs>
+          </a:gsLst>
+          <a:lin ang="5400000" scaled="0"/>
+        </a:gradFill>
+        <a:gradFill rotWithShape="1">
+          <a:gsLst>
+            <a:gs pos="0">
+              <a:schemeClr val="phClr">
+                <a:satMod val="103000"/>
+                <a:lumMod val="102000"/>
+                <a:tint val="94000"/>
+              </a:schemeClr>
+            </a:gs>
+            <a:gs pos="50000">
+              <a:schemeClr val="phClr">
+                <a:satMod val="110000"/>
+                <a:lumMod val="100000"/>
+                <a:shade val="100000"/>
+              </a:schemeClr>
+            </a:gs>
+            <a:gs pos="100000">
+              <a:schemeClr val="phClr">
+                <a:lumMod val="99000"/>
+                <a:satMod val="120000"/>
+                <a:shade val="78000"/>
+              </a:schemeClr>
+            </a:gs>
+          </a:gsLst>
+          <a:lin ang="5400000" scaled="0"/>
+        </a:gradFill>
+      </a:fillStyleLst>
+      <a:lnStyleLst>
+        <a:ln w="12700" cap="flat" cmpd="sng" algn="ctr">
+          <a:solidFill>
+            <a:schemeClr val="phClr"/>
+          </a:solidFill>
+          <a:prstDash val="solid"/>
+          <a:miter lim="800000"/>
+        </a:ln>
+        <a:ln w="19050" cap="flat" cmpd="sng" algn="ctr">
+          <a:solidFill>
+            <a:schemeClr val="phClr"/>
+          </a:solidFill>
+          <a:prstDash val="solid"/>
+          <a:miter lim="800000"/>
+        </a:ln>
+        <a:ln w="25400" cap="flat" cmpd="sng" algn="ctr">
+          <a:solidFill>
+            <a:schemeClr val="phClr"/>
+          </a:solidFill>
+          <a:prstDash val="solid"/>
+          <a:miter lim="800000"/>
+        </a:ln>
+      </a:lnStyleLst>
+      <a:effectStyleLst>
+        <a:effectStyle>
+          <a:effectLst/>
+        </a:effectStyle>
+        <a:effectStyle>
+          <a:effectLst/>
+        </a:effectStyle>
+        <a:effectStyle>
+          <a:effectLst>
+            <a:outerShdw blurRad="57150" dist="19050" dir="5400000" algn="ctr" rotWithShape="0">
+              <a:srgbClr val="000000">
+                <a:alpha val="63000"/>
+              </a:srgbClr>
+            </a:outerShdw>
+          </a:effectLst>
+        </a:effectStyle>
+      </a:effectStyleLst>
+      <a:bgFillStyleLst>
+        <a:solidFill>
+          <a:schemeClr val="phClr"/>
+        </a:solidFill>
+        <a:solidFill>
+          <a:schemeClr val="phClr">
+            <a:tint val="95000"/>
+            <a:satMod val="170000"/>
+          </a:schemeClr>
+        </a:solidFill>
+        <a:gradFill rotWithShape="1">
+          <a:gsLst>
+            <a:gs pos="0">
+              <a:schemeClr val="phClr">
+                <a:tint val="93000"/>
+                <a:satMod val="150000"/>
+                <a:shade val="98000"/>
+                <a:lumMod val="102000"/>
+              </a:schemeClr>
+            </a:gs>
+            <a:gs pos="50000">
+              <a:schemeClr val="phClr">
+                <a:tint val="98000"/>
+                <a:satMod val="130000"/>
+                <a:shade val="90000"/>
+                <a:lumMod val="103000"/>
+              </a:schemeClr>
+            </a:gs>
+            <a:gs pos="100000">
+              <a:schemeClr val="phClr">
+                <a:shade val="63000"/>
+                <a:satMod val="120000"/>
+              </a:schemeClr>
+            </a:gs>
+          </a:gsLst>
+          <a:lin ang="5400000" scaled="0"/>
+        </a:gradFill>
+      </a:bgFillStyleLst>
+    </a:fmtScheme>
+  </a:themeElements>
+  <a:objectDefaults>
+    <a:lnDef>
+      <a:spPr/>
+      <a:bodyPr/>
+      <a:lstStyle/>
+      <a:style>
+        <a:lnRef idx="2">
+          <a:schemeClr val="accent1"/>
+        </a:lnRef>
+        <a:fillRef idx="0">
+          <a:schemeClr val="accent1"/>
+        </a:fillRef>
+        <a:effectRef idx="1">
+          <a:schemeClr val="accent1"/>
+        </a:effectRef>
+        <a:fontRef idx="minor">
+          <a:schemeClr val="tx1"/>
+        </a:fontRef>
+      </a:style>
+    </a:lnDef>
+  </a:objectDefaults>
+  <a:extraClrSchemeLst/>
+  <a:extLst>
+    <a:ext uri="{05A4C25C-085E-4340-85A3-A5531E510DB2}">
+      <thm15:themeFamily xmlns:thm15="http://schemas.microsoft.com/office/thememl/2012/main" name="Office Theme" id="{2E142A2C-CD16-42D6-873A-C26D2A0506FA}" vid="{1BDDFF52-6CD6-40A5-AB3C-68EB2F1E4D0A}"/>
     </a:ext>
   </a:extLst>
 </a:theme>
